--- a/PDR/pdr_bryce.pptx
+++ b/PDR/pdr_bryce.pptx
@@ -6,10 +6,14 @@
   </p:sldMasterIdLst>
   <p:sldIdLst>
     <p:sldId id="256" r:id="rId2"/>
-    <p:sldId id="259" r:id="rId3"/>
-    <p:sldId id="261" r:id="rId4"/>
-    <p:sldId id="264" r:id="rId5"/>
-    <p:sldId id="263" r:id="rId6"/>
+    <p:sldId id="267" r:id="rId3"/>
+    <p:sldId id="265" r:id="rId4"/>
+    <p:sldId id="259" r:id="rId5"/>
+    <p:sldId id="266" r:id="rId6"/>
+    <p:sldId id="268" r:id="rId7"/>
+    <p:sldId id="261" r:id="rId8"/>
+    <p:sldId id="264" r:id="rId9"/>
+    <p:sldId id="263" r:id="rId10"/>
   </p:sldIdLst>
   <p:sldSz cx="12192000" cy="6858000"/>
   <p:notesSz cx="6858000" cy="9144000"/>
@@ -110,7 +114,7 @@
   </p:defaultTextStyle>
   <p:extLst>
     <p:ext uri="{EFAFB233-063F-42B5-8137-9DF3F51BA10A}">
-      <p15:sldGuideLst xmlns:p15="http://schemas.microsoft.com/office/powerpoint/2012/main"/>
+      <p15:sldGuideLst xmlns:p15="http://schemas.microsoft.com/office/powerpoint/2012/main" xmlns=""/>
     </p:ext>
   </p:extLst>
 </p:presentation>
@@ -523,7 +527,7 @@
           <a:p>
             <a:fld id="{88C1F535-A5A1-4EA3-A78B-2FC391D9B3CD}" type="datetimeFigureOut">
               <a:rPr lang="en-US" smtClean="0"/>
-              <a:t>11/11/2017</a:t>
+              <a:t>11/12/2017</a:t>
             </a:fld>
             <a:endParaRPr lang="en-US"/>
           </a:p>
@@ -702,7 +706,7 @@
           <a:p>
             <a:fld id="{88C1F535-A5A1-4EA3-A78B-2FC391D9B3CD}" type="datetimeFigureOut">
               <a:rPr lang="en-US" smtClean="0"/>
-              <a:t>11/11/2017</a:t>
+              <a:t>11/12/2017</a:t>
             </a:fld>
             <a:endParaRPr lang="en-US"/>
           </a:p>
@@ -882,7 +886,7 @@
           <a:p>
             <a:fld id="{88C1F535-A5A1-4EA3-A78B-2FC391D9B3CD}" type="datetimeFigureOut">
               <a:rPr lang="en-US" smtClean="0"/>
-              <a:t>11/11/2017</a:t>
+              <a:t>11/12/2017</a:t>
             </a:fld>
             <a:endParaRPr lang="en-US"/>
           </a:p>
@@ -1052,7 +1056,7 @@
           <a:p>
             <a:fld id="{88C1F535-A5A1-4EA3-A78B-2FC391D9B3CD}" type="datetimeFigureOut">
               <a:rPr lang="en-US" smtClean="0"/>
-              <a:t>11/11/2017</a:t>
+              <a:t>11/12/2017</a:t>
             </a:fld>
             <a:endParaRPr lang="en-US"/>
           </a:p>
@@ -1365,7 +1369,7 @@
           <a:p>
             <a:fld id="{88C1F535-A5A1-4EA3-A78B-2FC391D9B3CD}" type="datetimeFigureOut">
               <a:rPr lang="en-US" smtClean="0"/>
-              <a:t>11/11/2017</a:t>
+              <a:t>11/12/2017</a:t>
             </a:fld>
             <a:endParaRPr lang="en-US"/>
           </a:p>
@@ -1751,7 +1755,7 @@
           <a:p>
             <a:fld id="{88C1F535-A5A1-4EA3-A78B-2FC391D9B3CD}" type="datetimeFigureOut">
               <a:rPr lang="en-US" smtClean="0"/>
-              <a:t>11/11/2017</a:t>
+              <a:t>11/12/2017</a:t>
             </a:fld>
             <a:endParaRPr lang="en-US"/>
           </a:p>
@@ -2185,7 +2189,7 @@
           <a:p>
             <a:fld id="{88C1F535-A5A1-4EA3-A78B-2FC391D9B3CD}" type="datetimeFigureOut">
               <a:rPr lang="en-US" smtClean="0"/>
-              <a:t>11/11/2017</a:t>
+              <a:t>11/12/2017</a:t>
             </a:fld>
             <a:endParaRPr lang="en-US"/>
           </a:p>
@@ -2303,7 +2307,7 @@
           <a:p>
             <a:fld id="{88C1F535-A5A1-4EA3-A78B-2FC391D9B3CD}" type="datetimeFigureOut">
               <a:rPr lang="en-US" smtClean="0"/>
-              <a:t>11/11/2017</a:t>
+              <a:t>11/12/2017</a:t>
             </a:fld>
             <a:endParaRPr lang="en-US"/>
           </a:p>
@@ -2398,7 +2402,7 @@
           <a:p>
             <a:fld id="{88C1F535-A5A1-4EA3-A78B-2FC391D9B3CD}" type="datetimeFigureOut">
               <a:rPr lang="en-US" smtClean="0"/>
-              <a:t>11/11/2017</a:t>
+              <a:t>11/12/2017</a:t>
             </a:fld>
             <a:endParaRPr lang="en-US"/>
           </a:p>
@@ -2748,7 +2752,7 @@
           <a:p>
             <a:fld id="{88C1F535-A5A1-4EA3-A78B-2FC391D9B3CD}" type="datetimeFigureOut">
               <a:rPr lang="en-US" smtClean="0"/>
-              <a:t>11/11/2017</a:t>
+              <a:t>11/12/2017</a:t>
             </a:fld>
             <a:endParaRPr lang="en-US"/>
           </a:p>
@@ -3173,7 +3177,7 @@
           <a:p>
             <a:fld id="{88C1F535-A5A1-4EA3-A78B-2FC391D9B3CD}" type="datetimeFigureOut">
               <a:rPr lang="en-US" smtClean="0"/>
-              <a:t>11/11/2017</a:t>
+              <a:t>11/12/2017</a:t>
             </a:fld>
             <a:endParaRPr lang="en-US"/>
           </a:p>
@@ -3454,7 +3458,7 @@
           <a:p>
             <a:fld id="{88C1F535-A5A1-4EA3-A78B-2FC391D9B3CD}" type="datetimeFigureOut">
               <a:rPr lang="en-US" smtClean="0"/>
-              <a:t>11/11/2017</a:t>
+              <a:t>11/12/2017</a:t>
             </a:fld>
             <a:endParaRPr lang="en-US"/>
           </a:p>
@@ -4118,6 +4122,11 @@
               <a:rPr lang="en-US" sz="1600" dirty="0"/>
               <a:t>Gregory Walls	- </a:t>
             </a:r>
+            <a:r>
+              <a:rPr lang="en-US" sz="1600" dirty="0" smtClean="0"/>
+              <a:t>GTID: 903289298</a:t>
+            </a:r>
+            <a:endParaRPr lang="en-US" sz="1600" dirty="0"/>
           </a:p>
           <a:p>
             <a:r>
@@ -4206,9 +4215,10 @@
           </a:lstStyle>
           <a:p>
             <a:r>
-              <a:rPr lang="en-US" dirty="0"/>
-              <a:t>Optimizations</a:t>
-            </a:r>
+              <a:rPr lang="en-US" dirty="0" smtClean="0"/>
+              <a:t>Code functionality</a:t>
+            </a:r>
+            <a:endParaRPr lang="en-US" dirty="0"/>
           </a:p>
         </p:txBody>
       </p:sp>
@@ -4287,6 +4297,1451 @@
         </p:nvSpPr>
         <p:spPr>
           <a:xfrm>
+            <a:off x="465220" y="1206720"/>
+            <a:ext cx="5633827" cy="640080"/>
+          </a:xfrm>
+        </p:spPr>
+        <p:txBody>
+          <a:bodyPr/>
+          <a:lstStyle/>
+          <a:p>
+            <a:r>
+              <a:rPr lang="en-US" dirty="0" smtClean="0"/>
+              <a:t>Top-level Design</a:t>
+            </a:r>
+            <a:endParaRPr lang="en-US" dirty="0"/>
+          </a:p>
+        </p:txBody>
+      </p:sp>
+      <p:sp>
+        <p:nvSpPr>
+          <p:cNvPr id="32" name="Content Placeholder 3"/>
+          <p:cNvSpPr>
+            <a:spLocks noGrp="1"/>
+          </p:cNvSpPr>
+          <p:nvPr>
+            <p:ph sz="half" idx="2"/>
+          </p:nvPr>
+        </p:nvSpPr>
+        <p:spPr>
+          <a:xfrm>
+            <a:off x="465220" y="1883796"/>
+            <a:ext cx="4660573" cy="1786683"/>
+          </a:xfrm>
+        </p:spPr>
+        <p:txBody>
+          <a:bodyPr>
+            <a:normAutofit/>
+          </a:bodyPr>
+          <a:lstStyle/>
+          <a:p>
+            <a:r>
+              <a:rPr lang="en-US" dirty="0" smtClean="0"/>
+              <a:t>Generate a VGA Compatible Signal</a:t>
+            </a:r>
+          </a:p>
+          <a:p>
+            <a:r>
+              <a:rPr lang="en-US" dirty="0" smtClean="0"/>
+              <a:t>Select Signals for Controlling the Input and Output of the Design</a:t>
+            </a:r>
+          </a:p>
+          <a:p>
+            <a:r>
+              <a:rPr lang="en-US" dirty="0" smtClean="0"/>
+              <a:t>Output a VGA Compatible Signal</a:t>
+            </a:r>
+            <a:endParaRPr lang="en-US" dirty="0" smtClean="0"/>
+          </a:p>
+          <a:p>
+            <a:endParaRPr lang="en-US" dirty="0"/>
+          </a:p>
+        </p:txBody>
+      </p:sp>
+      <p:sp>
+        <p:nvSpPr>
+          <p:cNvPr id="33" name="Text Placeholder 4"/>
+          <p:cNvSpPr>
+            <a:spLocks noGrp="1"/>
+          </p:cNvSpPr>
+          <p:nvPr>
+            <p:ph type="body" sz="quarter" idx="3"/>
+          </p:nvPr>
+        </p:nvSpPr>
+        <p:spPr>
+          <a:xfrm>
+            <a:off x="5860821" y="1192146"/>
+            <a:ext cx="4754880" cy="640080"/>
+          </a:xfrm>
+        </p:spPr>
+        <p:txBody>
+          <a:bodyPr/>
+          <a:lstStyle/>
+          <a:p>
+            <a:r>
+              <a:rPr lang="en-US" dirty="0" smtClean="0"/>
+              <a:t>Transpose and Edge Detection</a:t>
+            </a:r>
+            <a:endParaRPr lang="en-US" dirty="0"/>
+          </a:p>
+        </p:txBody>
+      </p:sp>
+      <p:sp>
+        <p:nvSpPr>
+          <p:cNvPr id="34" name="Content Placeholder 5"/>
+          <p:cNvSpPr>
+            <a:spLocks noGrp="1"/>
+          </p:cNvSpPr>
+          <p:nvPr>
+            <p:ph sz="quarter" idx="4"/>
+          </p:nvPr>
+        </p:nvSpPr>
+        <p:spPr>
+          <a:xfrm>
+            <a:off x="5860821" y="1859581"/>
+            <a:ext cx="4754880" cy="1913930"/>
+          </a:xfrm>
+        </p:spPr>
+        <p:txBody>
+          <a:bodyPr>
+            <a:normAutofit/>
+          </a:bodyPr>
+          <a:lstStyle/>
+          <a:p>
+            <a:r>
+              <a:rPr lang="en-US" dirty="0" smtClean="0"/>
+              <a:t>Capable of Outputting either the Original Image or the Transpose Image</a:t>
+            </a:r>
+          </a:p>
+          <a:p>
+            <a:r>
+              <a:rPr lang="en-US" dirty="0" smtClean="0"/>
+              <a:t>Capable of Outputting </a:t>
+            </a:r>
+            <a:r>
+              <a:rPr lang="en-US" dirty="0" smtClean="0"/>
+              <a:t>V</a:t>
+            </a:r>
+            <a:r>
+              <a:rPr lang="en-US" dirty="0" smtClean="0"/>
+              <a:t>ertical, Horizontal, or Sum Edge Detection</a:t>
+            </a:r>
+            <a:endParaRPr lang="en-US" dirty="0"/>
+          </a:p>
+        </p:txBody>
+      </p:sp>
+      <p:sp>
+        <p:nvSpPr>
+          <p:cNvPr id="38" name="Content Placeholder 3"/>
+          <p:cNvSpPr txBox="1">
+            <a:spLocks/>
+          </p:cNvSpPr>
+          <p:nvPr/>
+        </p:nvSpPr>
+        <p:spPr>
+          <a:xfrm>
+            <a:off x="480299" y="4363454"/>
+            <a:ext cx="3985848" cy="2401416"/>
+          </a:xfrm>
+          <a:prstGeom prst="rect">
+            <a:avLst/>
+          </a:prstGeom>
+        </p:spPr>
+        <p:txBody>
+          <a:bodyPr vert="horz" lIns="91440" tIns="45720" rIns="91440" bIns="45720" rtlCol="0">
+            <a:normAutofit/>
+          </a:bodyPr>
+          <a:lstStyle>
+            <a:lvl1pPr marL="182880" indent="-182880" algn="l" defTabSz="914400" rtl="0" eaLnBrk="1" latinLnBrk="0" hangingPunct="1">
+              <a:lnSpc>
+                <a:spcPct val="90000"/>
+              </a:lnSpc>
+              <a:spcBef>
+                <a:spcPts val="1200"/>
+              </a:spcBef>
+              <a:buClr>
+                <a:schemeClr val="accent1">
+                  <a:lumMod val="75000"/>
+                </a:schemeClr>
+              </a:buClr>
+              <a:buSzPct val="85000"/>
+              <a:buFont typeface="Wingdings" pitchFamily="2" charset="2"/>
+              <a:buChar char="§"/>
+              <a:defRPr sz="2000" kern="1200">
+                <a:solidFill>
+                  <a:schemeClr val="tx1"/>
+                </a:solidFill>
+                <a:latin typeface="+mn-lt"/>
+                <a:ea typeface="+mn-ea"/>
+                <a:cs typeface="+mn-cs"/>
+              </a:defRPr>
+            </a:lvl1pPr>
+            <a:lvl2pPr marL="457200" indent="-182880" algn="l" defTabSz="914400" rtl="0" eaLnBrk="1" latinLnBrk="0" hangingPunct="1">
+              <a:lnSpc>
+                <a:spcPct val="90000"/>
+              </a:lnSpc>
+              <a:spcBef>
+                <a:spcPts val="400"/>
+              </a:spcBef>
+              <a:spcAft>
+                <a:spcPts val="200"/>
+              </a:spcAft>
+              <a:buClr>
+                <a:schemeClr val="accent1">
+                  <a:lumMod val="75000"/>
+                </a:schemeClr>
+              </a:buClr>
+              <a:buSzPct val="85000"/>
+              <a:buFont typeface="Wingdings" pitchFamily="2" charset="2"/>
+              <a:buChar char="§"/>
+              <a:defRPr sz="1800" kern="1200">
+                <a:solidFill>
+                  <a:schemeClr val="tx1"/>
+                </a:solidFill>
+                <a:latin typeface="+mn-lt"/>
+                <a:ea typeface="+mn-ea"/>
+                <a:cs typeface="+mn-cs"/>
+              </a:defRPr>
+            </a:lvl2pPr>
+            <a:lvl3pPr marL="731520" indent="-182880" algn="l" defTabSz="914400" rtl="0" eaLnBrk="1" latinLnBrk="0" hangingPunct="1">
+              <a:lnSpc>
+                <a:spcPct val="90000"/>
+              </a:lnSpc>
+              <a:spcBef>
+                <a:spcPts val="400"/>
+              </a:spcBef>
+              <a:spcAft>
+                <a:spcPts val="200"/>
+              </a:spcAft>
+              <a:buClr>
+                <a:schemeClr val="accent1">
+                  <a:lumMod val="75000"/>
+                </a:schemeClr>
+              </a:buClr>
+              <a:buSzPct val="85000"/>
+              <a:buFont typeface="Wingdings" pitchFamily="2" charset="2"/>
+              <a:buChar char="§"/>
+              <a:defRPr sz="1600" kern="1200">
+                <a:solidFill>
+                  <a:schemeClr val="tx1"/>
+                </a:solidFill>
+                <a:latin typeface="+mn-lt"/>
+                <a:ea typeface="+mn-ea"/>
+                <a:cs typeface="+mn-cs"/>
+              </a:defRPr>
+            </a:lvl3pPr>
+            <a:lvl4pPr marL="1005840" indent="-182880" algn="l" defTabSz="914400" rtl="0" eaLnBrk="1" latinLnBrk="0" hangingPunct="1">
+              <a:lnSpc>
+                <a:spcPct val="90000"/>
+              </a:lnSpc>
+              <a:spcBef>
+                <a:spcPts val="400"/>
+              </a:spcBef>
+              <a:spcAft>
+                <a:spcPts val="200"/>
+              </a:spcAft>
+              <a:buClr>
+                <a:schemeClr val="accent1">
+                  <a:lumMod val="75000"/>
+                </a:schemeClr>
+              </a:buClr>
+              <a:buSzPct val="85000"/>
+              <a:buFont typeface="Wingdings" pitchFamily="2" charset="2"/>
+              <a:buChar char="§"/>
+              <a:defRPr sz="1600" kern="1200">
+                <a:solidFill>
+                  <a:schemeClr val="tx1"/>
+                </a:solidFill>
+                <a:latin typeface="+mn-lt"/>
+                <a:ea typeface="+mn-ea"/>
+                <a:cs typeface="+mn-cs"/>
+              </a:defRPr>
+            </a:lvl4pPr>
+            <a:lvl5pPr marL="1280160" indent="-182880" algn="l" defTabSz="914400" rtl="0" eaLnBrk="1" latinLnBrk="0" hangingPunct="1">
+              <a:lnSpc>
+                <a:spcPct val="90000"/>
+              </a:lnSpc>
+              <a:spcBef>
+                <a:spcPts val="400"/>
+              </a:spcBef>
+              <a:spcAft>
+                <a:spcPts val="200"/>
+              </a:spcAft>
+              <a:buClr>
+                <a:schemeClr val="accent1">
+                  <a:lumMod val="75000"/>
+                </a:schemeClr>
+              </a:buClr>
+              <a:buSzPct val="85000"/>
+              <a:buFont typeface="Wingdings" pitchFamily="2" charset="2"/>
+              <a:buChar char="§"/>
+              <a:defRPr sz="1600" kern="1200">
+                <a:solidFill>
+                  <a:schemeClr val="tx1"/>
+                </a:solidFill>
+                <a:latin typeface="+mn-lt"/>
+                <a:ea typeface="+mn-ea"/>
+                <a:cs typeface="+mn-cs"/>
+              </a:defRPr>
+            </a:lvl5pPr>
+            <a:lvl6pPr marL="1600000" indent="-228600" algn="l" defTabSz="914400" rtl="0" eaLnBrk="1" latinLnBrk="0" hangingPunct="1">
+              <a:lnSpc>
+                <a:spcPct val="90000"/>
+              </a:lnSpc>
+              <a:spcBef>
+                <a:spcPts val="400"/>
+              </a:spcBef>
+              <a:spcAft>
+                <a:spcPts val="200"/>
+              </a:spcAft>
+              <a:buClr>
+                <a:schemeClr val="accent1">
+                  <a:lumMod val="75000"/>
+                </a:schemeClr>
+              </a:buClr>
+              <a:buSzPct val="85000"/>
+              <a:buFont typeface="Wingdings" pitchFamily="2" charset="2"/>
+              <a:buChar char="§"/>
+              <a:defRPr sz="1600" kern="1200">
+                <a:solidFill>
+                  <a:schemeClr val="tx1"/>
+                </a:solidFill>
+                <a:latin typeface="+mn-lt"/>
+                <a:ea typeface="+mn-ea"/>
+                <a:cs typeface="+mn-cs"/>
+              </a:defRPr>
+            </a:lvl6pPr>
+            <a:lvl7pPr marL="1900000" indent="-228600" algn="l" defTabSz="914400" rtl="0" eaLnBrk="1" latinLnBrk="0" hangingPunct="1">
+              <a:lnSpc>
+                <a:spcPct val="90000"/>
+              </a:lnSpc>
+              <a:spcBef>
+                <a:spcPts val="400"/>
+              </a:spcBef>
+              <a:spcAft>
+                <a:spcPts val="200"/>
+              </a:spcAft>
+              <a:buClr>
+                <a:schemeClr val="accent1">
+                  <a:lumMod val="75000"/>
+                </a:schemeClr>
+              </a:buClr>
+              <a:buSzPct val="85000"/>
+              <a:buFont typeface="Wingdings" pitchFamily="2" charset="2"/>
+              <a:buChar char="§"/>
+              <a:defRPr sz="1600" kern="1200">
+                <a:solidFill>
+                  <a:schemeClr val="tx1"/>
+                </a:solidFill>
+                <a:latin typeface="+mn-lt"/>
+                <a:ea typeface="+mn-ea"/>
+                <a:cs typeface="+mn-cs"/>
+              </a:defRPr>
+            </a:lvl7pPr>
+            <a:lvl8pPr marL="2200000" indent="-228600" algn="l" defTabSz="914400" rtl="0" eaLnBrk="1" latinLnBrk="0" hangingPunct="1">
+              <a:lnSpc>
+                <a:spcPct val="90000"/>
+              </a:lnSpc>
+              <a:spcBef>
+                <a:spcPts val="400"/>
+              </a:spcBef>
+              <a:spcAft>
+                <a:spcPts val="200"/>
+              </a:spcAft>
+              <a:buClr>
+                <a:schemeClr val="accent1">
+                  <a:lumMod val="75000"/>
+                </a:schemeClr>
+              </a:buClr>
+              <a:buSzPct val="85000"/>
+              <a:buFont typeface="Wingdings" pitchFamily="2" charset="2"/>
+              <a:buChar char="§"/>
+              <a:defRPr sz="1600" kern="1200">
+                <a:solidFill>
+                  <a:schemeClr val="tx1"/>
+                </a:solidFill>
+                <a:latin typeface="+mn-lt"/>
+                <a:ea typeface="+mn-ea"/>
+                <a:cs typeface="+mn-cs"/>
+              </a:defRPr>
+            </a:lvl8pPr>
+            <a:lvl9pPr marL="2500000" indent="-228600" algn="l" defTabSz="914400" rtl="0" eaLnBrk="1" latinLnBrk="0" hangingPunct="1">
+              <a:lnSpc>
+                <a:spcPct val="90000"/>
+              </a:lnSpc>
+              <a:spcBef>
+                <a:spcPts val="400"/>
+              </a:spcBef>
+              <a:spcAft>
+                <a:spcPts val="200"/>
+              </a:spcAft>
+              <a:buClr>
+                <a:schemeClr val="accent1">
+                  <a:lumMod val="75000"/>
+                </a:schemeClr>
+              </a:buClr>
+              <a:buSzPct val="85000"/>
+              <a:buFont typeface="Wingdings" pitchFamily="2" charset="2"/>
+              <a:buChar char="§"/>
+              <a:defRPr sz="1600" kern="1200">
+                <a:solidFill>
+                  <a:schemeClr val="tx1"/>
+                </a:solidFill>
+                <a:latin typeface="+mn-lt"/>
+                <a:ea typeface="+mn-ea"/>
+                <a:cs typeface="+mn-cs"/>
+              </a:defRPr>
+            </a:lvl9pPr>
+          </a:lstStyle>
+          <a:p>
+            <a:endParaRPr lang="en-US" dirty="0" smtClean="0"/>
+          </a:p>
+          <a:p>
+            <a:endParaRPr lang="en-US" dirty="0"/>
+          </a:p>
+        </p:txBody>
+      </p:sp>
+      <p:sp>
+        <p:nvSpPr>
+          <p:cNvPr id="40" name="Content Placeholder 5"/>
+          <p:cNvSpPr txBox="1">
+            <a:spLocks/>
+          </p:cNvSpPr>
+          <p:nvPr/>
+        </p:nvSpPr>
+        <p:spPr>
+          <a:xfrm>
+            <a:off x="5860821" y="4336739"/>
+            <a:ext cx="4754880" cy="2327943"/>
+          </a:xfrm>
+          <a:prstGeom prst="rect">
+            <a:avLst/>
+          </a:prstGeom>
+        </p:spPr>
+        <p:txBody>
+          <a:bodyPr vert="horz" lIns="91440" tIns="45720" rIns="91440" bIns="45720" rtlCol="0">
+            <a:normAutofit/>
+          </a:bodyPr>
+          <a:lstStyle>
+            <a:lvl1pPr marL="182880" indent="-182880" algn="l" defTabSz="914400" rtl="0" eaLnBrk="1" latinLnBrk="0" hangingPunct="1">
+              <a:lnSpc>
+                <a:spcPct val="90000"/>
+              </a:lnSpc>
+              <a:spcBef>
+                <a:spcPts val="1200"/>
+              </a:spcBef>
+              <a:buClr>
+                <a:schemeClr val="accent1">
+                  <a:lumMod val="75000"/>
+                </a:schemeClr>
+              </a:buClr>
+              <a:buSzPct val="85000"/>
+              <a:buFont typeface="Wingdings" pitchFamily="2" charset="2"/>
+              <a:buChar char="§"/>
+              <a:defRPr sz="2000" kern="1200">
+                <a:solidFill>
+                  <a:schemeClr val="tx1"/>
+                </a:solidFill>
+                <a:latin typeface="+mn-lt"/>
+                <a:ea typeface="+mn-ea"/>
+                <a:cs typeface="+mn-cs"/>
+              </a:defRPr>
+            </a:lvl1pPr>
+            <a:lvl2pPr marL="457200" indent="-182880" algn="l" defTabSz="914400" rtl="0" eaLnBrk="1" latinLnBrk="0" hangingPunct="1">
+              <a:lnSpc>
+                <a:spcPct val="90000"/>
+              </a:lnSpc>
+              <a:spcBef>
+                <a:spcPts val="400"/>
+              </a:spcBef>
+              <a:spcAft>
+                <a:spcPts val="200"/>
+              </a:spcAft>
+              <a:buClr>
+                <a:schemeClr val="accent1">
+                  <a:lumMod val="75000"/>
+                </a:schemeClr>
+              </a:buClr>
+              <a:buSzPct val="85000"/>
+              <a:buFont typeface="Wingdings" pitchFamily="2" charset="2"/>
+              <a:buChar char="§"/>
+              <a:defRPr sz="1800" kern="1200">
+                <a:solidFill>
+                  <a:schemeClr val="tx1"/>
+                </a:solidFill>
+                <a:latin typeface="+mn-lt"/>
+                <a:ea typeface="+mn-ea"/>
+                <a:cs typeface="+mn-cs"/>
+              </a:defRPr>
+            </a:lvl2pPr>
+            <a:lvl3pPr marL="731520" indent="-182880" algn="l" defTabSz="914400" rtl="0" eaLnBrk="1" latinLnBrk="0" hangingPunct="1">
+              <a:lnSpc>
+                <a:spcPct val="90000"/>
+              </a:lnSpc>
+              <a:spcBef>
+                <a:spcPts val="400"/>
+              </a:spcBef>
+              <a:spcAft>
+                <a:spcPts val="200"/>
+              </a:spcAft>
+              <a:buClr>
+                <a:schemeClr val="accent1">
+                  <a:lumMod val="75000"/>
+                </a:schemeClr>
+              </a:buClr>
+              <a:buSzPct val="85000"/>
+              <a:buFont typeface="Wingdings" pitchFamily="2" charset="2"/>
+              <a:buChar char="§"/>
+              <a:defRPr sz="1600" kern="1200">
+                <a:solidFill>
+                  <a:schemeClr val="tx1"/>
+                </a:solidFill>
+                <a:latin typeface="+mn-lt"/>
+                <a:ea typeface="+mn-ea"/>
+                <a:cs typeface="+mn-cs"/>
+              </a:defRPr>
+            </a:lvl3pPr>
+            <a:lvl4pPr marL="1005840" indent="-182880" algn="l" defTabSz="914400" rtl="0" eaLnBrk="1" latinLnBrk="0" hangingPunct="1">
+              <a:lnSpc>
+                <a:spcPct val="90000"/>
+              </a:lnSpc>
+              <a:spcBef>
+                <a:spcPts val="400"/>
+              </a:spcBef>
+              <a:spcAft>
+                <a:spcPts val="200"/>
+              </a:spcAft>
+              <a:buClr>
+                <a:schemeClr val="accent1">
+                  <a:lumMod val="75000"/>
+                </a:schemeClr>
+              </a:buClr>
+              <a:buSzPct val="85000"/>
+              <a:buFont typeface="Wingdings" pitchFamily="2" charset="2"/>
+              <a:buChar char="§"/>
+              <a:defRPr sz="1600" kern="1200">
+                <a:solidFill>
+                  <a:schemeClr val="tx1"/>
+                </a:solidFill>
+                <a:latin typeface="+mn-lt"/>
+                <a:ea typeface="+mn-ea"/>
+                <a:cs typeface="+mn-cs"/>
+              </a:defRPr>
+            </a:lvl4pPr>
+            <a:lvl5pPr marL="1280160" indent="-182880" algn="l" defTabSz="914400" rtl="0" eaLnBrk="1" latinLnBrk="0" hangingPunct="1">
+              <a:lnSpc>
+                <a:spcPct val="90000"/>
+              </a:lnSpc>
+              <a:spcBef>
+                <a:spcPts val="400"/>
+              </a:spcBef>
+              <a:spcAft>
+                <a:spcPts val="200"/>
+              </a:spcAft>
+              <a:buClr>
+                <a:schemeClr val="accent1">
+                  <a:lumMod val="75000"/>
+                </a:schemeClr>
+              </a:buClr>
+              <a:buSzPct val="85000"/>
+              <a:buFont typeface="Wingdings" pitchFamily="2" charset="2"/>
+              <a:buChar char="§"/>
+              <a:defRPr sz="1600" kern="1200">
+                <a:solidFill>
+                  <a:schemeClr val="tx1"/>
+                </a:solidFill>
+                <a:latin typeface="+mn-lt"/>
+                <a:ea typeface="+mn-ea"/>
+                <a:cs typeface="+mn-cs"/>
+              </a:defRPr>
+            </a:lvl5pPr>
+            <a:lvl6pPr marL="1600000" indent="-228600" algn="l" defTabSz="914400" rtl="0" eaLnBrk="1" latinLnBrk="0" hangingPunct="1">
+              <a:lnSpc>
+                <a:spcPct val="90000"/>
+              </a:lnSpc>
+              <a:spcBef>
+                <a:spcPts val="400"/>
+              </a:spcBef>
+              <a:spcAft>
+                <a:spcPts val="200"/>
+              </a:spcAft>
+              <a:buClr>
+                <a:schemeClr val="accent1">
+                  <a:lumMod val="75000"/>
+                </a:schemeClr>
+              </a:buClr>
+              <a:buSzPct val="85000"/>
+              <a:buFont typeface="Wingdings" pitchFamily="2" charset="2"/>
+              <a:buChar char="§"/>
+              <a:defRPr sz="1600" kern="1200">
+                <a:solidFill>
+                  <a:schemeClr val="tx1"/>
+                </a:solidFill>
+                <a:latin typeface="+mn-lt"/>
+                <a:ea typeface="+mn-ea"/>
+                <a:cs typeface="+mn-cs"/>
+              </a:defRPr>
+            </a:lvl6pPr>
+            <a:lvl7pPr marL="1900000" indent="-228600" algn="l" defTabSz="914400" rtl="0" eaLnBrk="1" latinLnBrk="0" hangingPunct="1">
+              <a:lnSpc>
+                <a:spcPct val="90000"/>
+              </a:lnSpc>
+              <a:spcBef>
+                <a:spcPts val="400"/>
+              </a:spcBef>
+              <a:spcAft>
+                <a:spcPts val="200"/>
+              </a:spcAft>
+              <a:buClr>
+                <a:schemeClr val="accent1">
+                  <a:lumMod val="75000"/>
+                </a:schemeClr>
+              </a:buClr>
+              <a:buSzPct val="85000"/>
+              <a:buFont typeface="Wingdings" pitchFamily="2" charset="2"/>
+              <a:buChar char="§"/>
+              <a:defRPr sz="1600" kern="1200">
+                <a:solidFill>
+                  <a:schemeClr val="tx1"/>
+                </a:solidFill>
+                <a:latin typeface="+mn-lt"/>
+                <a:ea typeface="+mn-ea"/>
+                <a:cs typeface="+mn-cs"/>
+              </a:defRPr>
+            </a:lvl7pPr>
+            <a:lvl8pPr marL="2200000" indent="-228600" algn="l" defTabSz="914400" rtl="0" eaLnBrk="1" latinLnBrk="0" hangingPunct="1">
+              <a:lnSpc>
+                <a:spcPct val="90000"/>
+              </a:lnSpc>
+              <a:spcBef>
+                <a:spcPts val="400"/>
+              </a:spcBef>
+              <a:spcAft>
+                <a:spcPts val="200"/>
+              </a:spcAft>
+              <a:buClr>
+                <a:schemeClr val="accent1">
+                  <a:lumMod val="75000"/>
+                </a:schemeClr>
+              </a:buClr>
+              <a:buSzPct val="85000"/>
+              <a:buFont typeface="Wingdings" pitchFamily="2" charset="2"/>
+              <a:buChar char="§"/>
+              <a:defRPr sz="1600" kern="1200">
+                <a:solidFill>
+                  <a:schemeClr val="tx1"/>
+                </a:solidFill>
+                <a:latin typeface="+mn-lt"/>
+                <a:ea typeface="+mn-ea"/>
+                <a:cs typeface="+mn-cs"/>
+              </a:defRPr>
+            </a:lvl8pPr>
+            <a:lvl9pPr marL="2500000" indent="-228600" algn="l" defTabSz="914400" rtl="0" eaLnBrk="1" latinLnBrk="0" hangingPunct="1">
+              <a:lnSpc>
+                <a:spcPct val="90000"/>
+              </a:lnSpc>
+              <a:spcBef>
+                <a:spcPts val="400"/>
+              </a:spcBef>
+              <a:spcAft>
+                <a:spcPts val="200"/>
+              </a:spcAft>
+              <a:buClr>
+                <a:schemeClr val="accent1">
+                  <a:lumMod val="75000"/>
+                </a:schemeClr>
+              </a:buClr>
+              <a:buSzPct val="85000"/>
+              <a:buFont typeface="Wingdings" pitchFamily="2" charset="2"/>
+              <a:buChar char="§"/>
+              <a:defRPr sz="1600" kern="1200">
+                <a:solidFill>
+                  <a:schemeClr val="tx1"/>
+                </a:solidFill>
+                <a:latin typeface="+mn-lt"/>
+                <a:ea typeface="+mn-ea"/>
+                <a:cs typeface="+mn-cs"/>
+              </a:defRPr>
+            </a:lvl9pPr>
+          </a:lstStyle>
+          <a:p>
+            <a:endParaRPr lang="en-US" dirty="0"/>
+          </a:p>
+        </p:txBody>
+      </p:sp>
+      <p:sp>
+        <p:nvSpPr>
+          <p:cNvPr id="25" name="Content Placeholder 3"/>
+          <p:cNvSpPr txBox="1">
+            <a:spLocks/>
+          </p:cNvSpPr>
+          <p:nvPr/>
+        </p:nvSpPr>
+        <p:spPr>
+          <a:xfrm>
+            <a:off x="5860821" y="4300002"/>
+            <a:ext cx="3985848" cy="2401416"/>
+          </a:xfrm>
+          <a:prstGeom prst="rect">
+            <a:avLst/>
+          </a:prstGeom>
+        </p:spPr>
+        <p:txBody>
+          <a:bodyPr vert="horz" lIns="91440" tIns="45720" rIns="91440" bIns="45720" rtlCol="0">
+            <a:normAutofit/>
+          </a:bodyPr>
+          <a:lstStyle>
+            <a:lvl1pPr marL="182880" indent="-182880" algn="l" defTabSz="914400" rtl="0" eaLnBrk="1" latinLnBrk="0" hangingPunct="1">
+              <a:lnSpc>
+                <a:spcPct val="90000"/>
+              </a:lnSpc>
+              <a:spcBef>
+                <a:spcPts val="1200"/>
+              </a:spcBef>
+              <a:buClr>
+                <a:schemeClr val="accent1">
+                  <a:lumMod val="75000"/>
+                </a:schemeClr>
+              </a:buClr>
+              <a:buSzPct val="85000"/>
+              <a:buFont typeface="Wingdings" pitchFamily="2" charset="2"/>
+              <a:buChar char="§"/>
+              <a:defRPr sz="2000" kern="1200">
+                <a:solidFill>
+                  <a:schemeClr val="tx1"/>
+                </a:solidFill>
+                <a:latin typeface="+mn-lt"/>
+                <a:ea typeface="+mn-ea"/>
+                <a:cs typeface="+mn-cs"/>
+              </a:defRPr>
+            </a:lvl1pPr>
+            <a:lvl2pPr marL="457200" indent="-182880" algn="l" defTabSz="914400" rtl="0" eaLnBrk="1" latinLnBrk="0" hangingPunct="1">
+              <a:lnSpc>
+                <a:spcPct val="90000"/>
+              </a:lnSpc>
+              <a:spcBef>
+                <a:spcPts val="400"/>
+              </a:spcBef>
+              <a:spcAft>
+                <a:spcPts val="200"/>
+              </a:spcAft>
+              <a:buClr>
+                <a:schemeClr val="accent1">
+                  <a:lumMod val="75000"/>
+                </a:schemeClr>
+              </a:buClr>
+              <a:buSzPct val="85000"/>
+              <a:buFont typeface="Wingdings" pitchFamily="2" charset="2"/>
+              <a:buChar char="§"/>
+              <a:defRPr sz="1800" kern="1200">
+                <a:solidFill>
+                  <a:schemeClr val="tx1"/>
+                </a:solidFill>
+                <a:latin typeface="+mn-lt"/>
+                <a:ea typeface="+mn-ea"/>
+                <a:cs typeface="+mn-cs"/>
+              </a:defRPr>
+            </a:lvl2pPr>
+            <a:lvl3pPr marL="731520" indent="-182880" algn="l" defTabSz="914400" rtl="0" eaLnBrk="1" latinLnBrk="0" hangingPunct="1">
+              <a:lnSpc>
+                <a:spcPct val="90000"/>
+              </a:lnSpc>
+              <a:spcBef>
+                <a:spcPts val="400"/>
+              </a:spcBef>
+              <a:spcAft>
+                <a:spcPts val="200"/>
+              </a:spcAft>
+              <a:buClr>
+                <a:schemeClr val="accent1">
+                  <a:lumMod val="75000"/>
+                </a:schemeClr>
+              </a:buClr>
+              <a:buSzPct val="85000"/>
+              <a:buFont typeface="Wingdings" pitchFamily="2" charset="2"/>
+              <a:buChar char="§"/>
+              <a:defRPr sz="1600" kern="1200">
+                <a:solidFill>
+                  <a:schemeClr val="tx1"/>
+                </a:solidFill>
+                <a:latin typeface="+mn-lt"/>
+                <a:ea typeface="+mn-ea"/>
+                <a:cs typeface="+mn-cs"/>
+              </a:defRPr>
+            </a:lvl3pPr>
+            <a:lvl4pPr marL="1005840" indent="-182880" algn="l" defTabSz="914400" rtl="0" eaLnBrk="1" latinLnBrk="0" hangingPunct="1">
+              <a:lnSpc>
+                <a:spcPct val="90000"/>
+              </a:lnSpc>
+              <a:spcBef>
+                <a:spcPts val="400"/>
+              </a:spcBef>
+              <a:spcAft>
+                <a:spcPts val="200"/>
+              </a:spcAft>
+              <a:buClr>
+                <a:schemeClr val="accent1">
+                  <a:lumMod val="75000"/>
+                </a:schemeClr>
+              </a:buClr>
+              <a:buSzPct val="85000"/>
+              <a:buFont typeface="Wingdings" pitchFamily="2" charset="2"/>
+              <a:buChar char="§"/>
+              <a:defRPr sz="1600" kern="1200">
+                <a:solidFill>
+                  <a:schemeClr val="tx1"/>
+                </a:solidFill>
+                <a:latin typeface="+mn-lt"/>
+                <a:ea typeface="+mn-ea"/>
+                <a:cs typeface="+mn-cs"/>
+              </a:defRPr>
+            </a:lvl4pPr>
+            <a:lvl5pPr marL="1280160" indent="-182880" algn="l" defTabSz="914400" rtl="0" eaLnBrk="1" latinLnBrk="0" hangingPunct="1">
+              <a:lnSpc>
+                <a:spcPct val="90000"/>
+              </a:lnSpc>
+              <a:spcBef>
+                <a:spcPts val="400"/>
+              </a:spcBef>
+              <a:spcAft>
+                <a:spcPts val="200"/>
+              </a:spcAft>
+              <a:buClr>
+                <a:schemeClr val="accent1">
+                  <a:lumMod val="75000"/>
+                </a:schemeClr>
+              </a:buClr>
+              <a:buSzPct val="85000"/>
+              <a:buFont typeface="Wingdings" pitchFamily="2" charset="2"/>
+              <a:buChar char="§"/>
+              <a:defRPr sz="1600" kern="1200">
+                <a:solidFill>
+                  <a:schemeClr val="tx1"/>
+                </a:solidFill>
+                <a:latin typeface="+mn-lt"/>
+                <a:ea typeface="+mn-ea"/>
+                <a:cs typeface="+mn-cs"/>
+              </a:defRPr>
+            </a:lvl5pPr>
+            <a:lvl6pPr marL="1600000" indent="-228600" algn="l" defTabSz="914400" rtl="0" eaLnBrk="1" latinLnBrk="0" hangingPunct="1">
+              <a:lnSpc>
+                <a:spcPct val="90000"/>
+              </a:lnSpc>
+              <a:spcBef>
+                <a:spcPts val="400"/>
+              </a:spcBef>
+              <a:spcAft>
+                <a:spcPts val="200"/>
+              </a:spcAft>
+              <a:buClr>
+                <a:schemeClr val="accent1">
+                  <a:lumMod val="75000"/>
+                </a:schemeClr>
+              </a:buClr>
+              <a:buSzPct val="85000"/>
+              <a:buFont typeface="Wingdings" pitchFamily="2" charset="2"/>
+              <a:buChar char="§"/>
+              <a:defRPr sz="1600" kern="1200">
+                <a:solidFill>
+                  <a:schemeClr val="tx1"/>
+                </a:solidFill>
+                <a:latin typeface="+mn-lt"/>
+                <a:ea typeface="+mn-ea"/>
+                <a:cs typeface="+mn-cs"/>
+              </a:defRPr>
+            </a:lvl6pPr>
+            <a:lvl7pPr marL="1900000" indent="-228600" algn="l" defTabSz="914400" rtl="0" eaLnBrk="1" latinLnBrk="0" hangingPunct="1">
+              <a:lnSpc>
+                <a:spcPct val="90000"/>
+              </a:lnSpc>
+              <a:spcBef>
+                <a:spcPts val="400"/>
+              </a:spcBef>
+              <a:spcAft>
+                <a:spcPts val="200"/>
+              </a:spcAft>
+              <a:buClr>
+                <a:schemeClr val="accent1">
+                  <a:lumMod val="75000"/>
+                </a:schemeClr>
+              </a:buClr>
+              <a:buSzPct val="85000"/>
+              <a:buFont typeface="Wingdings" pitchFamily="2" charset="2"/>
+              <a:buChar char="§"/>
+              <a:defRPr sz="1600" kern="1200">
+                <a:solidFill>
+                  <a:schemeClr val="tx1"/>
+                </a:solidFill>
+                <a:latin typeface="+mn-lt"/>
+                <a:ea typeface="+mn-ea"/>
+                <a:cs typeface="+mn-cs"/>
+              </a:defRPr>
+            </a:lvl7pPr>
+            <a:lvl8pPr marL="2200000" indent="-228600" algn="l" defTabSz="914400" rtl="0" eaLnBrk="1" latinLnBrk="0" hangingPunct="1">
+              <a:lnSpc>
+                <a:spcPct val="90000"/>
+              </a:lnSpc>
+              <a:spcBef>
+                <a:spcPts val="400"/>
+              </a:spcBef>
+              <a:spcAft>
+                <a:spcPts val="200"/>
+              </a:spcAft>
+              <a:buClr>
+                <a:schemeClr val="accent1">
+                  <a:lumMod val="75000"/>
+                </a:schemeClr>
+              </a:buClr>
+              <a:buSzPct val="85000"/>
+              <a:buFont typeface="Wingdings" pitchFamily="2" charset="2"/>
+              <a:buChar char="§"/>
+              <a:defRPr sz="1600" kern="1200">
+                <a:solidFill>
+                  <a:schemeClr val="tx1"/>
+                </a:solidFill>
+                <a:latin typeface="+mn-lt"/>
+                <a:ea typeface="+mn-ea"/>
+                <a:cs typeface="+mn-cs"/>
+              </a:defRPr>
+            </a:lvl8pPr>
+            <a:lvl9pPr marL="2500000" indent="-228600" algn="l" defTabSz="914400" rtl="0" eaLnBrk="1" latinLnBrk="0" hangingPunct="1">
+              <a:lnSpc>
+                <a:spcPct val="90000"/>
+              </a:lnSpc>
+              <a:spcBef>
+                <a:spcPts val="400"/>
+              </a:spcBef>
+              <a:spcAft>
+                <a:spcPts val="200"/>
+              </a:spcAft>
+              <a:buClr>
+                <a:schemeClr val="accent1">
+                  <a:lumMod val="75000"/>
+                </a:schemeClr>
+              </a:buClr>
+              <a:buSzPct val="85000"/>
+              <a:buFont typeface="Wingdings" pitchFamily="2" charset="2"/>
+              <a:buChar char="§"/>
+              <a:defRPr sz="1600" kern="1200">
+                <a:solidFill>
+                  <a:schemeClr val="tx1"/>
+                </a:solidFill>
+                <a:latin typeface="+mn-lt"/>
+                <a:ea typeface="+mn-ea"/>
+                <a:cs typeface="+mn-cs"/>
+              </a:defRPr>
+            </a:lvl9pPr>
+          </a:lstStyle>
+          <a:p>
+            <a:endParaRPr lang="en-US" dirty="0" smtClean="0"/>
+          </a:p>
+          <a:p>
+            <a:endParaRPr lang="en-US" dirty="0"/>
+          </a:p>
+        </p:txBody>
+      </p:sp>
+      <p:grpSp>
+        <p:nvGrpSpPr>
+          <p:cNvPr id="2" name="Group 1"/>
+          <p:cNvGrpSpPr/>
+          <p:nvPr/>
+        </p:nvGrpSpPr>
+        <p:grpSpPr>
+          <a:xfrm>
+            <a:off x="994740" y="3928672"/>
+            <a:ext cx="9359967" cy="2215427"/>
+            <a:chOff x="247672" y="3657339"/>
+            <a:chExt cx="11189675" cy="2918461"/>
+          </a:xfrm>
+        </p:grpSpPr>
+        <p:sp>
+          <p:nvSpPr>
+            <p:cNvPr id="26" name="Rectangle 25"/>
+            <p:cNvSpPr/>
+            <p:nvPr/>
+          </p:nvSpPr>
+          <p:spPr>
+            <a:xfrm>
+              <a:off x="247672" y="3657340"/>
+              <a:ext cx="2063261" cy="2918460"/>
+            </a:xfrm>
+            <a:prstGeom prst="rect">
+              <a:avLst/>
+            </a:prstGeom>
+            <a:solidFill>
+              <a:schemeClr val="tx1"/>
+            </a:solidFill>
+          </p:spPr>
+          <p:style>
+            <a:lnRef idx="1">
+              <a:schemeClr val="dk1"/>
+            </a:lnRef>
+            <a:fillRef idx="3">
+              <a:schemeClr val="dk1"/>
+            </a:fillRef>
+            <a:effectRef idx="2">
+              <a:schemeClr val="dk1"/>
+            </a:effectRef>
+            <a:fontRef idx="minor">
+              <a:schemeClr val="lt1"/>
+            </a:fontRef>
+          </p:style>
+          <p:txBody>
+            <a:bodyPr rtlCol="0" anchor="ctr"/>
+            <a:lstStyle/>
+            <a:p>
+              <a:pPr algn="ctr"/>
+              <a:r>
+                <a:rPr lang="en-US" dirty="0" smtClean="0"/>
+                <a:t>Fake Camera Simulator</a:t>
+              </a:r>
+              <a:endParaRPr lang="en-US" dirty="0"/>
+            </a:p>
+          </p:txBody>
+        </p:sp>
+        <p:sp>
+          <p:nvSpPr>
+            <p:cNvPr id="27" name="Rectangle 26"/>
+            <p:cNvSpPr/>
+            <p:nvPr/>
+          </p:nvSpPr>
+          <p:spPr>
+            <a:xfrm>
+              <a:off x="3289810" y="3657339"/>
+              <a:ext cx="2063261" cy="2918460"/>
+            </a:xfrm>
+            <a:prstGeom prst="rect">
+              <a:avLst/>
+            </a:prstGeom>
+            <a:solidFill>
+              <a:schemeClr val="tx1"/>
+            </a:solidFill>
+          </p:spPr>
+          <p:style>
+            <a:lnRef idx="1">
+              <a:schemeClr val="dk1"/>
+            </a:lnRef>
+            <a:fillRef idx="3">
+              <a:schemeClr val="dk1"/>
+            </a:fillRef>
+            <a:effectRef idx="2">
+              <a:schemeClr val="dk1"/>
+            </a:effectRef>
+            <a:fontRef idx="minor">
+              <a:schemeClr val="lt1"/>
+            </a:fontRef>
+          </p:style>
+          <p:txBody>
+            <a:bodyPr rtlCol="0" anchor="ctr"/>
+            <a:lstStyle/>
+            <a:p>
+              <a:pPr algn="ctr"/>
+              <a:r>
+                <a:rPr lang="en-US" dirty="0" smtClean="0"/>
+                <a:t>Transpose</a:t>
+              </a:r>
+            </a:p>
+            <a:p>
+              <a:pPr algn="ctr"/>
+              <a:r>
+                <a:rPr lang="en-US" dirty="0" smtClean="0"/>
+                <a:t>Circuit</a:t>
+              </a:r>
+              <a:endParaRPr lang="en-US" dirty="0"/>
+            </a:p>
+          </p:txBody>
+        </p:sp>
+        <p:sp>
+          <p:nvSpPr>
+            <p:cNvPr id="28" name="Rectangle 27"/>
+            <p:cNvSpPr/>
+            <p:nvPr/>
+          </p:nvSpPr>
+          <p:spPr>
+            <a:xfrm>
+              <a:off x="6331948" y="3657339"/>
+              <a:ext cx="2063261" cy="2918460"/>
+            </a:xfrm>
+            <a:prstGeom prst="rect">
+              <a:avLst/>
+            </a:prstGeom>
+            <a:solidFill>
+              <a:schemeClr val="tx1"/>
+            </a:solidFill>
+          </p:spPr>
+          <p:style>
+            <a:lnRef idx="1">
+              <a:schemeClr val="dk1"/>
+            </a:lnRef>
+            <a:fillRef idx="3">
+              <a:schemeClr val="dk1"/>
+            </a:fillRef>
+            <a:effectRef idx="2">
+              <a:schemeClr val="dk1"/>
+            </a:effectRef>
+            <a:fontRef idx="minor">
+              <a:schemeClr val="lt1"/>
+            </a:fontRef>
+          </p:style>
+          <p:txBody>
+            <a:bodyPr rtlCol="0" anchor="ctr"/>
+            <a:lstStyle/>
+            <a:p>
+              <a:pPr algn="ctr"/>
+              <a:r>
+                <a:rPr lang="en-US" dirty="0" smtClean="0"/>
+                <a:t>Edge Detection Circuit</a:t>
+              </a:r>
+              <a:endParaRPr lang="en-US" dirty="0"/>
+            </a:p>
+          </p:txBody>
+        </p:sp>
+        <p:sp>
+          <p:nvSpPr>
+            <p:cNvPr id="29" name="Rectangle 28"/>
+            <p:cNvSpPr/>
+            <p:nvPr/>
+          </p:nvSpPr>
+          <p:spPr>
+            <a:xfrm>
+              <a:off x="9374086" y="3657339"/>
+              <a:ext cx="2063261" cy="2918460"/>
+            </a:xfrm>
+            <a:prstGeom prst="rect">
+              <a:avLst/>
+            </a:prstGeom>
+            <a:solidFill>
+              <a:schemeClr val="tx1"/>
+            </a:solidFill>
+          </p:spPr>
+          <p:style>
+            <a:lnRef idx="1">
+              <a:schemeClr val="dk1"/>
+            </a:lnRef>
+            <a:fillRef idx="3">
+              <a:schemeClr val="dk1"/>
+            </a:fillRef>
+            <a:effectRef idx="2">
+              <a:schemeClr val="dk1"/>
+            </a:effectRef>
+            <a:fontRef idx="minor">
+              <a:schemeClr val="lt1"/>
+            </a:fontRef>
+          </p:style>
+          <p:txBody>
+            <a:bodyPr rtlCol="0" anchor="ctr"/>
+            <a:lstStyle/>
+            <a:p>
+              <a:pPr algn="ctr"/>
+              <a:r>
+                <a:rPr lang="en-US" dirty="0" smtClean="0"/>
+                <a:t>VGA Output </a:t>
+              </a:r>
+            </a:p>
+            <a:p>
+              <a:pPr algn="ctr"/>
+              <a:r>
+                <a:rPr lang="en-US" dirty="0" smtClean="0"/>
+                <a:t>Circuit</a:t>
+              </a:r>
+              <a:endParaRPr lang="en-US" dirty="0"/>
+            </a:p>
+          </p:txBody>
+        </p:sp>
+        <p:sp>
+          <p:nvSpPr>
+            <p:cNvPr id="30" name="Right Arrow 29"/>
+            <p:cNvSpPr/>
+            <p:nvPr/>
+          </p:nvSpPr>
+          <p:spPr>
+            <a:xfrm>
+              <a:off x="2310933" y="4458805"/>
+              <a:ext cx="978877" cy="1317842"/>
+            </a:xfrm>
+            <a:prstGeom prst="rightArrow">
+              <a:avLst/>
+            </a:prstGeom>
+            <a:solidFill>
+              <a:schemeClr val="tx1">
+                <a:lumMod val="65000"/>
+                <a:lumOff val="35000"/>
+              </a:schemeClr>
+            </a:solidFill>
+          </p:spPr>
+          <p:style>
+            <a:lnRef idx="1">
+              <a:schemeClr val="dk1"/>
+            </a:lnRef>
+            <a:fillRef idx="2">
+              <a:schemeClr val="dk1"/>
+            </a:fillRef>
+            <a:effectRef idx="1">
+              <a:schemeClr val="dk1"/>
+            </a:effectRef>
+            <a:fontRef idx="minor">
+              <a:schemeClr val="dk1"/>
+            </a:fontRef>
+          </p:style>
+          <p:txBody>
+            <a:bodyPr rtlCol="0" anchor="ctr"/>
+            <a:lstStyle/>
+            <a:p>
+              <a:pPr algn="ctr"/>
+              <a:endParaRPr lang="en-US"/>
+            </a:p>
+          </p:txBody>
+        </p:sp>
+        <p:sp>
+          <p:nvSpPr>
+            <p:cNvPr id="48" name="Right Arrow 47"/>
+            <p:cNvSpPr/>
+            <p:nvPr/>
+          </p:nvSpPr>
+          <p:spPr>
+            <a:xfrm>
+              <a:off x="5353071" y="4458805"/>
+              <a:ext cx="978877" cy="1317842"/>
+            </a:xfrm>
+            <a:prstGeom prst="rightArrow">
+              <a:avLst/>
+            </a:prstGeom>
+            <a:solidFill>
+              <a:schemeClr val="tx1">
+                <a:lumMod val="65000"/>
+                <a:lumOff val="35000"/>
+              </a:schemeClr>
+            </a:solidFill>
+          </p:spPr>
+          <p:style>
+            <a:lnRef idx="1">
+              <a:schemeClr val="dk1"/>
+            </a:lnRef>
+            <a:fillRef idx="2">
+              <a:schemeClr val="dk1"/>
+            </a:fillRef>
+            <a:effectRef idx="1">
+              <a:schemeClr val="dk1"/>
+            </a:effectRef>
+            <a:fontRef idx="minor">
+              <a:schemeClr val="dk1"/>
+            </a:fontRef>
+          </p:style>
+          <p:txBody>
+            <a:bodyPr rtlCol="0" anchor="ctr"/>
+            <a:lstStyle/>
+            <a:p>
+              <a:pPr algn="ctr"/>
+              <a:endParaRPr lang="en-US"/>
+            </a:p>
+          </p:txBody>
+        </p:sp>
+        <p:sp>
+          <p:nvSpPr>
+            <p:cNvPr id="49" name="Right Arrow 48"/>
+            <p:cNvSpPr/>
+            <p:nvPr/>
+          </p:nvSpPr>
+          <p:spPr>
+            <a:xfrm>
+              <a:off x="8395209" y="4458805"/>
+              <a:ext cx="978877" cy="1317842"/>
+            </a:xfrm>
+            <a:prstGeom prst="rightArrow">
+              <a:avLst/>
+            </a:prstGeom>
+            <a:solidFill>
+              <a:schemeClr val="tx1">
+                <a:lumMod val="65000"/>
+                <a:lumOff val="35000"/>
+              </a:schemeClr>
+            </a:solidFill>
+          </p:spPr>
+          <p:style>
+            <a:lnRef idx="1">
+              <a:schemeClr val="dk1"/>
+            </a:lnRef>
+            <a:fillRef idx="2">
+              <a:schemeClr val="dk1"/>
+            </a:fillRef>
+            <a:effectRef idx="1">
+              <a:schemeClr val="dk1"/>
+            </a:effectRef>
+            <a:fontRef idx="minor">
+              <a:schemeClr val="dk1"/>
+            </a:fontRef>
+          </p:style>
+          <p:txBody>
+            <a:bodyPr rtlCol="0" anchor="ctr"/>
+            <a:lstStyle/>
+            <a:p>
+              <a:pPr algn="ctr"/>
+              <a:endParaRPr lang="en-US"/>
+            </a:p>
+          </p:txBody>
+        </p:sp>
+      </p:grpSp>
+    </p:spTree>
+    <p:extLst>
+      <p:ext uri="{BB962C8B-B14F-4D97-AF65-F5344CB8AC3E}">
+        <p14:creationId xmlns:p14="http://schemas.microsoft.com/office/powerpoint/2010/main" val="1035334300"/>
+      </p:ext>
+    </p:extLst>
+  </p:cSld>
+  <p:clrMapOvr>
+    <a:masterClrMapping/>
+  </p:clrMapOvr>
+</p:sld>
+</file>
+
+<file path=ppt/slides/slide3.xml><?xml version="1.0" encoding="utf-8"?>
+<p:sld xmlns:a="http://schemas.openxmlformats.org/drawingml/2006/main" xmlns:r="http://schemas.openxmlformats.org/officeDocument/2006/relationships" xmlns:p="http://schemas.openxmlformats.org/presentationml/2006/main">
+  <p:cSld>
+    <p:spTree>
+      <p:nvGrpSpPr>
+        <p:cNvPr id="1" name=""/>
+        <p:cNvGrpSpPr/>
+        <p:nvPr/>
+      </p:nvGrpSpPr>
+      <p:grpSpPr>
+        <a:xfrm>
+          <a:off x="0" y="0"/>
+          <a:ext cx="0" cy="0"/>
+          <a:chOff x="0" y="0"/>
+          <a:chExt cx="0" cy="0"/>
+        </a:xfrm>
+      </p:grpSpPr>
+      <p:sp>
+        <p:nvSpPr>
+          <p:cNvPr id="8" name="Title 1"/>
+          <p:cNvSpPr txBox="1">
+            <a:spLocks/>
+          </p:cNvSpPr>
+          <p:nvPr/>
+        </p:nvSpPr>
+        <p:spPr>
+          <a:xfrm>
+            <a:off x="465220" y="64168"/>
+            <a:ext cx="10058400" cy="925307"/>
+          </a:xfrm>
+          <a:prstGeom prst="rect">
+            <a:avLst/>
+          </a:prstGeom>
+        </p:spPr>
+        <p:txBody>
+          <a:bodyPr vert="horz" lIns="91440" tIns="45720" rIns="91440" bIns="45720" rtlCol="0" anchor="ctr">
+            <a:normAutofit/>
+          </a:bodyPr>
+          <a:lstStyle>
+            <a:lvl1pPr algn="l" defTabSz="914400" rtl="0" eaLnBrk="1" latinLnBrk="0" hangingPunct="1">
+              <a:lnSpc>
+                <a:spcPct val="90000"/>
+              </a:lnSpc>
+              <a:spcBef>
+                <a:spcPct val="0"/>
+              </a:spcBef>
+              <a:buNone/>
+              <a:defRPr sz="5400" kern="1200" cap="all" baseline="0">
+                <a:blipFill>
+                  <a:blip r:embed="rId2">
+                    <a:extLst>
+                      <a:ext uri="{28A0092B-C50C-407E-A947-70E740481C1C}">
+                        <a14:useLocalDpi xmlns:a14="http://schemas.microsoft.com/office/drawing/2010/main" val="0"/>
+                      </a:ext>
+                    </a:extLst>
+                  </a:blip>
+                  <a:tile tx="6350" ty="-127000" sx="65000" sy="64000" flip="none" algn="tl"/>
+                </a:blipFill>
+                <a:latin typeface="+mj-lt"/>
+                <a:ea typeface="+mj-ea"/>
+                <a:cs typeface="+mj-cs"/>
+              </a:defRPr>
+            </a:lvl1pPr>
+          </a:lstStyle>
+          <a:p>
+            <a:r>
+              <a:rPr lang="en-US" dirty="0" smtClean="0"/>
+              <a:t>Components</a:t>
+            </a:r>
+            <a:endParaRPr lang="en-US" dirty="0"/>
+          </a:p>
+        </p:txBody>
+      </p:sp>
+      <p:sp>
+        <p:nvSpPr>
+          <p:cNvPr id="9" name="Line 7"/>
+          <p:cNvSpPr>
+            <a:spLocks noChangeShapeType="1"/>
+          </p:cNvSpPr>
+          <p:nvPr/>
+        </p:nvSpPr>
+        <p:spPr bwMode="auto">
+          <a:xfrm flipV="1">
+            <a:off x="465220" y="1013537"/>
+            <a:ext cx="11237495" cy="1"/>
+          </a:xfrm>
+          <a:prstGeom prst="line">
+            <a:avLst/>
+          </a:prstGeom>
+          <a:noFill/>
+          <a:ln w="28575">
+            <a:solidFill>
+              <a:srgbClr val="000000"/>
+            </a:solidFill>
+            <a:round/>
+            <a:headEnd/>
+            <a:tailEnd/>
+          </a:ln>
+        </p:spPr>
+        <p:txBody>
+          <a:bodyPr wrap="square" anchor="ctr">
+            <a:prstTxWarp prst="textNoShape">
+              <a:avLst/>
+            </a:prstTxWarp>
+            <a:spAutoFit/>
+          </a:bodyPr>
+          <a:lstStyle/>
+          <a:p>
+            <a:endParaRPr lang="en-US" dirty="0"/>
+          </a:p>
+        </p:txBody>
+      </p:sp>
+      <p:pic>
+        <p:nvPicPr>
+          <p:cNvPr id="10" name="Picture 9"/>
+          <p:cNvPicPr>
+            <a:picLocks noChangeAspect="1"/>
+          </p:cNvPicPr>
+          <p:nvPr/>
+        </p:nvPicPr>
+        <p:blipFill>
+          <a:blip r:embed="rId3"/>
+          <a:stretch>
+            <a:fillRect/>
+          </a:stretch>
+        </p:blipFill>
+        <p:spPr>
+          <a:xfrm>
+            <a:off x="9947757" y="152011"/>
+            <a:ext cx="1937836" cy="708780"/>
+          </a:xfrm>
+          <a:prstGeom prst="rect">
+            <a:avLst/>
+          </a:prstGeom>
+        </p:spPr>
+      </p:pic>
+      <p:sp>
+        <p:nvSpPr>
+          <p:cNvPr id="31" name="Text Placeholder 2"/>
+          <p:cNvSpPr>
+            <a:spLocks noGrp="1"/>
+          </p:cNvSpPr>
+          <p:nvPr>
+            <p:ph type="body" idx="1"/>
+          </p:nvPr>
+        </p:nvSpPr>
+        <p:spPr>
+          <a:xfrm>
             <a:off x="462171" y="1013537"/>
             <a:ext cx="5633827" cy="640080"/>
           </a:xfrm>
@@ -4324,16 +5779,7 @@
           </a:bodyPr>
           <a:lstStyle/>
           <a:p>
-            <a:r>
-              <a:rPr lang="en-US" dirty="0"/>
-              <a:t>Consolidate Individual Frame FVAL/LVAL Control Signal Generations To Single Module</a:t>
-            </a:r>
-          </a:p>
-          <a:p>
-            <a:r>
-              <a:rPr lang="en-US" dirty="0"/>
-              <a:t>Reduce Resource Utilization For Horizontal/Vertical Ramp Test Pattern Data Generation </a:t>
-            </a:r>
+            <a:endParaRPr lang="en-US" dirty="0"/>
           </a:p>
         </p:txBody>
       </p:sp>
@@ -4386,7 +5832,1959 @@
           </a:bodyPr>
           <a:lstStyle/>
           <a:p>
+            <a:r>
+              <a:rPr lang="en-US" dirty="0" smtClean="0"/>
+              <a:t>Receives Input from the Fake Camera Simulator and Buffers the Image</a:t>
+            </a:r>
+          </a:p>
+          <a:p>
+            <a:r>
+              <a:rPr lang="en-US" dirty="0" smtClean="0"/>
+              <a:t>Outputs the Original Image when the Select Signal is Logic Low</a:t>
+            </a:r>
+          </a:p>
+          <a:p>
+            <a:r>
+              <a:rPr lang="en-US" dirty="0" smtClean="0"/>
+              <a:t>Outputs the Transpose Image when the Select Signal is Logic High</a:t>
+            </a:r>
             <a:endParaRPr lang="en-US" dirty="0"/>
+          </a:p>
+        </p:txBody>
+      </p:sp>
+      <p:sp>
+        <p:nvSpPr>
+          <p:cNvPr id="35" name="Line 6"/>
+          <p:cNvSpPr>
+            <a:spLocks noChangeShapeType="1"/>
+          </p:cNvSpPr>
+          <p:nvPr/>
+        </p:nvSpPr>
+        <p:spPr bwMode="auto">
+          <a:xfrm>
+            <a:off x="5821680" y="1235242"/>
+            <a:ext cx="16041" cy="5447575"/>
+          </a:xfrm>
+          <a:prstGeom prst="line">
+            <a:avLst/>
+          </a:prstGeom>
+          <a:noFill/>
+          <a:ln w="28575">
+            <a:solidFill>
+              <a:schemeClr val="tx1"/>
+            </a:solidFill>
+            <a:round/>
+            <a:headEnd/>
+            <a:tailEnd/>
+          </a:ln>
+        </p:spPr>
+        <p:txBody>
+          <a:bodyPr wrap="none" anchor="ctr">
+            <a:prstTxWarp prst="textNoShape">
+              <a:avLst/>
+            </a:prstTxWarp>
+          </a:bodyPr>
+          <a:lstStyle/>
+          <a:p>
+            <a:endParaRPr lang="en-US" dirty="0"/>
+          </a:p>
+        </p:txBody>
+      </p:sp>
+      <p:sp>
+        <p:nvSpPr>
+          <p:cNvPr id="36" name="Line 7"/>
+          <p:cNvSpPr>
+            <a:spLocks noChangeShapeType="1"/>
+          </p:cNvSpPr>
+          <p:nvPr/>
+        </p:nvSpPr>
+        <p:spPr bwMode="auto">
+          <a:xfrm flipV="1">
+            <a:off x="477250" y="3873162"/>
+            <a:ext cx="11237495" cy="16041"/>
+          </a:xfrm>
+          <a:prstGeom prst="line">
+            <a:avLst/>
+          </a:prstGeom>
+          <a:noFill/>
+          <a:ln w="28575">
+            <a:solidFill>
+              <a:srgbClr val="000000"/>
+            </a:solidFill>
+            <a:round/>
+            <a:headEnd/>
+            <a:tailEnd/>
+          </a:ln>
+        </p:spPr>
+        <p:txBody>
+          <a:bodyPr wrap="square" anchor="ctr">
+            <a:prstTxWarp prst="textNoShape">
+              <a:avLst/>
+            </a:prstTxWarp>
+            <a:spAutoFit/>
+          </a:bodyPr>
+          <a:lstStyle/>
+          <a:p>
+            <a:endParaRPr lang="en-US" dirty="0"/>
+          </a:p>
+        </p:txBody>
+      </p:sp>
+      <p:sp>
+        <p:nvSpPr>
+          <p:cNvPr id="37" name="Text Placeholder 2"/>
+          <p:cNvSpPr txBox="1">
+            <a:spLocks/>
+          </p:cNvSpPr>
+          <p:nvPr/>
+        </p:nvSpPr>
+        <p:spPr>
+          <a:xfrm>
+            <a:off x="477250" y="3889203"/>
+            <a:ext cx="5633827" cy="640080"/>
+          </a:xfrm>
+          <a:prstGeom prst="rect">
+            <a:avLst/>
+          </a:prstGeom>
+        </p:spPr>
+        <p:txBody>
+          <a:bodyPr vert="horz" lIns="91440" tIns="45720" rIns="91440" bIns="45720" rtlCol="0" anchor="ctr">
+            <a:normAutofit/>
+          </a:bodyPr>
+          <a:lstStyle>
+            <a:lvl1pPr marL="0" indent="0" algn="l" defTabSz="914400" rtl="0" eaLnBrk="1" latinLnBrk="0" hangingPunct="1">
+              <a:lnSpc>
+                <a:spcPct val="90000"/>
+              </a:lnSpc>
+              <a:spcBef>
+                <a:spcPts val="1200"/>
+              </a:spcBef>
+              <a:buClr>
+                <a:schemeClr val="accent1">
+                  <a:lumMod val="75000"/>
+                </a:schemeClr>
+              </a:buClr>
+              <a:buSzPct val="85000"/>
+              <a:buFont typeface="Wingdings" pitchFamily="2" charset="2"/>
+              <a:buNone/>
+              <a:defRPr sz="2000" b="1" kern="1200">
+                <a:solidFill>
+                  <a:schemeClr val="accent1">
+                    <a:lumMod val="75000"/>
+                  </a:schemeClr>
+                </a:solidFill>
+                <a:latin typeface="+mn-lt"/>
+                <a:ea typeface="+mn-ea"/>
+                <a:cs typeface="+mn-cs"/>
+              </a:defRPr>
+            </a:lvl1pPr>
+            <a:lvl2pPr marL="457200" indent="0" algn="l" defTabSz="914400" rtl="0" eaLnBrk="1" latinLnBrk="0" hangingPunct="1">
+              <a:lnSpc>
+                <a:spcPct val="90000"/>
+              </a:lnSpc>
+              <a:spcBef>
+                <a:spcPts val="400"/>
+              </a:spcBef>
+              <a:spcAft>
+                <a:spcPts val="200"/>
+              </a:spcAft>
+              <a:buClr>
+                <a:schemeClr val="accent1">
+                  <a:lumMod val="75000"/>
+                </a:schemeClr>
+              </a:buClr>
+              <a:buSzPct val="85000"/>
+              <a:buFont typeface="Wingdings" pitchFamily="2" charset="2"/>
+              <a:buNone/>
+              <a:defRPr sz="2000" b="1" kern="1200">
+                <a:solidFill>
+                  <a:schemeClr val="tx1"/>
+                </a:solidFill>
+                <a:latin typeface="+mn-lt"/>
+                <a:ea typeface="+mn-ea"/>
+                <a:cs typeface="+mn-cs"/>
+              </a:defRPr>
+            </a:lvl2pPr>
+            <a:lvl3pPr marL="914400" indent="0" algn="l" defTabSz="914400" rtl="0" eaLnBrk="1" latinLnBrk="0" hangingPunct="1">
+              <a:lnSpc>
+                <a:spcPct val="90000"/>
+              </a:lnSpc>
+              <a:spcBef>
+                <a:spcPts val="400"/>
+              </a:spcBef>
+              <a:spcAft>
+                <a:spcPts val="200"/>
+              </a:spcAft>
+              <a:buClr>
+                <a:schemeClr val="accent1">
+                  <a:lumMod val="75000"/>
+                </a:schemeClr>
+              </a:buClr>
+              <a:buSzPct val="85000"/>
+              <a:buFont typeface="Wingdings" pitchFamily="2" charset="2"/>
+              <a:buNone/>
+              <a:defRPr sz="1800" b="1" kern="1200">
+                <a:solidFill>
+                  <a:schemeClr val="tx1"/>
+                </a:solidFill>
+                <a:latin typeface="+mn-lt"/>
+                <a:ea typeface="+mn-ea"/>
+                <a:cs typeface="+mn-cs"/>
+              </a:defRPr>
+            </a:lvl3pPr>
+            <a:lvl4pPr marL="1371600" indent="0" algn="l" defTabSz="914400" rtl="0" eaLnBrk="1" latinLnBrk="0" hangingPunct="1">
+              <a:lnSpc>
+                <a:spcPct val="90000"/>
+              </a:lnSpc>
+              <a:spcBef>
+                <a:spcPts val="400"/>
+              </a:spcBef>
+              <a:spcAft>
+                <a:spcPts val="200"/>
+              </a:spcAft>
+              <a:buClr>
+                <a:schemeClr val="accent1">
+                  <a:lumMod val="75000"/>
+                </a:schemeClr>
+              </a:buClr>
+              <a:buSzPct val="85000"/>
+              <a:buFont typeface="Wingdings" pitchFamily="2" charset="2"/>
+              <a:buNone/>
+              <a:defRPr sz="1600" b="1" kern="1200">
+                <a:solidFill>
+                  <a:schemeClr val="tx1"/>
+                </a:solidFill>
+                <a:latin typeface="+mn-lt"/>
+                <a:ea typeface="+mn-ea"/>
+                <a:cs typeface="+mn-cs"/>
+              </a:defRPr>
+            </a:lvl4pPr>
+            <a:lvl5pPr marL="1828800" indent="0" algn="l" defTabSz="914400" rtl="0" eaLnBrk="1" latinLnBrk="0" hangingPunct="1">
+              <a:lnSpc>
+                <a:spcPct val="90000"/>
+              </a:lnSpc>
+              <a:spcBef>
+                <a:spcPts val="400"/>
+              </a:spcBef>
+              <a:spcAft>
+                <a:spcPts val="200"/>
+              </a:spcAft>
+              <a:buClr>
+                <a:schemeClr val="accent1">
+                  <a:lumMod val="75000"/>
+                </a:schemeClr>
+              </a:buClr>
+              <a:buSzPct val="85000"/>
+              <a:buFont typeface="Wingdings" pitchFamily="2" charset="2"/>
+              <a:buNone/>
+              <a:defRPr sz="1600" b="1" kern="1200">
+                <a:solidFill>
+                  <a:schemeClr val="tx1"/>
+                </a:solidFill>
+                <a:latin typeface="+mn-lt"/>
+                <a:ea typeface="+mn-ea"/>
+                <a:cs typeface="+mn-cs"/>
+              </a:defRPr>
+            </a:lvl5pPr>
+            <a:lvl6pPr marL="2286000" indent="0" algn="l" defTabSz="914400" rtl="0" eaLnBrk="1" latinLnBrk="0" hangingPunct="1">
+              <a:lnSpc>
+                <a:spcPct val="90000"/>
+              </a:lnSpc>
+              <a:spcBef>
+                <a:spcPts val="400"/>
+              </a:spcBef>
+              <a:spcAft>
+                <a:spcPts val="200"/>
+              </a:spcAft>
+              <a:buClr>
+                <a:schemeClr val="accent1">
+                  <a:lumMod val="75000"/>
+                </a:schemeClr>
+              </a:buClr>
+              <a:buSzPct val="85000"/>
+              <a:buFont typeface="Wingdings" pitchFamily="2" charset="2"/>
+              <a:buNone/>
+              <a:defRPr sz="1600" b="1" kern="1200">
+                <a:solidFill>
+                  <a:schemeClr val="tx1"/>
+                </a:solidFill>
+                <a:latin typeface="+mn-lt"/>
+                <a:ea typeface="+mn-ea"/>
+                <a:cs typeface="+mn-cs"/>
+              </a:defRPr>
+            </a:lvl6pPr>
+            <a:lvl7pPr marL="2743200" indent="0" algn="l" defTabSz="914400" rtl="0" eaLnBrk="1" latinLnBrk="0" hangingPunct="1">
+              <a:lnSpc>
+                <a:spcPct val="90000"/>
+              </a:lnSpc>
+              <a:spcBef>
+                <a:spcPts val="400"/>
+              </a:spcBef>
+              <a:spcAft>
+                <a:spcPts val="200"/>
+              </a:spcAft>
+              <a:buClr>
+                <a:schemeClr val="accent1">
+                  <a:lumMod val="75000"/>
+                </a:schemeClr>
+              </a:buClr>
+              <a:buSzPct val="85000"/>
+              <a:buFont typeface="Wingdings" pitchFamily="2" charset="2"/>
+              <a:buNone/>
+              <a:defRPr sz="1600" b="1" kern="1200">
+                <a:solidFill>
+                  <a:schemeClr val="tx1"/>
+                </a:solidFill>
+                <a:latin typeface="+mn-lt"/>
+                <a:ea typeface="+mn-ea"/>
+                <a:cs typeface="+mn-cs"/>
+              </a:defRPr>
+            </a:lvl7pPr>
+            <a:lvl8pPr marL="3200400" indent="0" algn="l" defTabSz="914400" rtl="0" eaLnBrk="1" latinLnBrk="0" hangingPunct="1">
+              <a:lnSpc>
+                <a:spcPct val="90000"/>
+              </a:lnSpc>
+              <a:spcBef>
+                <a:spcPts val="400"/>
+              </a:spcBef>
+              <a:spcAft>
+                <a:spcPts val="200"/>
+              </a:spcAft>
+              <a:buClr>
+                <a:schemeClr val="accent1">
+                  <a:lumMod val="75000"/>
+                </a:schemeClr>
+              </a:buClr>
+              <a:buSzPct val="85000"/>
+              <a:buFont typeface="Wingdings" pitchFamily="2" charset="2"/>
+              <a:buNone/>
+              <a:defRPr sz="1600" b="1" kern="1200">
+                <a:solidFill>
+                  <a:schemeClr val="tx1"/>
+                </a:solidFill>
+                <a:latin typeface="+mn-lt"/>
+                <a:ea typeface="+mn-ea"/>
+                <a:cs typeface="+mn-cs"/>
+              </a:defRPr>
+            </a:lvl8pPr>
+            <a:lvl9pPr marL="3657600" indent="0" algn="l" defTabSz="914400" rtl="0" eaLnBrk="1" latinLnBrk="0" hangingPunct="1">
+              <a:lnSpc>
+                <a:spcPct val="90000"/>
+              </a:lnSpc>
+              <a:spcBef>
+                <a:spcPts val="400"/>
+              </a:spcBef>
+              <a:spcAft>
+                <a:spcPts val="200"/>
+              </a:spcAft>
+              <a:buClr>
+                <a:schemeClr val="accent1">
+                  <a:lumMod val="75000"/>
+                </a:schemeClr>
+              </a:buClr>
+              <a:buSzPct val="85000"/>
+              <a:buFont typeface="Wingdings" pitchFamily="2" charset="2"/>
+              <a:buNone/>
+              <a:defRPr sz="1600" b="1" kern="1200">
+                <a:solidFill>
+                  <a:schemeClr val="tx1"/>
+                </a:solidFill>
+                <a:latin typeface="+mn-lt"/>
+                <a:ea typeface="+mn-ea"/>
+                <a:cs typeface="+mn-cs"/>
+              </a:defRPr>
+            </a:lvl9pPr>
+          </a:lstStyle>
+          <a:p>
+            <a:r>
+              <a:rPr lang="en-US" dirty="0"/>
+              <a:t>Edge Detection</a:t>
+            </a:r>
+          </a:p>
+        </p:txBody>
+      </p:sp>
+      <p:sp>
+        <p:nvSpPr>
+          <p:cNvPr id="38" name="Content Placeholder 3"/>
+          <p:cNvSpPr txBox="1">
+            <a:spLocks/>
+          </p:cNvSpPr>
+          <p:nvPr/>
+        </p:nvSpPr>
+        <p:spPr>
+          <a:xfrm>
+            <a:off x="480299" y="4363454"/>
+            <a:ext cx="3985848" cy="2401416"/>
+          </a:xfrm>
+          <a:prstGeom prst="rect">
+            <a:avLst/>
+          </a:prstGeom>
+        </p:spPr>
+        <p:txBody>
+          <a:bodyPr vert="horz" lIns="91440" tIns="45720" rIns="91440" bIns="45720" rtlCol="0">
+            <a:normAutofit/>
+          </a:bodyPr>
+          <a:lstStyle>
+            <a:lvl1pPr marL="182880" indent="-182880" algn="l" defTabSz="914400" rtl="0" eaLnBrk="1" latinLnBrk="0" hangingPunct="1">
+              <a:lnSpc>
+                <a:spcPct val="90000"/>
+              </a:lnSpc>
+              <a:spcBef>
+                <a:spcPts val="1200"/>
+              </a:spcBef>
+              <a:buClr>
+                <a:schemeClr val="accent1">
+                  <a:lumMod val="75000"/>
+                </a:schemeClr>
+              </a:buClr>
+              <a:buSzPct val="85000"/>
+              <a:buFont typeface="Wingdings" pitchFamily="2" charset="2"/>
+              <a:buChar char="§"/>
+              <a:defRPr sz="2000" kern="1200">
+                <a:solidFill>
+                  <a:schemeClr val="tx1"/>
+                </a:solidFill>
+                <a:latin typeface="+mn-lt"/>
+                <a:ea typeface="+mn-ea"/>
+                <a:cs typeface="+mn-cs"/>
+              </a:defRPr>
+            </a:lvl1pPr>
+            <a:lvl2pPr marL="457200" indent="-182880" algn="l" defTabSz="914400" rtl="0" eaLnBrk="1" latinLnBrk="0" hangingPunct="1">
+              <a:lnSpc>
+                <a:spcPct val="90000"/>
+              </a:lnSpc>
+              <a:spcBef>
+                <a:spcPts val="400"/>
+              </a:spcBef>
+              <a:spcAft>
+                <a:spcPts val="200"/>
+              </a:spcAft>
+              <a:buClr>
+                <a:schemeClr val="accent1">
+                  <a:lumMod val="75000"/>
+                </a:schemeClr>
+              </a:buClr>
+              <a:buSzPct val="85000"/>
+              <a:buFont typeface="Wingdings" pitchFamily="2" charset="2"/>
+              <a:buChar char="§"/>
+              <a:defRPr sz="1800" kern="1200">
+                <a:solidFill>
+                  <a:schemeClr val="tx1"/>
+                </a:solidFill>
+                <a:latin typeface="+mn-lt"/>
+                <a:ea typeface="+mn-ea"/>
+                <a:cs typeface="+mn-cs"/>
+              </a:defRPr>
+            </a:lvl2pPr>
+            <a:lvl3pPr marL="731520" indent="-182880" algn="l" defTabSz="914400" rtl="0" eaLnBrk="1" latinLnBrk="0" hangingPunct="1">
+              <a:lnSpc>
+                <a:spcPct val="90000"/>
+              </a:lnSpc>
+              <a:spcBef>
+                <a:spcPts val="400"/>
+              </a:spcBef>
+              <a:spcAft>
+                <a:spcPts val="200"/>
+              </a:spcAft>
+              <a:buClr>
+                <a:schemeClr val="accent1">
+                  <a:lumMod val="75000"/>
+                </a:schemeClr>
+              </a:buClr>
+              <a:buSzPct val="85000"/>
+              <a:buFont typeface="Wingdings" pitchFamily="2" charset="2"/>
+              <a:buChar char="§"/>
+              <a:defRPr sz="1600" kern="1200">
+                <a:solidFill>
+                  <a:schemeClr val="tx1"/>
+                </a:solidFill>
+                <a:latin typeface="+mn-lt"/>
+                <a:ea typeface="+mn-ea"/>
+                <a:cs typeface="+mn-cs"/>
+              </a:defRPr>
+            </a:lvl3pPr>
+            <a:lvl4pPr marL="1005840" indent="-182880" algn="l" defTabSz="914400" rtl="0" eaLnBrk="1" latinLnBrk="0" hangingPunct="1">
+              <a:lnSpc>
+                <a:spcPct val="90000"/>
+              </a:lnSpc>
+              <a:spcBef>
+                <a:spcPts val="400"/>
+              </a:spcBef>
+              <a:spcAft>
+                <a:spcPts val="200"/>
+              </a:spcAft>
+              <a:buClr>
+                <a:schemeClr val="accent1">
+                  <a:lumMod val="75000"/>
+                </a:schemeClr>
+              </a:buClr>
+              <a:buSzPct val="85000"/>
+              <a:buFont typeface="Wingdings" pitchFamily="2" charset="2"/>
+              <a:buChar char="§"/>
+              <a:defRPr sz="1600" kern="1200">
+                <a:solidFill>
+                  <a:schemeClr val="tx1"/>
+                </a:solidFill>
+                <a:latin typeface="+mn-lt"/>
+                <a:ea typeface="+mn-ea"/>
+                <a:cs typeface="+mn-cs"/>
+              </a:defRPr>
+            </a:lvl4pPr>
+            <a:lvl5pPr marL="1280160" indent="-182880" algn="l" defTabSz="914400" rtl="0" eaLnBrk="1" latinLnBrk="0" hangingPunct="1">
+              <a:lnSpc>
+                <a:spcPct val="90000"/>
+              </a:lnSpc>
+              <a:spcBef>
+                <a:spcPts val="400"/>
+              </a:spcBef>
+              <a:spcAft>
+                <a:spcPts val="200"/>
+              </a:spcAft>
+              <a:buClr>
+                <a:schemeClr val="accent1">
+                  <a:lumMod val="75000"/>
+                </a:schemeClr>
+              </a:buClr>
+              <a:buSzPct val="85000"/>
+              <a:buFont typeface="Wingdings" pitchFamily="2" charset="2"/>
+              <a:buChar char="§"/>
+              <a:defRPr sz="1600" kern="1200">
+                <a:solidFill>
+                  <a:schemeClr val="tx1"/>
+                </a:solidFill>
+                <a:latin typeface="+mn-lt"/>
+                <a:ea typeface="+mn-ea"/>
+                <a:cs typeface="+mn-cs"/>
+              </a:defRPr>
+            </a:lvl5pPr>
+            <a:lvl6pPr marL="1600000" indent="-228600" algn="l" defTabSz="914400" rtl="0" eaLnBrk="1" latinLnBrk="0" hangingPunct="1">
+              <a:lnSpc>
+                <a:spcPct val="90000"/>
+              </a:lnSpc>
+              <a:spcBef>
+                <a:spcPts val="400"/>
+              </a:spcBef>
+              <a:spcAft>
+                <a:spcPts val="200"/>
+              </a:spcAft>
+              <a:buClr>
+                <a:schemeClr val="accent1">
+                  <a:lumMod val="75000"/>
+                </a:schemeClr>
+              </a:buClr>
+              <a:buSzPct val="85000"/>
+              <a:buFont typeface="Wingdings" pitchFamily="2" charset="2"/>
+              <a:buChar char="§"/>
+              <a:defRPr sz="1600" kern="1200">
+                <a:solidFill>
+                  <a:schemeClr val="tx1"/>
+                </a:solidFill>
+                <a:latin typeface="+mn-lt"/>
+                <a:ea typeface="+mn-ea"/>
+                <a:cs typeface="+mn-cs"/>
+              </a:defRPr>
+            </a:lvl6pPr>
+            <a:lvl7pPr marL="1900000" indent="-228600" algn="l" defTabSz="914400" rtl="0" eaLnBrk="1" latinLnBrk="0" hangingPunct="1">
+              <a:lnSpc>
+                <a:spcPct val="90000"/>
+              </a:lnSpc>
+              <a:spcBef>
+                <a:spcPts val="400"/>
+              </a:spcBef>
+              <a:spcAft>
+                <a:spcPts val="200"/>
+              </a:spcAft>
+              <a:buClr>
+                <a:schemeClr val="accent1">
+                  <a:lumMod val="75000"/>
+                </a:schemeClr>
+              </a:buClr>
+              <a:buSzPct val="85000"/>
+              <a:buFont typeface="Wingdings" pitchFamily="2" charset="2"/>
+              <a:buChar char="§"/>
+              <a:defRPr sz="1600" kern="1200">
+                <a:solidFill>
+                  <a:schemeClr val="tx1"/>
+                </a:solidFill>
+                <a:latin typeface="+mn-lt"/>
+                <a:ea typeface="+mn-ea"/>
+                <a:cs typeface="+mn-cs"/>
+              </a:defRPr>
+            </a:lvl7pPr>
+            <a:lvl8pPr marL="2200000" indent="-228600" algn="l" defTabSz="914400" rtl="0" eaLnBrk="1" latinLnBrk="0" hangingPunct="1">
+              <a:lnSpc>
+                <a:spcPct val="90000"/>
+              </a:lnSpc>
+              <a:spcBef>
+                <a:spcPts val="400"/>
+              </a:spcBef>
+              <a:spcAft>
+                <a:spcPts val="200"/>
+              </a:spcAft>
+              <a:buClr>
+                <a:schemeClr val="accent1">
+                  <a:lumMod val="75000"/>
+                </a:schemeClr>
+              </a:buClr>
+              <a:buSzPct val="85000"/>
+              <a:buFont typeface="Wingdings" pitchFamily="2" charset="2"/>
+              <a:buChar char="§"/>
+              <a:defRPr sz="1600" kern="1200">
+                <a:solidFill>
+                  <a:schemeClr val="tx1"/>
+                </a:solidFill>
+                <a:latin typeface="+mn-lt"/>
+                <a:ea typeface="+mn-ea"/>
+                <a:cs typeface="+mn-cs"/>
+              </a:defRPr>
+            </a:lvl8pPr>
+            <a:lvl9pPr marL="2500000" indent="-228600" algn="l" defTabSz="914400" rtl="0" eaLnBrk="1" latinLnBrk="0" hangingPunct="1">
+              <a:lnSpc>
+                <a:spcPct val="90000"/>
+              </a:lnSpc>
+              <a:spcBef>
+                <a:spcPts val="400"/>
+              </a:spcBef>
+              <a:spcAft>
+                <a:spcPts val="200"/>
+              </a:spcAft>
+              <a:buClr>
+                <a:schemeClr val="accent1">
+                  <a:lumMod val="75000"/>
+                </a:schemeClr>
+              </a:buClr>
+              <a:buSzPct val="85000"/>
+              <a:buFont typeface="Wingdings" pitchFamily="2" charset="2"/>
+              <a:buChar char="§"/>
+              <a:defRPr sz="1600" kern="1200">
+                <a:solidFill>
+                  <a:schemeClr val="tx1"/>
+                </a:solidFill>
+                <a:latin typeface="+mn-lt"/>
+                <a:ea typeface="+mn-ea"/>
+                <a:cs typeface="+mn-cs"/>
+              </a:defRPr>
+            </a:lvl9pPr>
+          </a:lstStyle>
+          <a:p>
+            <a:endParaRPr lang="en-US" dirty="0" smtClean="0"/>
+          </a:p>
+          <a:p>
+            <a:endParaRPr lang="en-US" dirty="0"/>
+          </a:p>
+        </p:txBody>
+      </p:sp>
+      <p:sp>
+        <p:nvSpPr>
+          <p:cNvPr id="39" name="Text Placeholder 4"/>
+          <p:cNvSpPr txBox="1">
+            <a:spLocks/>
+          </p:cNvSpPr>
+          <p:nvPr/>
+        </p:nvSpPr>
+        <p:spPr>
+          <a:xfrm>
+            <a:off x="5860821" y="3834339"/>
+            <a:ext cx="4754880" cy="640080"/>
+          </a:xfrm>
+          <a:prstGeom prst="rect">
+            <a:avLst/>
+          </a:prstGeom>
+        </p:spPr>
+        <p:txBody>
+          <a:bodyPr vert="horz" lIns="91440" tIns="45720" rIns="91440" bIns="45720" rtlCol="0" anchor="ctr">
+            <a:normAutofit/>
+          </a:bodyPr>
+          <a:lstStyle>
+            <a:lvl1pPr marL="0" indent="0" algn="l" defTabSz="914400" rtl="0" eaLnBrk="1" latinLnBrk="0" hangingPunct="1">
+              <a:lnSpc>
+                <a:spcPct val="90000"/>
+              </a:lnSpc>
+              <a:spcBef>
+                <a:spcPts val="1200"/>
+              </a:spcBef>
+              <a:buClr>
+                <a:schemeClr val="accent1">
+                  <a:lumMod val="75000"/>
+                </a:schemeClr>
+              </a:buClr>
+              <a:buSzPct val="85000"/>
+              <a:buFont typeface="Wingdings" pitchFamily="2" charset="2"/>
+              <a:buNone/>
+              <a:defRPr sz="2000" b="1" kern="1200">
+                <a:solidFill>
+                  <a:schemeClr val="accent1">
+                    <a:lumMod val="75000"/>
+                  </a:schemeClr>
+                </a:solidFill>
+                <a:latin typeface="+mn-lt"/>
+                <a:ea typeface="+mn-ea"/>
+                <a:cs typeface="+mn-cs"/>
+              </a:defRPr>
+            </a:lvl1pPr>
+            <a:lvl2pPr marL="457200" indent="0" algn="l" defTabSz="914400" rtl="0" eaLnBrk="1" latinLnBrk="0" hangingPunct="1">
+              <a:lnSpc>
+                <a:spcPct val="90000"/>
+              </a:lnSpc>
+              <a:spcBef>
+                <a:spcPts val="400"/>
+              </a:spcBef>
+              <a:spcAft>
+                <a:spcPts val="200"/>
+              </a:spcAft>
+              <a:buClr>
+                <a:schemeClr val="accent1">
+                  <a:lumMod val="75000"/>
+                </a:schemeClr>
+              </a:buClr>
+              <a:buSzPct val="85000"/>
+              <a:buFont typeface="Wingdings" pitchFamily="2" charset="2"/>
+              <a:buNone/>
+              <a:defRPr sz="2000" b="1" kern="1200">
+                <a:solidFill>
+                  <a:schemeClr val="tx1"/>
+                </a:solidFill>
+                <a:latin typeface="+mn-lt"/>
+                <a:ea typeface="+mn-ea"/>
+                <a:cs typeface="+mn-cs"/>
+              </a:defRPr>
+            </a:lvl2pPr>
+            <a:lvl3pPr marL="914400" indent="0" algn="l" defTabSz="914400" rtl="0" eaLnBrk="1" latinLnBrk="0" hangingPunct="1">
+              <a:lnSpc>
+                <a:spcPct val="90000"/>
+              </a:lnSpc>
+              <a:spcBef>
+                <a:spcPts val="400"/>
+              </a:spcBef>
+              <a:spcAft>
+                <a:spcPts val="200"/>
+              </a:spcAft>
+              <a:buClr>
+                <a:schemeClr val="accent1">
+                  <a:lumMod val="75000"/>
+                </a:schemeClr>
+              </a:buClr>
+              <a:buSzPct val="85000"/>
+              <a:buFont typeface="Wingdings" pitchFamily="2" charset="2"/>
+              <a:buNone/>
+              <a:defRPr sz="1800" b="1" kern="1200">
+                <a:solidFill>
+                  <a:schemeClr val="tx1"/>
+                </a:solidFill>
+                <a:latin typeface="+mn-lt"/>
+                <a:ea typeface="+mn-ea"/>
+                <a:cs typeface="+mn-cs"/>
+              </a:defRPr>
+            </a:lvl3pPr>
+            <a:lvl4pPr marL="1371600" indent="0" algn="l" defTabSz="914400" rtl="0" eaLnBrk="1" latinLnBrk="0" hangingPunct="1">
+              <a:lnSpc>
+                <a:spcPct val="90000"/>
+              </a:lnSpc>
+              <a:spcBef>
+                <a:spcPts val="400"/>
+              </a:spcBef>
+              <a:spcAft>
+                <a:spcPts val="200"/>
+              </a:spcAft>
+              <a:buClr>
+                <a:schemeClr val="accent1">
+                  <a:lumMod val="75000"/>
+                </a:schemeClr>
+              </a:buClr>
+              <a:buSzPct val="85000"/>
+              <a:buFont typeface="Wingdings" pitchFamily="2" charset="2"/>
+              <a:buNone/>
+              <a:defRPr sz="1600" b="1" kern="1200">
+                <a:solidFill>
+                  <a:schemeClr val="tx1"/>
+                </a:solidFill>
+                <a:latin typeface="+mn-lt"/>
+                <a:ea typeface="+mn-ea"/>
+                <a:cs typeface="+mn-cs"/>
+              </a:defRPr>
+            </a:lvl4pPr>
+            <a:lvl5pPr marL="1828800" indent="0" algn="l" defTabSz="914400" rtl="0" eaLnBrk="1" latinLnBrk="0" hangingPunct="1">
+              <a:lnSpc>
+                <a:spcPct val="90000"/>
+              </a:lnSpc>
+              <a:spcBef>
+                <a:spcPts val="400"/>
+              </a:spcBef>
+              <a:spcAft>
+                <a:spcPts val="200"/>
+              </a:spcAft>
+              <a:buClr>
+                <a:schemeClr val="accent1">
+                  <a:lumMod val="75000"/>
+                </a:schemeClr>
+              </a:buClr>
+              <a:buSzPct val="85000"/>
+              <a:buFont typeface="Wingdings" pitchFamily="2" charset="2"/>
+              <a:buNone/>
+              <a:defRPr sz="1600" b="1" kern="1200">
+                <a:solidFill>
+                  <a:schemeClr val="tx1"/>
+                </a:solidFill>
+                <a:latin typeface="+mn-lt"/>
+                <a:ea typeface="+mn-ea"/>
+                <a:cs typeface="+mn-cs"/>
+              </a:defRPr>
+            </a:lvl5pPr>
+            <a:lvl6pPr marL="2286000" indent="0" algn="l" defTabSz="914400" rtl="0" eaLnBrk="1" latinLnBrk="0" hangingPunct="1">
+              <a:lnSpc>
+                <a:spcPct val="90000"/>
+              </a:lnSpc>
+              <a:spcBef>
+                <a:spcPts val="400"/>
+              </a:spcBef>
+              <a:spcAft>
+                <a:spcPts val="200"/>
+              </a:spcAft>
+              <a:buClr>
+                <a:schemeClr val="accent1">
+                  <a:lumMod val="75000"/>
+                </a:schemeClr>
+              </a:buClr>
+              <a:buSzPct val="85000"/>
+              <a:buFont typeface="Wingdings" pitchFamily="2" charset="2"/>
+              <a:buNone/>
+              <a:defRPr sz="1600" b="1" kern="1200">
+                <a:solidFill>
+                  <a:schemeClr val="tx1"/>
+                </a:solidFill>
+                <a:latin typeface="+mn-lt"/>
+                <a:ea typeface="+mn-ea"/>
+                <a:cs typeface="+mn-cs"/>
+              </a:defRPr>
+            </a:lvl6pPr>
+            <a:lvl7pPr marL="2743200" indent="0" algn="l" defTabSz="914400" rtl="0" eaLnBrk="1" latinLnBrk="0" hangingPunct="1">
+              <a:lnSpc>
+                <a:spcPct val="90000"/>
+              </a:lnSpc>
+              <a:spcBef>
+                <a:spcPts val="400"/>
+              </a:spcBef>
+              <a:spcAft>
+                <a:spcPts val="200"/>
+              </a:spcAft>
+              <a:buClr>
+                <a:schemeClr val="accent1">
+                  <a:lumMod val="75000"/>
+                </a:schemeClr>
+              </a:buClr>
+              <a:buSzPct val="85000"/>
+              <a:buFont typeface="Wingdings" pitchFamily="2" charset="2"/>
+              <a:buNone/>
+              <a:defRPr sz="1600" b="1" kern="1200">
+                <a:solidFill>
+                  <a:schemeClr val="tx1"/>
+                </a:solidFill>
+                <a:latin typeface="+mn-lt"/>
+                <a:ea typeface="+mn-ea"/>
+                <a:cs typeface="+mn-cs"/>
+              </a:defRPr>
+            </a:lvl7pPr>
+            <a:lvl8pPr marL="3200400" indent="0" algn="l" defTabSz="914400" rtl="0" eaLnBrk="1" latinLnBrk="0" hangingPunct="1">
+              <a:lnSpc>
+                <a:spcPct val="90000"/>
+              </a:lnSpc>
+              <a:spcBef>
+                <a:spcPts val="400"/>
+              </a:spcBef>
+              <a:spcAft>
+                <a:spcPts val="200"/>
+              </a:spcAft>
+              <a:buClr>
+                <a:schemeClr val="accent1">
+                  <a:lumMod val="75000"/>
+                </a:schemeClr>
+              </a:buClr>
+              <a:buSzPct val="85000"/>
+              <a:buFont typeface="Wingdings" pitchFamily="2" charset="2"/>
+              <a:buNone/>
+              <a:defRPr sz="1600" b="1" kern="1200">
+                <a:solidFill>
+                  <a:schemeClr val="tx1"/>
+                </a:solidFill>
+                <a:latin typeface="+mn-lt"/>
+                <a:ea typeface="+mn-ea"/>
+                <a:cs typeface="+mn-cs"/>
+              </a:defRPr>
+            </a:lvl8pPr>
+            <a:lvl9pPr marL="3657600" indent="0" algn="l" defTabSz="914400" rtl="0" eaLnBrk="1" latinLnBrk="0" hangingPunct="1">
+              <a:lnSpc>
+                <a:spcPct val="90000"/>
+              </a:lnSpc>
+              <a:spcBef>
+                <a:spcPts val="400"/>
+              </a:spcBef>
+              <a:spcAft>
+                <a:spcPts val="200"/>
+              </a:spcAft>
+              <a:buClr>
+                <a:schemeClr val="accent1">
+                  <a:lumMod val="75000"/>
+                </a:schemeClr>
+              </a:buClr>
+              <a:buSzPct val="85000"/>
+              <a:buFont typeface="Wingdings" pitchFamily="2" charset="2"/>
+              <a:buNone/>
+              <a:defRPr sz="1600" b="1" kern="1200">
+                <a:solidFill>
+                  <a:schemeClr val="tx1"/>
+                </a:solidFill>
+                <a:latin typeface="+mn-lt"/>
+                <a:ea typeface="+mn-ea"/>
+                <a:cs typeface="+mn-cs"/>
+              </a:defRPr>
+            </a:lvl9pPr>
+          </a:lstStyle>
+          <a:p>
+            <a:r>
+              <a:rPr lang="en-US" dirty="0"/>
+              <a:t>VGA Formatter</a:t>
+            </a:r>
+          </a:p>
+        </p:txBody>
+      </p:sp>
+      <p:sp>
+        <p:nvSpPr>
+          <p:cNvPr id="40" name="Content Placeholder 5"/>
+          <p:cNvSpPr txBox="1">
+            <a:spLocks/>
+          </p:cNvSpPr>
+          <p:nvPr/>
+        </p:nvSpPr>
+        <p:spPr>
+          <a:xfrm>
+            <a:off x="5860821" y="4336739"/>
+            <a:ext cx="4754880" cy="2327943"/>
+          </a:xfrm>
+          <a:prstGeom prst="rect">
+            <a:avLst/>
+          </a:prstGeom>
+        </p:spPr>
+        <p:txBody>
+          <a:bodyPr vert="horz" lIns="91440" tIns="45720" rIns="91440" bIns="45720" rtlCol="0">
+            <a:normAutofit/>
+          </a:bodyPr>
+          <a:lstStyle>
+            <a:lvl1pPr marL="182880" indent="-182880" algn="l" defTabSz="914400" rtl="0" eaLnBrk="1" latinLnBrk="0" hangingPunct="1">
+              <a:lnSpc>
+                <a:spcPct val="90000"/>
+              </a:lnSpc>
+              <a:spcBef>
+                <a:spcPts val="1200"/>
+              </a:spcBef>
+              <a:buClr>
+                <a:schemeClr val="accent1">
+                  <a:lumMod val="75000"/>
+                </a:schemeClr>
+              </a:buClr>
+              <a:buSzPct val="85000"/>
+              <a:buFont typeface="Wingdings" pitchFamily="2" charset="2"/>
+              <a:buChar char="§"/>
+              <a:defRPr sz="2000" kern="1200">
+                <a:solidFill>
+                  <a:schemeClr val="tx1"/>
+                </a:solidFill>
+                <a:latin typeface="+mn-lt"/>
+                <a:ea typeface="+mn-ea"/>
+                <a:cs typeface="+mn-cs"/>
+              </a:defRPr>
+            </a:lvl1pPr>
+            <a:lvl2pPr marL="457200" indent="-182880" algn="l" defTabSz="914400" rtl="0" eaLnBrk="1" latinLnBrk="0" hangingPunct="1">
+              <a:lnSpc>
+                <a:spcPct val="90000"/>
+              </a:lnSpc>
+              <a:spcBef>
+                <a:spcPts val="400"/>
+              </a:spcBef>
+              <a:spcAft>
+                <a:spcPts val="200"/>
+              </a:spcAft>
+              <a:buClr>
+                <a:schemeClr val="accent1">
+                  <a:lumMod val="75000"/>
+                </a:schemeClr>
+              </a:buClr>
+              <a:buSzPct val="85000"/>
+              <a:buFont typeface="Wingdings" pitchFamily="2" charset="2"/>
+              <a:buChar char="§"/>
+              <a:defRPr sz="1800" kern="1200">
+                <a:solidFill>
+                  <a:schemeClr val="tx1"/>
+                </a:solidFill>
+                <a:latin typeface="+mn-lt"/>
+                <a:ea typeface="+mn-ea"/>
+                <a:cs typeface="+mn-cs"/>
+              </a:defRPr>
+            </a:lvl2pPr>
+            <a:lvl3pPr marL="731520" indent="-182880" algn="l" defTabSz="914400" rtl="0" eaLnBrk="1" latinLnBrk="0" hangingPunct="1">
+              <a:lnSpc>
+                <a:spcPct val="90000"/>
+              </a:lnSpc>
+              <a:spcBef>
+                <a:spcPts val="400"/>
+              </a:spcBef>
+              <a:spcAft>
+                <a:spcPts val="200"/>
+              </a:spcAft>
+              <a:buClr>
+                <a:schemeClr val="accent1">
+                  <a:lumMod val="75000"/>
+                </a:schemeClr>
+              </a:buClr>
+              <a:buSzPct val="85000"/>
+              <a:buFont typeface="Wingdings" pitchFamily="2" charset="2"/>
+              <a:buChar char="§"/>
+              <a:defRPr sz="1600" kern="1200">
+                <a:solidFill>
+                  <a:schemeClr val="tx1"/>
+                </a:solidFill>
+                <a:latin typeface="+mn-lt"/>
+                <a:ea typeface="+mn-ea"/>
+                <a:cs typeface="+mn-cs"/>
+              </a:defRPr>
+            </a:lvl3pPr>
+            <a:lvl4pPr marL="1005840" indent="-182880" algn="l" defTabSz="914400" rtl="0" eaLnBrk="1" latinLnBrk="0" hangingPunct="1">
+              <a:lnSpc>
+                <a:spcPct val="90000"/>
+              </a:lnSpc>
+              <a:spcBef>
+                <a:spcPts val="400"/>
+              </a:spcBef>
+              <a:spcAft>
+                <a:spcPts val="200"/>
+              </a:spcAft>
+              <a:buClr>
+                <a:schemeClr val="accent1">
+                  <a:lumMod val="75000"/>
+                </a:schemeClr>
+              </a:buClr>
+              <a:buSzPct val="85000"/>
+              <a:buFont typeface="Wingdings" pitchFamily="2" charset="2"/>
+              <a:buChar char="§"/>
+              <a:defRPr sz="1600" kern="1200">
+                <a:solidFill>
+                  <a:schemeClr val="tx1"/>
+                </a:solidFill>
+                <a:latin typeface="+mn-lt"/>
+                <a:ea typeface="+mn-ea"/>
+                <a:cs typeface="+mn-cs"/>
+              </a:defRPr>
+            </a:lvl4pPr>
+            <a:lvl5pPr marL="1280160" indent="-182880" algn="l" defTabSz="914400" rtl="0" eaLnBrk="1" latinLnBrk="0" hangingPunct="1">
+              <a:lnSpc>
+                <a:spcPct val="90000"/>
+              </a:lnSpc>
+              <a:spcBef>
+                <a:spcPts val="400"/>
+              </a:spcBef>
+              <a:spcAft>
+                <a:spcPts val="200"/>
+              </a:spcAft>
+              <a:buClr>
+                <a:schemeClr val="accent1">
+                  <a:lumMod val="75000"/>
+                </a:schemeClr>
+              </a:buClr>
+              <a:buSzPct val="85000"/>
+              <a:buFont typeface="Wingdings" pitchFamily="2" charset="2"/>
+              <a:buChar char="§"/>
+              <a:defRPr sz="1600" kern="1200">
+                <a:solidFill>
+                  <a:schemeClr val="tx1"/>
+                </a:solidFill>
+                <a:latin typeface="+mn-lt"/>
+                <a:ea typeface="+mn-ea"/>
+                <a:cs typeface="+mn-cs"/>
+              </a:defRPr>
+            </a:lvl5pPr>
+            <a:lvl6pPr marL="1600000" indent="-228600" algn="l" defTabSz="914400" rtl="0" eaLnBrk="1" latinLnBrk="0" hangingPunct="1">
+              <a:lnSpc>
+                <a:spcPct val="90000"/>
+              </a:lnSpc>
+              <a:spcBef>
+                <a:spcPts val="400"/>
+              </a:spcBef>
+              <a:spcAft>
+                <a:spcPts val="200"/>
+              </a:spcAft>
+              <a:buClr>
+                <a:schemeClr val="accent1">
+                  <a:lumMod val="75000"/>
+                </a:schemeClr>
+              </a:buClr>
+              <a:buSzPct val="85000"/>
+              <a:buFont typeface="Wingdings" pitchFamily="2" charset="2"/>
+              <a:buChar char="§"/>
+              <a:defRPr sz="1600" kern="1200">
+                <a:solidFill>
+                  <a:schemeClr val="tx1"/>
+                </a:solidFill>
+                <a:latin typeface="+mn-lt"/>
+                <a:ea typeface="+mn-ea"/>
+                <a:cs typeface="+mn-cs"/>
+              </a:defRPr>
+            </a:lvl6pPr>
+            <a:lvl7pPr marL="1900000" indent="-228600" algn="l" defTabSz="914400" rtl="0" eaLnBrk="1" latinLnBrk="0" hangingPunct="1">
+              <a:lnSpc>
+                <a:spcPct val="90000"/>
+              </a:lnSpc>
+              <a:spcBef>
+                <a:spcPts val="400"/>
+              </a:spcBef>
+              <a:spcAft>
+                <a:spcPts val="200"/>
+              </a:spcAft>
+              <a:buClr>
+                <a:schemeClr val="accent1">
+                  <a:lumMod val="75000"/>
+                </a:schemeClr>
+              </a:buClr>
+              <a:buSzPct val="85000"/>
+              <a:buFont typeface="Wingdings" pitchFamily="2" charset="2"/>
+              <a:buChar char="§"/>
+              <a:defRPr sz="1600" kern="1200">
+                <a:solidFill>
+                  <a:schemeClr val="tx1"/>
+                </a:solidFill>
+                <a:latin typeface="+mn-lt"/>
+                <a:ea typeface="+mn-ea"/>
+                <a:cs typeface="+mn-cs"/>
+              </a:defRPr>
+            </a:lvl7pPr>
+            <a:lvl8pPr marL="2200000" indent="-228600" algn="l" defTabSz="914400" rtl="0" eaLnBrk="1" latinLnBrk="0" hangingPunct="1">
+              <a:lnSpc>
+                <a:spcPct val="90000"/>
+              </a:lnSpc>
+              <a:spcBef>
+                <a:spcPts val="400"/>
+              </a:spcBef>
+              <a:spcAft>
+                <a:spcPts val="200"/>
+              </a:spcAft>
+              <a:buClr>
+                <a:schemeClr val="accent1">
+                  <a:lumMod val="75000"/>
+                </a:schemeClr>
+              </a:buClr>
+              <a:buSzPct val="85000"/>
+              <a:buFont typeface="Wingdings" pitchFamily="2" charset="2"/>
+              <a:buChar char="§"/>
+              <a:defRPr sz="1600" kern="1200">
+                <a:solidFill>
+                  <a:schemeClr val="tx1"/>
+                </a:solidFill>
+                <a:latin typeface="+mn-lt"/>
+                <a:ea typeface="+mn-ea"/>
+                <a:cs typeface="+mn-cs"/>
+              </a:defRPr>
+            </a:lvl8pPr>
+            <a:lvl9pPr marL="2500000" indent="-228600" algn="l" defTabSz="914400" rtl="0" eaLnBrk="1" latinLnBrk="0" hangingPunct="1">
+              <a:lnSpc>
+                <a:spcPct val="90000"/>
+              </a:lnSpc>
+              <a:spcBef>
+                <a:spcPts val="400"/>
+              </a:spcBef>
+              <a:spcAft>
+                <a:spcPts val="200"/>
+              </a:spcAft>
+              <a:buClr>
+                <a:schemeClr val="accent1">
+                  <a:lumMod val="75000"/>
+                </a:schemeClr>
+              </a:buClr>
+              <a:buSzPct val="85000"/>
+              <a:buFont typeface="Wingdings" pitchFamily="2" charset="2"/>
+              <a:buChar char="§"/>
+              <a:defRPr sz="1600" kern="1200">
+                <a:solidFill>
+                  <a:schemeClr val="tx1"/>
+                </a:solidFill>
+                <a:latin typeface="+mn-lt"/>
+                <a:ea typeface="+mn-ea"/>
+                <a:cs typeface="+mn-cs"/>
+              </a:defRPr>
+            </a:lvl9pPr>
+          </a:lstStyle>
+          <a:p>
+            <a:endParaRPr lang="en-US" dirty="0"/>
+          </a:p>
+        </p:txBody>
+      </p:sp>
+      <p:pic>
+        <p:nvPicPr>
+          <p:cNvPr id="41" name="Picture 40"/>
+          <p:cNvPicPr>
+            <a:picLocks noChangeAspect="1"/>
+          </p:cNvPicPr>
+          <p:nvPr/>
+        </p:nvPicPr>
+        <p:blipFill>
+          <a:blip r:embed="rId4" cstate="print">
+            <a:extLst>
+              <a:ext uri="{28A0092B-C50C-407E-A947-70E740481C1C}">
+                <a14:useLocalDpi xmlns:a14="http://schemas.microsoft.com/office/drawing/2010/main" val="0"/>
+              </a:ext>
+            </a:extLst>
+          </a:blip>
+          <a:stretch>
+            <a:fillRect/>
+          </a:stretch>
+        </p:blipFill>
+        <p:spPr>
+          <a:xfrm>
+            <a:off x="4622493" y="1160138"/>
+            <a:ext cx="1172201" cy="730562"/>
+          </a:xfrm>
+          <a:prstGeom prst="rect">
+            <a:avLst/>
+          </a:prstGeom>
+        </p:spPr>
+      </p:pic>
+      <p:pic>
+        <p:nvPicPr>
+          <p:cNvPr id="42" name="Picture 41"/>
+          <p:cNvPicPr>
+            <a:picLocks noChangeAspect="1"/>
+          </p:cNvPicPr>
+          <p:nvPr/>
+        </p:nvPicPr>
+        <p:blipFill>
+          <a:blip r:embed="rId5"/>
+          <a:stretch>
+            <a:fillRect/>
+          </a:stretch>
+        </p:blipFill>
+        <p:spPr>
+          <a:xfrm>
+            <a:off x="4573962" y="1999049"/>
+            <a:ext cx="1176087" cy="661549"/>
+          </a:xfrm>
+          <a:prstGeom prst="rect">
+            <a:avLst/>
+          </a:prstGeom>
+        </p:spPr>
+      </p:pic>
+      <p:pic>
+        <p:nvPicPr>
+          <p:cNvPr id="43" name="Picture 42"/>
+          <p:cNvPicPr>
+            <a:picLocks noChangeAspect="1"/>
+          </p:cNvPicPr>
+          <p:nvPr/>
+        </p:nvPicPr>
+        <p:blipFill>
+          <a:blip r:embed="rId6"/>
+          <a:stretch>
+            <a:fillRect/>
+          </a:stretch>
+        </p:blipFill>
+        <p:spPr>
+          <a:xfrm>
+            <a:off x="4644190" y="2742834"/>
+            <a:ext cx="1065754" cy="1065754"/>
+          </a:xfrm>
+          <a:prstGeom prst="rect">
+            <a:avLst/>
+          </a:prstGeom>
+        </p:spPr>
+      </p:pic>
+      <p:pic>
+        <p:nvPicPr>
+          <p:cNvPr id="44" name="Picture 43"/>
+          <p:cNvPicPr>
+            <a:picLocks noChangeAspect="1"/>
+          </p:cNvPicPr>
+          <p:nvPr/>
+        </p:nvPicPr>
+        <p:blipFill>
+          <a:blip r:embed="rId6"/>
+          <a:stretch>
+            <a:fillRect/>
+          </a:stretch>
+        </p:blipFill>
+        <p:spPr>
+          <a:xfrm>
+            <a:off x="10523620" y="1235242"/>
+            <a:ext cx="1065754" cy="1065754"/>
+          </a:xfrm>
+          <a:prstGeom prst="rect">
+            <a:avLst/>
+          </a:prstGeom>
+        </p:spPr>
+      </p:pic>
+      <p:pic>
+        <p:nvPicPr>
+          <p:cNvPr id="45" name="Picture 44"/>
+          <p:cNvPicPr>
+            <a:picLocks noChangeAspect="1"/>
+          </p:cNvPicPr>
+          <p:nvPr/>
+        </p:nvPicPr>
+        <p:blipFill>
+          <a:blip r:embed="rId6"/>
+          <a:stretch>
+            <a:fillRect/>
+          </a:stretch>
+        </p:blipFill>
+        <p:spPr>
+          <a:xfrm rot="5400000" flipV="1">
+            <a:off x="10523620" y="2418407"/>
+            <a:ext cx="1065754" cy="1065754"/>
+          </a:xfrm>
+          <a:prstGeom prst="rect">
+            <a:avLst/>
+          </a:prstGeom>
+        </p:spPr>
+      </p:pic>
+      <p:pic>
+        <p:nvPicPr>
+          <p:cNvPr id="46" name="Picture 45"/>
+          <p:cNvPicPr>
+            <a:picLocks noChangeAspect="1"/>
+          </p:cNvPicPr>
+          <p:nvPr/>
+        </p:nvPicPr>
+        <p:blipFill>
+          <a:blip r:embed="rId7"/>
+          <a:stretch>
+            <a:fillRect/>
+          </a:stretch>
+        </p:blipFill>
+        <p:spPr>
+          <a:xfrm>
+            <a:off x="4643116" y="5482406"/>
+            <a:ext cx="1065754" cy="1065754"/>
+          </a:xfrm>
+          <a:prstGeom prst="rect">
+            <a:avLst/>
+          </a:prstGeom>
+        </p:spPr>
+      </p:pic>
+      <p:pic>
+        <p:nvPicPr>
+          <p:cNvPr id="47" name="Picture 46"/>
+          <p:cNvPicPr>
+            <a:picLocks noChangeAspect="1"/>
+          </p:cNvPicPr>
+          <p:nvPr/>
+        </p:nvPicPr>
+        <p:blipFill>
+          <a:blip r:embed="rId6"/>
+          <a:stretch>
+            <a:fillRect/>
+          </a:stretch>
+        </p:blipFill>
+        <p:spPr>
+          <a:xfrm>
+            <a:off x="4654743" y="4217447"/>
+            <a:ext cx="1065754" cy="1065754"/>
+          </a:xfrm>
+          <a:prstGeom prst="rect">
+            <a:avLst/>
+          </a:prstGeom>
+        </p:spPr>
+      </p:pic>
+      <p:grpSp>
+        <p:nvGrpSpPr>
+          <p:cNvPr id="51" name="Group 50"/>
+          <p:cNvGrpSpPr/>
+          <p:nvPr/>
+        </p:nvGrpSpPr>
+        <p:grpSpPr>
+          <a:xfrm>
+            <a:off x="9488261" y="3953778"/>
+            <a:ext cx="2397332" cy="2273670"/>
+            <a:chOff x="9488261" y="4391031"/>
+            <a:chExt cx="2397332" cy="1796311"/>
+          </a:xfrm>
+        </p:grpSpPr>
+        <p:pic>
+          <p:nvPicPr>
+            <p:cNvPr id="52" name="Picture 51"/>
+            <p:cNvPicPr>
+              <a:picLocks noChangeAspect="1"/>
+            </p:cNvPicPr>
+            <p:nvPr/>
+          </p:nvPicPr>
+          <p:blipFill>
+            <a:blip r:embed="rId8"/>
+            <a:stretch>
+              <a:fillRect/>
+            </a:stretch>
+          </p:blipFill>
+          <p:spPr>
+            <a:xfrm>
+              <a:off x="9488261" y="4391031"/>
+              <a:ext cx="2397332" cy="1796311"/>
+            </a:xfrm>
+            <a:prstGeom prst="rect">
+              <a:avLst/>
+            </a:prstGeom>
+          </p:spPr>
+        </p:pic>
+        <p:pic>
+          <p:nvPicPr>
+            <p:cNvPr id="53" name="Picture 52"/>
+            <p:cNvPicPr>
+              <a:picLocks noChangeAspect="1"/>
+            </p:cNvPicPr>
+            <p:nvPr/>
+          </p:nvPicPr>
+          <p:blipFill>
+            <a:blip r:embed="rId6"/>
+            <a:stretch>
+              <a:fillRect/>
+            </a:stretch>
+          </p:blipFill>
+          <p:spPr>
+            <a:xfrm>
+              <a:off x="9793704" y="4628147"/>
+              <a:ext cx="1795669" cy="1012673"/>
+            </a:xfrm>
+            <a:prstGeom prst="rect">
+              <a:avLst/>
+            </a:prstGeom>
+          </p:spPr>
+        </p:pic>
+      </p:grpSp>
+      <p:sp>
+        <p:nvSpPr>
+          <p:cNvPr id="25" name="Content Placeholder 3"/>
+          <p:cNvSpPr txBox="1">
+            <a:spLocks/>
+          </p:cNvSpPr>
+          <p:nvPr/>
+        </p:nvSpPr>
+        <p:spPr>
+          <a:xfrm>
+            <a:off x="5860821" y="4300002"/>
+            <a:ext cx="3985848" cy="2401416"/>
+          </a:xfrm>
+          <a:prstGeom prst="rect">
+            <a:avLst/>
+          </a:prstGeom>
+        </p:spPr>
+        <p:txBody>
+          <a:bodyPr vert="horz" lIns="91440" tIns="45720" rIns="91440" bIns="45720" rtlCol="0">
+            <a:normAutofit/>
+          </a:bodyPr>
+          <a:lstStyle>
+            <a:lvl1pPr marL="182880" indent="-182880" algn="l" defTabSz="914400" rtl="0" eaLnBrk="1" latinLnBrk="0" hangingPunct="1">
+              <a:lnSpc>
+                <a:spcPct val="90000"/>
+              </a:lnSpc>
+              <a:spcBef>
+                <a:spcPts val="1200"/>
+              </a:spcBef>
+              <a:buClr>
+                <a:schemeClr val="accent1">
+                  <a:lumMod val="75000"/>
+                </a:schemeClr>
+              </a:buClr>
+              <a:buSzPct val="85000"/>
+              <a:buFont typeface="Wingdings" pitchFamily="2" charset="2"/>
+              <a:buChar char="§"/>
+              <a:defRPr sz="2000" kern="1200">
+                <a:solidFill>
+                  <a:schemeClr val="tx1"/>
+                </a:solidFill>
+                <a:latin typeface="+mn-lt"/>
+                <a:ea typeface="+mn-ea"/>
+                <a:cs typeface="+mn-cs"/>
+              </a:defRPr>
+            </a:lvl1pPr>
+            <a:lvl2pPr marL="457200" indent="-182880" algn="l" defTabSz="914400" rtl="0" eaLnBrk="1" latinLnBrk="0" hangingPunct="1">
+              <a:lnSpc>
+                <a:spcPct val="90000"/>
+              </a:lnSpc>
+              <a:spcBef>
+                <a:spcPts val="400"/>
+              </a:spcBef>
+              <a:spcAft>
+                <a:spcPts val="200"/>
+              </a:spcAft>
+              <a:buClr>
+                <a:schemeClr val="accent1">
+                  <a:lumMod val="75000"/>
+                </a:schemeClr>
+              </a:buClr>
+              <a:buSzPct val="85000"/>
+              <a:buFont typeface="Wingdings" pitchFamily="2" charset="2"/>
+              <a:buChar char="§"/>
+              <a:defRPr sz="1800" kern="1200">
+                <a:solidFill>
+                  <a:schemeClr val="tx1"/>
+                </a:solidFill>
+                <a:latin typeface="+mn-lt"/>
+                <a:ea typeface="+mn-ea"/>
+                <a:cs typeface="+mn-cs"/>
+              </a:defRPr>
+            </a:lvl2pPr>
+            <a:lvl3pPr marL="731520" indent="-182880" algn="l" defTabSz="914400" rtl="0" eaLnBrk="1" latinLnBrk="0" hangingPunct="1">
+              <a:lnSpc>
+                <a:spcPct val="90000"/>
+              </a:lnSpc>
+              <a:spcBef>
+                <a:spcPts val="400"/>
+              </a:spcBef>
+              <a:spcAft>
+                <a:spcPts val="200"/>
+              </a:spcAft>
+              <a:buClr>
+                <a:schemeClr val="accent1">
+                  <a:lumMod val="75000"/>
+                </a:schemeClr>
+              </a:buClr>
+              <a:buSzPct val="85000"/>
+              <a:buFont typeface="Wingdings" pitchFamily="2" charset="2"/>
+              <a:buChar char="§"/>
+              <a:defRPr sz="1600" kern="1200">
+                <a:solidFill>
+                  <a:schemeClr val="tx1"/>
+                </a:solidFill>
+                <a:latin typeface="+mn-lt"/>
+                <a:ea typeface="+mn-ea"/>
+                <a:cs typeface="+mn-cs"/>
+              </a:defRPr>
+            </a:lvl3pPr>
+            <a:lvl4pPr marL="1005840" indent="-182880" algn="l" defTabSz="914400" rtl="0" eaLnBrk="1" latinLnBrk="0" hangingPunct="1">
+              <a:lnSpc>
+                <a:spcPct val="90000"/>
+              </a:lnSpc>
+              <a:spcBef>
+                <a:spcPts val="400"/>
+              </a:spcBef>
+              <a:spcAft>
+                <a:spcPts val="200"/>
+              </a:spcAft>
+              <a:buClr>
+                <a:schemeClr val="accent1">
+                  <a:lumMod val="75000"/>
+                </a:schemeClr>
+              </a:buClr>
+              <a:buSzPct val="85000"/>
+              <a:buFont typeface="Wingdings" pitchFamily="2" charset="2"/>
+              <a:buChar char="§"/>
+              <a:defRPr sz="1600" kern="1200">
+                <a:solidFill>
+                  <a:schemeClr val="tx1"/>
+                </a:solidFill>
+                <a:latin typeface="+mn-lt"/>
+                <a:ea typeface="+mn-ea"/>
+                <a:cs typeface="+mn-cs"/>
+              </a:defRPr>
+            </a:lvl4pPr>
+            <a:lvl5pPr marL="1280160" indent="-182880" algn="l" defTabSz="914400" rtl="0" eaLnBrk="1" latinLnBrk="0" hangingPunct="1">
+              <a:lnSpc>
+                <a:spcPct val="90000"/>
+              </a:lnSpc>
+              <a:spcBef>
+                <a:spcPts val="400"/>
+              </a:spcBef>
+              <a:spcAft>
+                <a:spcPts val="200"/>
+              </a:spcAft>
+              <a:buClr>
+                <a:schemeClr val="accent1">
+                  <a:lumMod val="75000"/>
+                </a:schemeClr>
+              </a:buClr>
+              <a:buSzPct val="85000"/>
+              <a:buFont typeface="Wingdings" pitchFamily="2" charset="2"/>
+              <a:buChar char="§"/>
+              <a:defRPr sz="1600" kern="1200">
+                <a:solidFill>
+                  <a:schemeClr val="tx1"/>
+                </a:solidFill>
+                <a:latin typeface="+mn-lt"/>
+                <a:ea typeface="+mn-ea"/>
+                <a:cs typeface="+mn-cs"/>
+              </a:defRPr>
+            </a:lvl5pPr>
+            <a:lvl6pPr marL="1600000" indent="-228600" algn="l" defTabSz="914400" rtl="0" eaLnBrk="1" latinLnBrk="0" hangingPunct="1">
+              <a:lnSpc>
+                <a:spcPct val="90000"/>
+              </a:lnSpc>
+              <a:spcBef>
+                <a:spcPts val="400"/>
+              </a:spcBef>
+              <a:spcAft>
+                <a:spcPts val="200"/>
+              </a:spcAft>
+              <a:buClr>
+                <a:schemeClr val="accent1">
+                  <a:lumMod val="75000"/>
+                </a:schemeClr>
+              </a:buClr>
+              <a:buSzPct val="85000"/>
+              <a:buFont typeface="Wingdings" pitchFamily="2" charset="2"/>
+              <a:buChar char="§"/>
+              <a:defRPr sz="1600" kern="1200">
+                <a:solidFill>
+                  <a:schemeClr val="tx1"/>
+                </a:solidFill>
+                <a:latin typeface="+mn-lt"/>
+                <a:ea typeface="+mn-ea"/>
+                <a:cs typeface="+mn-cs"/>
+              </a:defRPr>
+            </a:lvl6pPr>
+            <a:lvl7pPr marL="1900000" indent="-228600" algn="l" defTabSz="914400" rtl="0" eaLnBrk="1" latinLnBrk="0" hangingPunct="1">
+              <a:lnSpc>
+                <a:spcPct val="90000"/>
+              </a:lnSpc>
+              <a:spcBef>
+                <a:spcPts val="400"/>
+              </a:spcBef>
+              <a:spcAft>
+                <a:spcPts val="200"/>
+              </a:spcAft>
+              <a:buClr>
+                <a:schemeClr val="accent1">
+                  <a:lumMod val="75000"/>
+                </a:schemeClr>
+              </a:buClr>
+              <a:buSzPct val="85000"/>
+              <a:buFont typeface="Wingdings" pitchFamily="2" charset="2"/>
+              <a:buChar char="§"/>
+              <a:defRPr sz="1600" kern="1200">
+                <a:solidFill>
+                  <a:schemeClr val="tx1"/>
+                </a:solidFill>
+                <a:latin typeface="+mn-lt"/>
+                <a:ea typeface="+mn-ea"/>
+                <a:cs typeface="+mn-cs"/>
+              </a:defRPr>
+            </a:lvl7pPr>
+            <a:lvl8pPr marL="2200000" indent="-228600" algn="l" defTabSz="914400" rtl="0" eaLnBrk="1" latinLnBrk="0" hangingPunct="1">
+              <a:lnSpc>
+                <a:spcPct val="90000"/>
+              </a:lnSpc>
+              <a:spcBef>
+                <a:spcPts val="400"/>
+              </a:spcBef>
+              <a:spcAft>
+                <a:spcPts val="200"/>
+              </a:spcAft>
+              <a:buClr>
+                <a:schemeClr val="accent1">
+                  <a:lumMod val="75000"/>
+                </a:schemeClr>
+              </a:buClr>
+              <a:buSzPct val="85000"/>
+              <a:buFont typeface="Wingdings" pitchFamily="2" charset="2"/>
+              <a:buChar char="§"/>
+              <a:defRPr sz="1600" kern="1200">
+                <a:solidFill>
+                  <a:schemeClr val="tx1"/>
+                </a:solidFill>
+                <a:latin typeface="+mn-lt"/>
+                <a:ea typeface="+mn-ea"/>
+                <a:cs typeface="+mn-cs"/>
+              </a:defRPr>
+            </a:lvl8pPr>
+            <a:lvl9pPr marL="2500000" indent="-228600" algn="l" defTabSz="914400" rtl="0" eaLnBrk="1" latinLnBrk="0" hangingPunct="1">
+              <a:lnSpc>
+                <a:spcPct val="90000"/>
+              </a:lnSpc>
+              <a:spcBef>
+                <a:spcPts val="400"/>
+              </a:spcBef>
+              <a:spcAft>
+                <a:spcPts val="200"/>
+              </a:spcAft>
+              <a:buClr>
+                <a:schemeClr val="accent1">
+                  <a:lumMod val="75000"/>
+                </a:schemeClr>
+              </a:buClr>
+              <a:buSzPct val="85000"/>
+              <a:buFont typeface="Wingdings" pitchFamily="2" charset="2"/>
+              <a:buChar char="§"/>
+              <a:defRPr sz="1600" kern="1200">
+                <a:solidFill>
+                  <a:schemeClr val="tx1"/>
+                </a:solidFill>
+                <a:latin typeface="+mn-lt"/>
+                <a:ea typeface="+mn-ea"/>
+                <a:cs typeface="+mn-cs"/>
+              </a:defRPr>
+            </a:lvl9pPr>
+          </a:lstStyle>
+          <a:p>
+            <a:endParaRPr lang="en-US" dirty="0" smtClean="0"/>
+          </a:p>
+          <a:p>
+            <a:endParaRPr lang="en-US" dirty="0"/>
+          </a:p>
+        </p:txBody>
+      </p:sp>
+    </p:spTree>
+    <p:extLst>
+      <p:ext uri="{BB962C8B-B14F-4D97-AF65-F5344CB8AC3E}">
+        <p14:creationId xmlns:p14="http://schemas.microsoft.com/office/powerpoint/2010/main" val="2803190328"/>
+      </p:ext>
+    </p:extLst>
+  </p:cSld>
+  <p:clrMapOvr>
+    <a:masterClrMapping/>
+  </p:clrMapOvr>
+</p:sld>
+</file>
+
+<file path=ppt/slides/slide4.xml><?xml version="1.0" encoding="utf-8"?>
+<p:sld xmlns:a="http://schemas.openxmlformats.org/drawingml/2006/main" xmlns:r="http://schemas.openxmlformats.org/officeDocument/2006/relationships" xmlns:p="http://schemas.openxmlformats.org/presentationml/2006/main">
+  <p:cSld>
+    <p:spTree>
+      <p:nvGrpSpPr>
+        <p:cNvPr id="1" name=""/>
+        <p:cNvGrpSpPr/>
+        <p:nvPr/>
+      </p:nvGrpSpPr>
+      <p:grpSpPr>
+        <a:xfrm>
+          <a:off x="0" y="0"/>
+          <a:ext cx="0" cy="0"/>
+          <a:chOff x="0" y="0"/>
+          <a:chExt cx="0" cy="0"/>
+        </a:xfrm>
+      </p:grpSpPr>
+      <p:sp>
+        <p:nvSpPr>
+          <p:cNvPr id="8" name="Title 1"/>
+          <p:cNvSpPr txBox="1">
+            <a:spLocks/>
+          </p:cNvSpPr>
+          <p:nvPr/>
+        </p:nvSpPr>
+        <p:spPr>
+          <a:xfrm>
+            <a:off x="465220" y="64168"/>
+            <a:ext cx="10058400" cy="925307"/>
+          </a:xfrm>
+          <a:prstGeom prst="rect">
+            <a:avLst/>
+          </a:prstGeom>
+        </p:spPr>
+        <p:txBody>
+          <a:bodyPr vert="horz" lIns="91440" tIns="45720" rIns="91440" bIns="45720" rtlCol="0" anchor="ctr">
+            <a:normAutofit/>
+          </a:bodyPr>
+          <a:lstStyle>
+            <a:lvl1pPr algn="l" defTabSz="914400" rtl="0" eaLnBrk="1" latinLnBrk="0" hangingPunct="1">
+              <a:lnSpc>
+                <a:spcPct val="90000"/>
+              </a:lnSpc>
+              <a:spcBef>
+                <a:spcPct val="0"/>
+              </a:spcBef>
+              <a:buNone/>
+              <a:defRPr sz="5400" kern="1200" cap="all" baseline="0">
+                <a:blipFill>
+                  <a:blip r:embed="rId2">
+                    <a:extLst>
+                      <a:ext uri="{28A0092B-C50C-407E-A947-70E740481C1C}">
+                        <a14:useLocalDpi xmlns:a14="http://schemas.microsoft.com/office/drawing/2010/main" val="0"/>
+                      </a:ext>
+                    </a:extLst>
+                  </a:blip>
+                  <a:tile tx="6350" ty="-127000" sx="65000" sy="64000" flip="none" algn="tl"/>
+                </a:blipFill>
+                <a:latin typeface="+mj-lt"/>
+                <a:ea typeface="+mj-ea"/>
+                <a:cs typeface="+mj-cs"/>
+              </a:defRPr>
+            </a:lvl1pPr>
+          </a:lstStyle>
+          <a:p>
+            <a:r>
+              <a:rPr lang="en-US" dirty="0"/>
+              <a:t>Optimizations</a:t>
+            </a:r>
+          </a:p>
+        </p:txBody>
+      </p:sp>
+      <p:sp>
+        <p:nvSpPr>
+          <p:cNvPr id="9" name="Line 7"/>
+          <p:cNvSpPr>
+            <a:spLocks noChangeShapeType="1"/>
+          </p:cNvSpPr>
+          <p:nvPr/>
+        </p:nvSpPr>
+        <p:spPr bwMode="auto">
+          <a:xfrm flipV="1">
+            <a:off x="465220" y="1013537"/>
+            <a:ext cx="11237495" cy="1"/>
+          </a:xfrm>
+          <a:prstGeom prst="line">
+            <a:avLst/>
+          </a:prstGeom>
+          <a:noFill/>
+          <a:ln w="28575">
+            <a:solidFill>
+              <a:srgbClr val="000000"/>
+            </a:solidFill>
+            <a:round/>
+            <a:headEnd/>
+            <a:tailEnd/>
+          </a:ln>
+        </p:spPr>
+        <p:txBody>
+          <a:bodyPr wrap="square" anchor="ctr">
+            <a:prstTxWarp prst="textNoShape">
+              <a:avLst/>
+            </a:prstTxWarp>
+            <a:spAutoFit/>
+          </a:bodyPr>
+          <a:lstStyle/>
+          <a:p>
+            <a:endParaRPr lang="en-US" dirty="0"/>
+          </a:p>
+        </p:txBody>
+      </p:sp>
+      <p:pic>
+        <p:nvPicPr>
+          <p:cNvPr id="10" name="Picture 9"/>
+          <p:cNvPicPr>
+            <a:picLocks noChangeAspect="1"/>
+          </p:cNvPicPr>
+          <p:nvPr/>
+        </p:nvPicPr>
+        <p:blipFill>
+          <a:blip r:embed="rId3"/>
+          <a:stretch>
+            <a:fillRect/>
+          </a:stretch>
+        </p:blipFill>
+        <p:spPr>
+          <a:xfrm>
+            <a:off x="9947757" y="152011"/>
+            <a:ext cx="1937836" cy="708780"/>
+          </a:xfrm>
+          <a:prstGeom prst="rect">
+            <a:avLst/>
+          </a:prstGeom>
+        </p:spPr>
+      </p:pic>
+      <p:sp>
+        <p:nvSpPr>
+          <p:cNvPr id="31" name="Text Placeholder 2"/>
+          <p:cNvSpPr>
+            <a:spLocks noGrp="1"/>
+          </p:cNvSpPr>
+          <p:nvPr>
+            <p:ph type="body" idx="1"/>
+          </p:nvPr>
+        </p:nvSpPr>
+        <p:spPr>
+          <a:xfrm>
+            <a:off x="462171" y="1013537"/>
+            <a:ext cx="5633827" cy="640080"/>
+          </a:xfrm>
+        </p:spPr>
+        <p:txBody>
+          <a:bodyPr/>
+          <a:lstStyle/>
+          <a:p>
+            <a:r>
+              <a:rPr lang="en-US" dirty="0"/>
+              <a:t>Fake Camera Simulator</a:t>
+            </a:r>
+          </a:p>
+        </p:txBody>
+      </p:sp>
+      <p:sp>
+        <p:nvSpPr>
+          <p:cNvPr id="32" name="Content Placeholder 3"/>
+          <p:cNvSpPr>
+            <a:spLocks noGrp="1"/>
+          </p:cNvSpPr>
+          <p:nvPr>
+            <p:ph sz="half" idx="2"/>
+          </p:nvPr>
+        </p:nvSpPr>
+        <p:spPr>
+          <a:xfrm>
+            <a:off x="465219" y="1511850"/>
+            <a:ext cx="4085643" cy="2377353"/>
+          </a:xfrm>
+        </p:spPr>
+        <p:txBody>
+          <a:bodyPr>
+            <a:normAutofit lnSpcReduction="10000"/>
+          </a:bodyPr>
+          <a:lstStyle/>
+          <a:p>
+            <a:r>
+              <a:rPr lang="en-US" dirty="0"/>
+              <a:t>Consolidate Individual Frame FVAL/LVAL Control Signal Generations To Single Module</a:t>
+            </a:r>
+          </a:p>
+          <a:p>
+            <a:r>
+              <a:rPr lang="en-US" dirty="0"/>
+              <a:t>Reduce Resource Utilization For Horizontal/Vertical Ramp Test Pattern Data Generation </a:t>
+            </a:r>
+          </a:p>
+        </p:txBody>
+      </p:sp>
+      <p:sp>
+        <p:nvSpPr>
+          <p:cNvPr id="33" name="Text Placeholder 4"/>
+          <p:cNvSpPr>
+            <a:spLocks noGrp="1"/>
+          </p:cNvSpPr>
+          <p:nvPr>
+            <p:ph type="body" sz="quarter" idx="3"/>
+          </p:nvPr>
+        </p:nvSpPr>
+        <p:spPr>
+          <a:xfrm>
+            <a:off x="5849271" y="1037600"/>
+            <a:ext cx="4754880" cy="640080"/>
+          </a:xfrm>
+        </p:spPr>
+        <p:txBody>
+          <a:bodyPr/>
+          <a:lstStyle/>
+          <a:p>
+            <a:r>
+              <a:rPr lang="en-US" dirty="0"/>
+              <a:t>Transpose Circuit</a:t>
+            </a:r>
+          </a:p>
+        </p:txBody>
+      </p:sp>
+      <p:sp>
+        <p:nvSpPr>
+          <p:cNvPr id="34" name="Content Placeholder 5"/>
+          <p:cNvSpPr>
+            <a:spLocks noGrp="1"/>
+          </p:cNvSpPr>
+          <p:nvPr>
+            <p:ph sz="quarter" idx="4"/>
+          </p:nvPr>
+        </p:nvSpPr>
+        <p:spPr>
+          <a:xfrm>
+            <a:off x="5849271" y="1511850"/>
+            <a:ext cx="4754880" cy="2356093"/>
+          </a:xfrm>
+        </p:spPr>
+        <p:txBody>
+          <a:bodyPr>
+            <a:normAutofit/>
+          </a:bodyPr>
+          <a:lstStyle/>
+          <a:p>
+            <a:r>
+              <a:rPr lang="en-US" dirty="0" smtClean="0"/>
+              <a:t>Reduce Resource Utilization by shrinking the BRAM IP as much as possible</a:t>
+            </a:r>
           </a:p>
         </p:txBody>
       </p:sp>
@@ -5811,7 +9209,3448 @@
 </p:sld>
 </file>
 
-<file path=ppt/slides/slide3.xml><?xml version="1.0" encoding="utf-8"?>
+<file path=ppt/slides/slide5.xml><?xml version="1.0" encoding="utf-8"?>
+<p:sld xmlns:a="http://schemas.openxmlformats.org/drawingml/2006/main" xmlns:r="http://schemas.openxmlformats.org/officeDocument/2006/relationships" xmlns:p="http://schemas.openxmlformats.org/presentationml/2006/main">
+  <p:cSld>
+    <p:spTree>
+      <p:nvGrpSpPr>
+        <p:cNvPr id="1" name=""/>
+        <p:cNvGrpSpPr/>
+        <p:nvPr/>
+      </p:nvGrpSpPr>
+      <p:grpSpPr>
+        <a:xfrm>
+          <a:off x="0" y="0"/>
+          <a:ext cx="0" cy="0"/>
+          <a:chOff x="0" y="0"/>
+          <a:chExt cx="0" cy="0"/>
+        </a:xfrm>
+      </p:grpSpPr>
+      <p:sp>
+        <p:nvSpPr>
+          <p:cNvPr id="8" name="Title 1"/>
+          <p:cNvSpPr txBox="1">
+            <a:spLocks/>
+          </p:cNvSpPr>
+          <p:nvPr/>
+        </p:nvSpPr>
+        <p:spPr>
+          <a:xfrm>
+            <a:off x="465220" y="64168"/>
+            <a:ext cx="9773484" cy="925307"/>
+          </a:xfrm>
+          <a:prstGeom prst="rect">
+            <a:avLst/>
+          </a:prstGeom>
+        </p:spPr>
+        <p:txBody>
+          <a:bodyPr vert="horz" lIns="91440" tIns="45720" rIns="91440" bIns="45720" rtlCol="0" anchor="ctr">
+            <a:normAutofit fontScale="70000" lnSpcReduction="20000"/>
+          </a:bodyPr>
+          <a:lstStyle>
+            <a:lvl1pPr algn="l" defTabSz="914400" rtl="0" eaLnBrk="1" latinLnBrk="0" hangingPunct="1">
+              <a:lnSpc>
+                <a:spcPct val="90000"/>
+              </a:lnSpc>
+              <a:spcBef>
+                <a:spcPct val="0"/>
+              </a:spcBef>
+              <a:buNone/>
+              <a:defRPr sz="5400" kern="1200" cap="all" baseline="0">
+                <a:blipFill>
+                  <a:blip r:embed="rId2">
+                    <a:extLst>
+                      <a:ext uri="{28A0092B-C50C-407E-A947-70E740481C1C}">
+                        <a14:useLocalDpi xmlns:a14="http://schemas.microsoft.com/office/drawing/2010/main" val="0"/>
+                      </a:ext>
+                    </a:extLst>
+                  </a:blip>
+                  <a:tile tx="6350" ty="-127000" sx="65000" sy="64000" flip="none" algn="tl"/>
+                </a:blipFill>
+                <a:latin typeface="+mj-lt"/>
+                <a:ea typeface="+mj-ea"/>
+                <a:cs typeface="+mj-cs"/>
+              </a:defRPr>
+            </a:lvl1pPr>
+          </a:lstStyle>
+          <a:p>
+            <a:r>
+              <a:rPr lang="en-US" dirty="0" smtClean="0"/>
+              <a:t>Timeline and work assignments</a:t>
+            </a:r>
+            <a:endParaRPr lang="en-US" dirty="0"/>
+          </a:p>
+        </p:txBody>
+      </p:sp>
+      <p:sp>
+        <p:nvSpPr>
+          <p:cNvPr id="9" name="Line 7"/>
+          <p:cNvSpPr>
+            <a:spLocks noChangeShapeType="1"/>
+          </p:cNvSpPr>
+          <p:nvPr/>
+        </p:nvSpPr>
+        <p:spPr bwMode="auto">
+          <a:xfrm flipV="1">
+            <a:off x="465220" y="1013537"/>
+            <a:ext cx="11237495" cy="1"/>
+          </a:xfrm>
+          <a:prstGeom prst="line">
+            <a:avLst/>
+          </a:prstGeom>
+          <a:noFill/>
+          <a:ln w="28575">
+            <a:solidFill>
+              <a:srgbClr val="000000"/>
+            </a:solidFill>
+            <a:round/>
+            <a:headEnd/>
+            <a:tailEnd/>
+          </a:ln>
+        </p:spPr>
+        <p:txBody>
+          <a:bodyPr wrap="square" anchor="ctr">
+            <a:prstTxWarp prst="textNoShape">
+              <a:avLst/>
+            </a:prstTxWarp>
+            <a:spAutoFit/>
+          </a:bodyPr>
+          <a:lstStyle/>
+          <a:p>
+            <a:endParaRPr lang="en-US" dirty="0"/>
+          </a:p>
+        </p:txBody>
+      </p:sp>
+      <p:pic>
+        <p:nvPicPr>
+          <p:cNvPr id="10" name="Picture 9"/>
+          <p:cNvPicPr>
+            <a:picLocks noChangeAspect="1"/>
+          </p:cNvPicPr>
+          <p:nvPr/>
+        </p:nvPicPr>
+        <p:blipFill>
+          <a:blip r:embed="rId3"/>
+          <a:stretch>
+            <a:fillRect/>
+          </a:stretch>
+        </p:blipFill>
+        <p:spPr>
+          <a:xfrm>
+            <a:off x="9947757" y="152011"/>
+            <a:ext cx="1937836" cy="708780"/>
+          </a:xfrm>
+          <a:prstGeom prst="rect">
+            <a:avLst/>
+          </a:prstGeom>
+        </p:spPr>
+      </p:pic>
+      <p:sp>
+        <p:nvSpPr>
+          <p:cNvPr id="31" name="Text Placeholder 2"/>
+          <p:cNvSpPr>
+            <a:spLocks noGrp="1"/>
+          </p:cNvSpPr>
+          <p:nvPr>
+            <p:ph type="body" idx="1"/>
+          </p:nvPr>
+        </p:nvSpPr>
+        <p:spPr>
+          <a:xfrm>
+            <a:off x="462171" y="1013537"/>
+            <a:ext cx="5633827" cy="640080"/>
+          </a:xfrm>
+        </p:spPr>
+        <p:txBody>
+          <a:bodyPr/>
+          <a:lstStyle/>
+          <a:p>
+            <a:r>
+              <a:rPr lang="en-US" dirty="0"/>
+              <a:t>Fake Camera Simulator</a:t>
+            </a:r>
+          </a:p>
+        </p:txBody>
+      </p:sp>
+      <p:sp>
+        <p:nvSpPr>
+          <p:cNvPr id="32" name="Content Placeholder 3"/>
+          <p:cNvSpPr>
+            <a:spLocks noGrp="1"/>
+          </p:cNvSpPr>
+          <p:nvPr>
+            <p:ph sz="half" idx="2"/>
+          </p:nvPr>
+        </p:nvSpPr>
+        <p:spPr>
+          <a:xfrm>
+            <a:off x="465219" y="1511850"/>
+            <a:ext cx="4085643" cy="2377353"/>
+          </a:xfrm>
+        </p:spPr>
+        <p:txBody>
+          <a:bodyPr>
+            <a:normAutofit/>
+          </a:bodyPr>
+          <a:lstStyle/>
+          <a:p>
+            <a:r>
+              <a:rPr lang="en-US" dirty="0" smtClean="0"/>
+              <a:t>RI: Benjamin </a:t>
+            </a:r>
+            <a:r>
+              <a:rPr lang="en-US" dirty="0" err="1" smtClean="0"/>
+              <a:t>Sullins</a:t>
+            </a:r>
+            <a:endParaRPr lang="en-US" dirty="0" smtClean="0"/>
+          </a:p>
+          <a:p>
+            <a:r>
+              <a:rPr lang="en-US" dirty="0" smtClean="0"/>
+              <a:t>Test image completed (~ </a:t>
+            </a:r>
+            <a:r>
+              <a:rPr lang="en-US" dirty="0" err="1" smtClean="0"/>
+              <a:t>hrs</a:t>
+            </a:r>
+            <a:r>
+              <a:rPr lang="en-US" dirty="0" smtClean="0"/>
+              <a:t>)</a:t>
+            </a:r>
+          </a:p>
+          <a:p>
+            <a:r>
+              <a:rPr lang="en-US" dirty="0" smtClean="0"/>
+              <a:t>Optimize test image generation and include preloaded image (projecting ~ </a:t>
+            </a:r>
+            <a:r>
+              <a:rPr lang="en-US" dirty="0" err="1" smtClean="0"/>
+              <a:t>hrs</a:t>
+            </a:r>
+            <a:r>
+              <a:rPr lang="en-US" dirty="0" smtClean="0"/>
+              <a:t>)</a:t>
+            </a:r>
+            <a:endParaRPr lang="en-US" dirty="0"/>
+          </a:p>
+        </p:txBody>
+      </p:sp>
+      <p:sp>
+        <p:nvSpPr>
+          <p:cNvPr id="33" name="Text Placeholder 4"/>
+          <p:cNvSpPr>
+            <a:spLocks noGrp="1"/>
+          </p:cNvSpPr>
+          <p:nvPr>
+            <p:ph type="body" sz="quarter" idx="3"/>
+          </p:nvPr>
+        </p:nvSpPr>
+        <p:spPr>
+          <a:xfrm>
+            <a:off x="5849271" y="1037600"/>
+            <a:ext cx="4754880" cy="640080"/>
+          </a:xfrm>
+        </p:spPr>
+        <p:txBody>
+          <a:bodyPr/>
+          <a:lstStyle/>
+          <a:p>
+            <a:r>
+              <a:rPr lang="en-US" dirty="0"/>
+              <a:t>Transpose Circuit</a:t>
+            </a:r>
+          </a:p>
+        </p:txBody>
+      </p:sp>
+      <p:sp>
+        <p:nvSpPr>
+          <p:cNvPr id="34" name="Content Placeholder 5"/>
+          <p:cNvSpPr>
+            <a:spLocks noGrp="1"/>
+          </p:cNvSpPr>
+          <p:nvPr>
+            <p:ph sz="quarter" idx="4"/>
+          </p:nvPr>
+        </p:nvSpPr>
+        <p:spPr>
+          <a:xfrm>
+            <a:off x="5849271" y="1511850"/>
+            <a:ext cx="4754880" cy="2356093"/>
+          </a:xfrm>
+        </p:spPr>
+        <p:txBody>
+          <a:bodyPr>
+            <a:normAutofit/>
+          </a:bodyPr>
+          <a:lstStyle/>
+          <a:p>
+            <a:r>
+              <a:rPr lang="en-US" dirty="0" smtClean="0"/>
+              <a:t>RI: Gregory Walls</a:t>
+            </a:r>
+          </a:p>
+          <a:p>
+            <a:r>
+              <a:rPr lang="en-US" dirty="0" smtClean="0"/>
+              <a:t>Preliminary design completed (~25 </a:t>
+            </a:r>
+            <a:r>
+              <a:rPr lang="en-US" dirty="0" err="1" smtClean="0"/>
+              <a:t>hrs</a:t>
+            </a:r>
+            <a:r>
+              <a:rPr lang="en-US" dirty="0" smtClean="0"/>
+              <a:t>)</a:t>
+            </a:r>
+          </a:p>
+          <a:p>
+            <a:r>
+              <a:rPr lang="en-US" dirty="0" smtClean="0"/>
+              <a:t>Optimize and test for issues (projecting ~15 </a:t>
+            </a:r>
+            <a:r>
+              <a:rPr lang="en-US" dirty="0" err="1" smtClean="0"/>
+              <a:t>hrs</a:t>
+            </a:r>
+            <a:r>
+              <a:rPr lang="en-US" dirty="0" smtClean="0"/>
+              <a:t>)</a:t>
+            </a:r>
+          </a:p>
+        </p:txBody>
+      </p:sp>
+      <p:sp>
+        <p:nvSpPr>
+          <p:cNvPr id="35" name="Line 6"/>
+          <p:cNvSpPr>
+            <a:spLocks noChangeShapeType="1"/>
+          </p:cNvSpPr>
+          <p:nvPr/>
+        </p:nvSpPr>
+        <p:spPr bwMode="auto">
+          <a:xfrm>
+            <a:off x="5821680" y="1235242"/>
+            <a:ext cx="16041" cy="5447575"/>
+          </a:xfrm>
+          <a:prstGeom prst="line">
+            <a:avLst/>
+          </a:prstGeom>
+          <a:noFill/>
+          <a:ln w="28575">
+            <a:solidFill>
+              <a:schemeClr val="tx1"/>
+            </a:solidFill>
+            <a:round/>
+            <a:headEnd/>
+            <a:tailEnd/>
+          </a:ln>
+        </p:spPr>
+        <p:txBody>
+          <a:bodyPr wrap="none" anchor="ctr">
+            <a:prstTxWarp prst="textNoShape">
+              <a:avLst/>
+            </a:prstTxWarp>
+          </a:bodyPr>
+          <a:lstStyle/>
+          <a:p>
+            <a:endParaRPr lang="en-US" dirty="0"/>
+          </a:p>
+        </p:txBody>
+      </p:sp>
+      <p:sp>
+        <p:nvSpPr>
+          <p:cNvPr id="36" name="Line 7"/>
+          <p:cNvSpPr>
+            <a:spLocks noChangeShapeType="1"/>
+          </p:cNvSpPr>
+          <p:nvPr/>
+        </p:nvSpPr>
+        <p:spPr bwMode="auto">
+          <a:xfrm flipV="1">
+            <a:off x="477250" y="3873162"/>
+            <a:ext cx="11237495" cy="16041"/>
+          </a:xfrm>
+          <a:prstGeom prst="line">
+            <a:avLst/>
+          </a:prstGeom>
+          <a:noFill/>
+          <a:ln w="28575">
+            <a:solidFill>
+              <a:srgbClr val="000000"/>
+            </a:solidFill>
+            <a:round/>
+            <a:headEnd/>
+            <a:tailEnd/>
+          </a:ln>
+        </p:spPr>
+        <p:txBody>
+          <a:bodyPr wrap="square" anchor="ctr">
+            <a:prstTxWarp prst="textNoShape">
+              <a:avLst/>
+            </a:prstTxWarp>
+            <a:spAutoFit/>
+          </a:bodyPr>
+          <a:lstStyle/>
+          <a:p>
+            <a:endParaRPr lang="en-US" dirty="0"/>
+          </a:p>
+        </p:txBody>
+      </p:sp>
+      <p:sp>
+        <p:nvSpPr>
+          <p:cNvPr id="37" name="Text Placeholder 2"/>
+          <p:cNvSpPr txBox="1">
+            <a:spLocks/>
+          </p:cNvSpPr>
+          <p:nvPr/>
+        </p:nvSpPr>
+        <p:spPr>
+          <a:xfrm>
+            <a:off x="477250" y="3889203"/>
+            <a:ext cx="5633827" cy="640080"/>
+          </a:xfrm>
+          <a:prstGeom prst="rect">
+            <a:avLst/>
+          </a:prstGeom>
+        </p:spPr>
+        <p:txBody>
+          <a:bodyPr vert="horz" lIns="91440" tIns="45720" rIns="91440" bIns="45720" rtlCol="0" anchor="ctr">
+            <a:normAutofit/>
+          </a:bodyPr>
+          <a:lstStyle>
+            <a:lvl1pPr marL="0" indent="0" algn="l" defTabSz="914400" rtl="0" eaLnBrk="1" latinLnBrk="0" hangingPunct="1">
+              <a:lnSpc>
+                <a:spcPct val="90000"/>
+              </a:lnSpc>
+              <a:spcBef>
+                <a:spcPts val="1200"/>
+              </a:spcBef>
+              <a:buClr>
+                <a:schemeClr val="accent1">
+                  <a:lumMod val="75000"/>
+                </a:schemeClr>
+              </a:buClr>
+              <a:buSzPct val="85000"/>
+              <a:buFont typeface="Wingdings" pitchFamily="2" charset="2"/>
+              <a:buNone/>
+              <a:defRPr sz="2000" b="1" kern="1200">
+                <a:solidFill>
+                  <a:schemeClr val="accent1">
+                    <a:lumMod val="75000"/>
+                  </a:schemeClr>
+                </a:solidFill>
+                <a:latin typeface="+mn-lt"/>
+                <a:ea typeface="+mn-ea"/>
+                <a:cs typeface="+mn-cs"/>
+              </a:defRPr>
+            </a:lvl1pPr>
+            <a:lvl2pPr marL="457200" indent="0" algn="l" defTabSz="914400" rtl="0" eaLnBrk="1" latinLnBrk="0" hangingPunct="1">
+              <a:lnSpc>
+                <a:spcPct val="90000"/>
+              </a:lnSpc>
+              <a:spcBef>
+                <a:spcPts val="400"/>
+              </a:spcBef>
+              <a:spcAft>
+                <a:spcPts val="200"/>
+              </a:spcAft>
+              <a:buClr>
+                <a:schemeClr val="accent1">
+                  <a:lumMod val="75000"/>
+                </a:schemeClr>
+              </a:buClr>
+              <a:buSzPct val="85000"/>
+              <a:buFont typeface="Wingdings" pitchFamily="2" charset="2"/>
+              <a:buNone/>
+              <a:defRPr sz="2000" b="1" kern="1200">
+                <a:solidFill>
+                  <a:schemeClr val="tx1"/>
+                </a:solidFill>
+                <a:latin typeface="+mn-lt"/>
+                <a:ea typeface="+mn-ea"/>
+                <a:cs typeface="+mn-cs"/>
+              </a:defRPr>
+            </a:lvl2pPr>
+            <a:lvl3pPr marL="914400" indent="0" algn="l" defTabSz="914400" rtl="0" eaLnBrk="1" latinLnBrk="0" hangingPunct="1">
+              <a:lnSpc>
+                <a:spcPct val="90000"/>
+              </a:lnSpc>
+              <a:spcBef>
+                <a:spcPts val="400"/>
+              </a:spcBef>
+              <a:spcAft>
+                <a:spcPts val="200"/>
+              </a:spcAft>
+              <a:buClr>
+                <a:schemeClr val="accent1">
+                  <a:lumMod val="75000"/>
+                </a:schemeClr>
+              </a:buClr>
+              <a:buSzPct val="85000"/>
+              <a:buFont typeface="Wingdings" pitchFamily="2" charset="2"/>
+              <a:buNone/>
+              <a:defRPr sz="1800" b="1" kern="1200">
+                <a:solidFill>
+                  <a:schemeClr val="tx1"/>
+                </a:solidFill>
+                <a:latin typeface="+mn-lt"/>
+                <a:ea typeface="+mn-ea"/>
+                <a:cs typeface="+mn-cs"/>
+              </a:defRPr>
+            </a:lvl3pPr>
+            <a:lvl4pPr marL="1371600" indent="0" algn="l" defTabSz="914400" rtl="0" eaLnBrk="1" latinLnBrk="0" hangingPunct="1">
+              <a:lnSpc>
+                <a:spcPct val="90000"/>
+              </a:lnSpc>
+              <a:spcBef>
+                <a:spcPts val="400"/>
+              </a:spcBef>
+              <a:spcAft>
+                <a:spcPts val="200"/>
+              </a:spcAft>
+              <a:buClr>
+                <a:schemeClr val="accent1">
+                  <a:lumMod val="75000"/>
+                </a:schemeClr>
+              </a:buClr>
+              <a:buSzPct val="85000"/>
+              <a:buFont typeface="Wingdings" pitchFamily="2" charset="2"/>
+              <a:buNone/>
+              <a:defRPr sz="1600" b="1" kern="1200">
+                <a:solidFill>
+                  <a:schemeClr val="tx1"/>
+                </a:solidFill>
+                <a:latin typeface="+mn-lt"/>
+                <a:ea typeface="+mn-ea"/>
+                <a:cs typeface="+mn-cs"/>
+              </a:defRPr>
+            </a:lvl4pPr>
+            <a:lvl5pPr marL="1828800" indent="0" algn="l" defTabSz="914400" rtl="0" eaLnBrk="1" latinLnBrk="0" hangingPunct="1">
+              <a:lnSpc>
+                <a:spcPct val="90000"/>
+              </a:lnSpc>
+              <a:spcBef>
+                <a:spcPts val="400"/>
+              </a:spcBef>
+              <a:spcAft>
+                <a:spcPts val="200"/>
+              </a:spcAft>
+              <a:buClr>
+                <a:schemeClr val="accent1">
+                  <a:lumMod val="75000"/>
+                </a:schemeClr>
+              </a:buClr>
+              <a:buSzPct val="85000"/>
+              <a:buFont typeface="Wingdings" pitchFamily="2" charset="2"/>
+              <a:buNone/>
+              <a:defRPr sz="1600" b="1" kern="1200">
+                <a:solidFill>
+                  <a:schemeClr val="tx1"/>
+                </a:solidFill>
+                <a:latin typeface="+mn-lt"/>
+                <a:ea typeface="+mn-ea"/>
+                <a:cs typeface="+mn-cs"/>
+              </a:defRPr>
+            </a:lvl5pPr>
+            <a:lvl6pPr marL="2286000" indent="0" algn="l" defTabSz="914400" rtl="0" eaLnBrk="1" latinLnBrk="0" hangingPunct="1">
+              <a:lnSpc>
+                <a:spcPct val="90000"/>
+              </a:lnSpc>
+              <a:spcBef>
+                <a:spcPts val="400"/>
+              </a:spcBef>
+              <a:spcAft>
+                <a:spcPts val="200"/>
+              </a:spcAft>
+              <a:buClr>
+                <a:schemeClr val="accent1">
+                  <a:lumMod val="75000"/>
+                </a:schemeClr>
+              </a:buClr>
+              <a:buSzPct val="85000"/>
+              <a:buFont typeface="Wingdings" pitchFamily="2" charset="2"/>
+              <a:buNone/>
+              <a:defRPr sz="1600" b="1" kern="1200">
+                <a:solidFill>
+                  <a:schemeClr val="tx1"/>
+                </a:solidFill>
+                <a:latin typeface="+mn-lt"/>
+                <a:ea typeface="+mn-ea"/>
+                <a:cs typeface="+mn-cs"/>
+              </a:defRPr>
+            </a:lvl6pPr>
+            <a:lvl7pPr marL="2743200" indent="0" algn="l" defTabSz="914400" rtl="0" eaLnBrk="1" latinLnBrk="0" hangingPunct="1">
+              <a:lnSpc>
+                <a:spcPct val="90000"/>
+              </a:lnSpc>
+              <a:spcBef>
+                <a:spcPts val="400"/>
+              </a:spcBef>
+              <a:spcAft>
+                <a:spcPts val="200"/>
+              </a:spcAft>
+              <a:buClr>
+                <a:schemeClr val="accent1">
+                  <a:lumMod val="75000"/>
+                </a:schemeClr>
+              </a:buClr>
+              <a:buSzPct val="85000"/>
+              <a:buFont typeface="Wingdings" pitchFamily="2" charset="2"/>
+              <a:buNone/>
+              <a:defRPr sz="1600" b="1" kern="1200">
+                <a:solidFill>
+                  <a:schemeClr val="tx1"/>
+                </a:solidFill>
+                <a:latin typeface="+mn-lt"/>
+                <a:ea typeface="+mn-ea"/>
+                <a:cs typeface="+mn-cs"/>
+              </a:defRPr>
+            </a:lvl7pPr>
+            <a:lvl8pPr marL="3200400" indent="0" algn="l" defTabSz="914400" rtl="0" eaLnBrk="1" latinLnBrk="0" hangingPunct="1">
+              <a:lnSpc>
+                <a:spcPct val="90000"/>
+              </a:lnSpc>
+              <a:spcBef>
+                <a:spcPts val="400"/>
+              </a:spcBef>
+              <a:spcAft>
+                <a:spcPts val="200"/>
+              </a:spcAft>
+              <a:buClr>
+                <a:schemeClr val="accent1">
+                  <a:lumMod val="75000"/>
+                </a:schemeClr>
+              </a:buClr>
+              <a:buSzPct val="85000"/>
+              <a:buFont typeface="Wingdings" pitchFamily="2" charset="2"/>
+              <a:buNone/>
+              <a:defRPr sz="1600" b="1" kern="1200">
+                <a:solidFill>
+                  <a:schemeClr val="tx1"/>
+                </a:solidFill>
+                <a:latin typeface="+mn-lt"/>
+                <a:ea typeface="+mn-ea"/>
+                <a:cs typeface="+mn-cs"/>
+              </a:defRPr>
+            </a:lvl8pPr>
+            <a:lvl9pPr marL="3657600" indent="0" algn="l" defTabSz="914400" rtl="0" eaLnBrk="1" latinLnBrk="0" hangingPunct="1">
+              <a:lnSpc>
+                <a:spcPct val="90000"/>
+              </a:lnSpc>
+              <a:spcBef>
+                <a:spcPts val="400"/>
+              </a:spcBef>
+              <a:spcAft>
+                <a:spcPts val="200"/>
+              </a:spcAft>
+              <a:buClr>
+                <a:schemeClr val="accent1">
+                  <a:lumMod val="75000"/>
+                </a:schemeClr>
+              </a:buClr>
+              <a:buSzPct val="85000"/>
+              <a:buFont typeface="Wingdings" pitchFamily="2" charset="2"/>
+              <a:buNone/>
+              <a:defRPr sz="1600" b="1" kern="1200">
+                <a:solidFill>
+                  <a:schemeClr val="tx1"/>
+                </a:solidFill>
+                <a:latin typeface="+mn-lt"/>
+                <a:ea typeface="+mn-ea"/>
+                <a:cs typeface="+mn-cs"/>
+              </a:defRPr>
+            </a:lvl9pPr>
+          </a:lstStyle>
+          <a:p>
+            <a:r>
+              <a:rPr lang="en-US" dirty="0"/>
+              <a:t>Edge Detection</a:t>
+            </a:r>
+          </a:p>
+        </p:txBody>
+      </p:sp>
+      <p:sp>
+        <p:nvSpPr>
+          <p:cNvPr id="38" name="Content Placeholder 3"/>
+          <p:cNvSpPr txBox="1">
+            <a:spLocks/>
+          </p:cNvSpPr>
+          <p:nvPr/>
+        </p:nvSpPr>
+        <p:spPr>
+          <a:xfrm>
+            <a:off x="480298" y="4363454"/>
+            <a:ext cx="4093663" cy="2401416"/>
+          </a:xfrm>
+          <a:prstGeom prst="rect">
+            <a:avLst/>
+          </a:prstGeom>
+        </p:spPr>
+        <p:txBody>
+          <a:bodyPr vert="horz" lIns="91440" tIns="45720" rIns="91440" bIns="45720" rtlCol="0">
+            <a:normAutofit/>
+          </a:bodyPr>
+          <a:lstStyle>
+            <a:lvl1pPr marL="182880" indent="-182880" algn="l" defTabSz="914400" rtl="0" eaLnBrk="1" latinLnBrk="0" hangingPunct="1">
+              <a:lnSpc>
+                <a:spcPct val="90000"/>
+              </a:lnSpc>
+              <a:spcBef>
+                <a:spcPts val="1200"/>
+              </a:spcBef>
+              <a:buClr>
+                <a:schemeClr val="accent1">
+                  <a:lumMod val="75000"/>
+                </a:schemeClr>
+              </a:buClr>
+              <a:buSzPct val="85000"/>
+              <a:buFont typeface="Wingdings" pitchFamily="2" charset="2"/>
+              <a:buChar char="§"/>
+              <a:defRPr sz="2000" kern="1200">
+                <a:solidFill>
+                  <a:schemeClr val="tx1"/>
+                </a:solidFill>
+                <a:latin typeface="+mn-lt"/>
+                <a:ea typeface="+mn-ea"/>
+                <a:cs typeface="+mn-cs"/>
+              </a:defRPr>
+            </a:lvl1pPr>
+            <a:lvl2pPr marL="457200" indent="-182880" algn="l" defTabSz="914400" rtl="0" eaLnBrk="1" latinLnBrk="0" hangingPunct="1">
+              <a:lnSpc>
+                <a:spcPct val="90000"/>
+              </a:lnSpc>
+              <a:spcBef>
+                <a:spcPts val="400"/>
+              </a:spcBef>
+              <a:spcAft>
+                <a:spcPts val="200"/>
+              </a:spcAft>
+              <a:buClr>
+                <a:schemeClr val="accent1">
+                  <a:lumMod val="75000"/>
+                </a:schemeClr>
+              </a:buClr>
+              <a:buSzPct val="85000"/>
+              <a:buFont typeface="Wingdings" pitchFamily="2" charset="2"/>
+              <a:buChar char="§"/>
+              <a:defRPr sz="1800" kern="1200">
+                <a:solidFill>
+                  <a:schemeClr val="tx1"/>
+                </a:solidFill>
+                <a:latin typeface="+mn-lt"/>
+                <a:ea typeface="+mn-ea"/>
+                <a:cs typeface="+mn-cs"/>
+              </a:defRPr>
+            </a:lvl2pPr>
+            <a:lvl3pPr marL="731520" indent="-182880" algn="l" defTabSz="914400" rtl="0" eaLnBrk="1" latinLnBrk="0" hangingPunct="1">
+              <a:lnSpc>
+                <a:spcPct val="90000"/>
+              </a:lnSpc>
+              <a:spcBef>
+                <a:spcPts val="400"/>
+              </a:spcBef>
+              <a:spcAft>
+                <a:spcPts val="200"/>
+              </a:spcAft>
+              <a:buClr>
+                <a:schemeClr val="accent1">
+                  <a:lumMod val="75000"/>
+                </a:schemeClr>
+              </a:buClr>
+              <a:buSzPct val="85000"/>
+              <a:buFont typeface="Wingdings" pitchFamily="2" charset="2"/>
+              <a:buChar char="§"/>
+              <a:defRPr sz="1600" kern="1200">
+                <a:solidFill>
+                  <a:schemeClr val="tx1"/>
+                </a:solidFill>
+                <a:latin typeface="+mn-lt"/>
+                <a:ea typeface="+mn-ea"/>
+                <a:cs typeface="+mn-cs"/>
+              </a:defRPr>
+            </a:lvl3pPr>
+            <a:lvl4pPr marL="1005840" indent="-182880" algn="l" defTabSz="914400" rtl="0" eaLnBrk="1" latinLnBrk="0" hangingPunct="1">
+              <a:lnSpc>
+                <a:spcPct val="90000"/>
+              </a:lnSpc>
+              <a:spcBef>
+                <a:spcPts val="400"/>
+              </a:spcBef>
+              <a:spcAft>
+                <a:spcPts val="200"/>
+              </a:spcAft>
+              <a:buClr>
+                <a:schemeClr val="accent1">
+                  <a:lumMod val="75000"/>
+                </a:schemeClr>
+              </a:buClr>
+              <a:buSzPct val="85000"/>
+              <a:buFont typeface="Wingdings" pitchFamily="2" charset="2"/>
+              <a:buChar char="§"/>
+              <a:defRPr sz="1600" kern="1200">
+                <a:solidFill>
+                  <a:schemeClr val="tx1"/>
+                </a:solidFill>
+                <a:latin typeface="+mn-lt"/>
+                <a:ea typeface="+mn-ea"/>
+                <a:cs typeface="+mn-cs"/>
+              </a:defRPr>
+            </a:lvl4pPr>
+            <a:lvl5pPr marL="1280160" indent="-182880" algn="l" defTabSz="914400" rtl="0" eaLnBrk="1" latinLnBrk="0" hangingPunct="1">
+              <a:lnSpc>
+                <a:spcPct val="90000"/>
+              </a:lnSpc>
+              <a:spcBef>
+                <a:spcPts val="400"/>
+              </a:spcBef>
+              <a:spcAft>
+                <a:spcPts val="200"/>
+              </a:spcAft>
+              <a:buClr>
+                <a:schemeClr val="accent1">
+                  <a:lumMod val="75000"/>
+                </a:schemeClr>
+              </a:buClr>
+              <a:buSzPct val="85000"/>
+              <a:buFont typeface="Wingdings" pitchFamily="2" charset="2"/>
+              <a:buChar char="§"/>
+              <a:defRPr sz="1600" kern="1200">
+                <a:solidFill>
+                  <a:schemeClr val="tx1"/>
+                </a:solidFill>
+                <a:latin typeface="+mn-lt"/>
+                <a:ea typeface="+mn-ea"/>
+                <a:cs typeface="+mn-cs"/>
+              </a:defRPr>
+            </a:lvl5pPr>
+            <a:lvl6pPr marL="1600000" indent="-228600" algn="l" defTabSz="914400" rtl="0" eaLnBrk="1" latinLnBrk="0" hangingPunct="1">
+              <a:lnSpc>
+                <a:spcPct val="90000"/>
+              </a:lnSpc>
+              <a:spcBef>
+                <a:spcPts val="400"/>
+              </a:spcBef>
+              <a:spcAft>
+                <a:spcPts val="200"/>
+              </a:spcAft>
+              <a:buClr>
+                <a:schemeClr val="accent1">
+                  <a:lumMod val="75000"/>
+                </a:schemeClr>
+              </a:buClr>
+              <a:buSzPct val="85000"/>
+              <a:buFont typeface="Wingdings" pitchFamily="2" charset="2"/>
+              <a:buChar char="§"/>
+              <a:defRPr sz="1600" kern="1200">
+                <a:solidFill>
+                  <a:schemeClr val="tx1"/>
+                </a:solidFill>
+                <a:latin typeface="+mn-lt"/>
+                <a:ea typeface="+mn-ea"/>
+                <a:cs typeface="+mn-cs"/>
+              </a:defRPr>
+            </a:lvl6pPr>
+            <a:lvl7pPr marL="1900000" indent="-228600" algn="l" defTabSz="914400" rtl="0" eaLnBrk="1" latinLnBrk="0" hangingPunct="1">
+              <a:lnSpc>
+                <a:spcPct val="90000"/>
+              </a:lnSpc>
+              <a:spcBef>
+                <a:spcPts val="400"/>
+              </a:spcBef>
+              <a:spcAft>
+                <a:spcPts val="200"/>
+              </a:spcAft>
+              <a:buClr>
+                <a:schemeClr val="accent1">
+                  <a:lumMod val="75000"/>
+                </a:schemeClr>
+              </a:buClr>
+              <a:buSzPct val="85000"/>
+              <a:buFont typeface="Wingdings" pitchFamily="2" charset="2"/>
+              <a:buChar char="§"/>
+              <a:defRPr sz="1600" kern="1200">
+                <a:solidFill>
+                  <a:schemeClr val="tx1"/>
+                </a:solidFill>
+                <a:latin typeface="+mn-lt"/>
+                <a:ea typeface="+mn-ea"/>
+                <a:cs typeface="+mn-cs"/>
+              </a:defRPr>
+            </a:lvl7pPr>
+            <a:lvl8pPr marL="2200000" indent="-228600" algn="l" defTabSz="914400" rtl="0" eaLnBrk="1" latinLnBrk="0" hangingPunct="1">
+              <a:lnSpc>
+                <a:spcPct val="90000"/>
+              </a:lnSpc>
+              <a:spcBef>
+                <a:spcPts val="400"/>
+              </a:spcBef>
+              <a:spcAft>
+                <a:spcPts val="200"/>
+              </a:spcAft>
+              <a:buClr>
+                <a:schemeClr val="accent1">
+                  <a:lumMod val="75000"/>
+                </a:schemeClr>
+              </a:buClr>
+              <a:buSzPct val="85000"/>
+              <a:buFont typeface="Wingdings" pitchFamily="2" charset="2"/>
+              <a:buChar char="§"/>
+              <a:defRPr sz="1600" kern="1200">
+                <a:solidFill>
+                  <a:schemeClr val="tx1"/>
+                </a:solidFill>
+                <a:latin typeface="+mn-lt"/>
+                <a:ea typeface="+mn-ea"/>
+                <a:cs typeface="+mn-cs"/>
+              </a:defRPr>
+            </a:lvl8pPr>
+            <a:lvl9pPr marL="2500000" indent="-228600" algn="l" defTabSz="914400" rtl="0" eaLnBrk="1" latinLnBrk="0" hangingPunct="1">
+              <a:lnSpc>
+                <a:spcPct val="90000"/>
+              </a:lnSpc>
+              <a:spcBef>
+                <a:spcPts val="400"/>
+              </a:spcBef>
+              <a:spcAft>
+                <a:spcPts val="200"/>
+              </a:spcAft>
+              <a:buClr>
+                <a:schemeClr val="accent1">
+                  <a:lumMod val="75000"/>
+                </a:schemeClr>
+              </a:buClr>
+              <a:buSzPct val="85000"/>
+              <a:buFont typeface="Wingdings" pitchFamily="2" charset="2"/>
+              <a:buChar char="§"/>
+              <a:defRPr sz="1600" kern="1200">
+                <a:solidFill>
+                  <a:schemeClr val="tx1"/>
+                </a:solidFill>
+                <a:latin typeface="+mn-lt"/>
+                <a:ea typeface="+mn-ea"/>
+                <a:cs typeface="+mn-cs"/>
+              </a:defRPr>
+            </a:lvl9pPr>
+          </a:lstStyle>
+          <a:p>
+            <a:r>
+              <a:rPr lang="en-US" dirty="0" smtClean="0"/>
+              <a:t>RI: Bryce Williams</a:t>
+            </a:r>
+          </a:p>
+          <a:p>
+            <a:r>
+              <a:rPr lang="en-US" dirty="0" smtClean="0"/>
+              <a:t>Preliminary</a:t>
+            </a:r>
+            <a:r>
+              <a:rPr lang="en-US" dirty="0" smtClean="0"/>
+              <a:t> design completed (~ </a:t>
+            </a:r>
+            <a:r>
+              <a:rPr lang="en-US" dirty="0" err="1" smtClean="0"/>
+              <a:t>hrs</a:t>
+            </a:r>
+            <a:r>
+              <a:rPr lang="en-US" dirty="0" smtClean="0"/>
+              <a:t>)</a:t>
+            </a:r>
+            <a:endParaRPr lang="en-US" dirty="0"/>
+          </a:p>
+          <a:p>
+            <a:r>
+              <a:rPr lang="en-US" dirty="0" smtClean="0"/>
+              <a:t>Optimize and test for issues (projecting ~ </a:t>
+            </a:r>
+            <a:r>
+              <a:rPr lang="en-US" dirty="0" err="1" smtClean="0"/>
+              <a:t>hrs</a:t>
+            </a:r>
+            <a:r>
+              <a:rPr lang="en-US" dirty="0" smtClean="0"/>
+              <a:t>)</a:t>
+            </a:r>
+            <a:endParaRPr lang="en-US" dirty="0"/>
+          </a:p>
+        </p:txBody>
+      </p:sp>
+      <p:sp>
+        <p:nvSpPr>
+          <p:cNvPr id="39" name="Text Placeholder 4"/>
+          <p:cNvSpPr txBox="1">
+            <a:spLocks/>
+          </p:cNvSpPr>
+          <p:nvPr/>
+        </p:nvSpPr>
+        <p:spPr>
+          <a:xfrm>
+            <a:off x="5860821" y="3834339"/>
+            <a:ext cx="4754880" cy="640080"/>
+          </a:xfrm>
+          <a:prstGeom prst="rect">
+            <a:avLst/>
+          </a:prstGeom>
+        </p:spPr>
+        <p:txBody>
+          <a:bodyPr vert="horz" lIns="91440" tIns="45720" rIns="91440" bIns="45720" rtlCol="0" anchor="ctr">
+            <a:normAutofit/>
+          </a:bodyPr>
+          <a:lstStyle>
+            <a:lvl1pPr marL="0" indent="0" algn="l" defTabSz="914400" rtl="0" eaLnBrk="1" latinLnBrk="0" hangingPunct="1">
+              <a:lnSpc>
+                <a:spcPct val="90000"/>
+              </a:lnSpc>
+              <a:spcBef>
+                <a:spcPts val="1200"/>
+              </a:spcBef>
+              <a:buClr>
+                <a:schemeClr val="accent1">
+                  <a:lumMod val="75000"/>
+                </a:schemeClr>
+              </a:buClr>
+              <a:buSzPct val="85000"/>
+              <a:buFont typeface="Wingdings" pitchFamily="2" charset="2"/>
+              <a:buNone/>
+              <a:defRPr sz="2000" b="1" kern="1200">
+                <a:solidFill>
+                  <a:schemeClr val="accent1">
+                    <a:lumMod val="75000"/>
+                  </a:schemeClr>
+                </a:solidFill>
+                <a:latin typeface="+mn-lt"/>
+                <a:ea typeface="+mn-ea"/>
+                <a:cs typeface="+mn-cs"/>
+              </a:defRPr>
+            </a:lvl1pPr>
+            <a:lvl2pPr marL="457200" indent="0" algn="l" defTabSz="914400" rtl="0" eaLnBrk="1" latinLnBrk="0" hangingPunct="1">
+              <a:lnSpc>
+                <a:spcPct val="90000"/>
+              </a:lnSpc>
+              <a:spcBef>
+                <a:spcPts val="400"/>
+              </a:spcBef>
+              <a:spcAft>
+                <a:spcPts val="200"/>
+              </a:spcAft>
+              <a:buClr>
+                <a:schemeClr val="accent1">
+                  <a:lumMod val="75000"/>
+                </a:schemeClr>
+              </a:buClr>
+              <a:buSzPct val="85000"/>
+              <a:buFont typeface="Wingdings" pitchFamily="2" charset="2"/>
+              <a:buNone/>
+              <a:defRPr sz="2000" b="1" kern="1200">
+                <a:solidFill>
+                  <a:schemeClr val="tx1"/>
+                </a:solidFill>
+                <a:latin typeface="+mn-lt"/>
+                <a:ea typeface="+mn-ea"/>
+                <a:cs typeface="+mn-cs"/>
+              </a:defRPr>
+            </a:lvl2pPr>
+            <a:lvl3pPr marL="914400" indent="0" algn="l" defTabSz="914400" rtl="0" eaLnBrk="1" latinLnBrk="0" hangingPunct="1">
+              <a:lnSpc>
+                <a:spcPct val="90000"/>
+              </a:lnSpc>
+              <a:spcBef>
+                <a:spcPts val="400"/>
+              </a:spcBef>
+              <a:spcAft>
+                <a:spcPts val="200"/>
+              </a:spcAft>
+              <a:buClr>
+                <a:schemeClr val="accent1">
+                  <a:lumMod val="75000"/>
+                </a:schemeClr>
+              </a:buClr>
+              <a:buSzPct val="85000"/>
+              <a:buFont typeface="Wingdings" pitchFamily="2" charset="2"/>
+              <a:buNone/>
+              <a:defRPr sz="1800" b="1" kern="1200">
+                <a:solidFill>
+                  <a:schemeClr val="tx1"/>
+                </a:solidFill>
+                <a:latin typeface="+mn-lt"/>
+                <a:ea typeface="+mn-ea"/>
+                <a:cs typeface="+mn-cs"/>
+              </a:defRPr>
+            </a:lvl3pPr>
+            <a:lvl4pPr marL="1371600" indent="0" algn="l" defTabSz="914400" rtl="0" eaLnBrk="1" latinLnBrk="0" hangingPunct="1">
+              <a:lnSpc>
+                <a:spcPct val="90000"/>
+              </a:lnSpc>
+              <a:spcBef>
+                <a:spcPts val="400"/>
+              </a:spcBef>
+              <a:spcAft>
+                <a:spcPts val="200"/>
+              </a:spcAft>
+              <a:buClr>
+                <a:schemeClr val="accent1">
+                  <a:lumMod val="75000"/>
+                </a:schemeClr>
+              </a:buClr>
+              <a:buSzPct val="85000"/>
+              <a:buFont typeface="Wingdings" pitchFamily="2" charset="2"/>
+              <a:buNone/>
+              <a:defRPr sz="1600" b="1" kern="1200">
+                <a:solidFill>
+                  <a:schemeClr val="tx1"/>
+                </a:solidFill>
+                <a:latin typeface="+mn-lt"/>
+                <a:ea typeface="+mn-ea"/>
+                <a:cs typeface="+mn-cs"/>
+              </a:defRPr>
+            </a:lvl4pPr>
+            <a:lvl5pPr marL="1828800" indent="0" algn="l" defTabSz="914400" rtl="0" eaLnBrk="1" latinLnBrk="0" hangingPunct="1">
+              <a:lnSpc>
+                <a:spcPct val="90000"/>
+              </a:lnSpc>
+              <a:spcBef>
+                <a:spcPts val="400"/>
+              </a:spcBef>
+              <a:spcAft>
+                <a:spcPts val="200"/>
+              </a:spcAft>
+              <a:buClr>
+                <a:schemeClr val="accent1">
+                  <a:lumMod val="75000"/>
+                </a:schemeClr>
+              </a:buClr>
+              <a:buSzPct val="85000"/>
+              <a:buFont typeface="Wingdings" pitchFamily="2" charset="2"/>
+              <a:buNone/>
+              <a:defRPr sz="1600" b="1" kern="1200">
+                <a:solidFill>
+                  <a:schemeClr val="tx1"/>
+                </a:solidFill>
+                <a:latin typeface="+mn-lt"/>
+                <a:ea typeface="+mn-ea"/>
+                <a:cs typeface="+mn-cs"/>
+              </a:defRPr>
+            </a:lvl5pPr>
+            <a:lvl6pPr marL="2286000" indent="0" algn="l" defTabSz="914400" rtl="0" eaLnBrk="1" latinLnBrk="0" hangingPunct="1">
+              <a:lnSpc>
+                <a:spcPct val="90000"/>
+              </a:lnSpc>
+              <a:spcBef>
+                <a:spcPts val="400"/>
+              </a:spcBef>
+              <a:spcAft>
+                <a:spcPts val="200"/>
+              </a:spcAft>
+              <a:buClr>
+                <a:schemeClr val="accent1">
+                  <a:lumMod val="75000"/>
+                </a:schemeClr>
+              </a:buClr>
+              <a:buSzPct val="85000"/>
+              <a:buFont typeface="Wingdings" pitchFamily="2" charset="2"/>
+              <a:buNone/>
+              <a:defRPr sz="1600" b="1" kern="1200">
+                <a:solidFill>
+                  <a:schemeClr val="tx1"/>
+                </a:solidFill>
+                <a:latin typeface="+mn-lt"/>
+                <a:ea typeface="+mn-ea"/>
+                <a:cs typeface="+mn-cs"/>
+              </a:defRPr>
+            </a:lvl6pPr>
+            <a:lvl7pPr marL="2743200" indent="0" algn="l" defTabSz="914400" rtl="0" eaLnBrk="1" latinLnBrk="0" hangingPunct="1">
+              <a:lnSpc>
+                <a:spcPct val="90000"/>
+              </a:lnSpc>
+              <a:spcBef>
+                <a:spcPts val="400"/>
+              </a:spcBef>
+              <a:spcAft>
+                <a:spcPts val="200"/>
+              </a:spcAft>
+              <a:buClr>
+                <a:schemeClr val="accent1">
+                  <a:lumMod val="75000"/>
+                </a:schemeClr>
+              </a:buClr>
+              <a:buSzPct val="85000"/>
+              <a:buFont typeface="Wingdings" pitchFamily="2" charset="2"/>
+              <a:buNone/>
+              <a:defRPr sz="1600" b="1" kern="1200">
+                <a:solidFill>
+                  <a:schemeClr val="tx1"/>
+                </a:solidFill>
+                <a:latin typeface="+mn-lt"/>
+                <a:ea typeface="+mn-ea"/>
+                <a:cs typeface="+mn-cs"/>
+              </a:defRPr>
+            </a:lvl7pPr>
+            <a:lvl8pPr marL="3200400" indent="0" algn="l" defTabSz="914400" rtl="0" eaLnBrk="1" latinLnBrk="0" hangingPunct="1">
+              <a:lnSpc>
+                <a:spcPct val="90000"/>
+              </a:lnSpc>
+              <a:spcBef>
+                <a:spcPts val="400"/>
+              </a:spcBef>
+              <a:spcAft>
+                <a:spcPts val="200"/>
+              </a:spcAft>
+              <a:buClr>
+                <a:schemeClr val="accent1">
+                  <a:lumMod val="75000"/>
+                </a:schemeClr>
+              </a:buClr>
+              <a:buSzPct val="85000"/>
+              <a:buFont typeface="Wingdings" pitchFamily="2" charset="2"/>
+              <a:buNone/>
+              <a:defRPr sz="1600" b="1" kern="1200">
+                <a:solidFill>
+                  <a:schemeClr val="tx1"/>
+                </a:solidFill>
+                <a:latin typeface="+mn-lt"/>
+                <a:ea typeface="+mn-ea"/>
+                <a:cs typeface="+mn-cs"/>
+              </a:defRPr>
+            </a:lvl8pPr>
+            <a:lvl9pPr marL="3657600" indent="0" algn="l" defTabSz="914400" rtl="0" eaLnBrk="1" latinLnBrk="0" hangingPunct="1">
+              <a:lnSpc>
+                <a:spcPct val="90000"/>
+              </a:lnSpc>
+              <a:spcBef>
+                <a:spcPts val="400"/>
+              </a:spcBef>
+              <a:spcAft>
+                <a:spcPts val="200"/>
+              </a:spcAft>
+              <a:buClr>
+                <a:schemeClr val="accent1">
+                  <a:lumMod val="75000"/>
+                </a:schemeClr>
+              </a:buClr>
+              <a:buSzPct val="85000"/>
+              <a:buFont typeface="Wingdings" pitchFamily="2" charset="2"/>
+              <a:buNone/>
+              <a:defRPr sz="1600" b="1" kern="1200">
+                <a:solidFill>
+                  <a:schemeClr val="tx1"/>
+                </a:solidFill>
+                <a:latin typeface="+mn-lt"/>
+                <a:ea typeface="+mn-ea"/>
+                <a:cs typeface="+mn-cs"/>
+              </a:defRPr>
+            </a:lvl9pPr>
+          </a:lstStyle>
+          <a:p>
+            <a:r>
+              <a:rPr lang="en-US" dirty="0"/>
+              <a:t>VGA Formatter</a:t>
+            </a:r>
+          </a:p>
+        </p:txBody>
+      </p:sp>
+      <p:sp>
+        <p:nvSpPr>
+          <p:cNvPr id="40" name="Content Placeholder 5"/>
+          <p:cNvSpPr txBox="1">
+            <a:spLocks/>
+          </p:cNvSpPr>
+          <p:nvPr/>
+        </p:nvSpPr>
+        <p:spPr>
+          <a:xfrm>
+            <a:off x="5860821" y="4336739"/>
+            <a:ext cx="4754880" cy="2327943"/>
+          </a:xfrm>
+          <a:prstGeom prst="rect">
+            <a:avLst/>
+          </a:prstGeom>
+        </p:spPr>
+        <p:txBody>
+          <a:bodyPr vert="horz" lIns="91440" tIns="45720" rIns="91440" bIns="45720" rtlCol="0">
+            <a:normAutofit/>
+          </a:bodyPr>
+          <a:lstStyle>
+            <a:lvl1pPr marL="182880" indent="-182880" algn="l" defTabSz="914400" rtl="0" eaLnBrk="1" latinLnBrk="0" hangingPunct="1">
+              <a:lnSpc>
+                <a:spcPct val="90000"/>
+              </a:lnSpc>
+              <a:spcBef>
+                <a:spcPts val="1200"/>
+              </a:spcBef>
+              <a:buClr>
+                <a:schemeClr val="accent1">
+                  <a:lumMod val="75000"/>
+                </a:schemeClr>
+              </a:buClr>
+              <a:buSzPct val="85000"/>
+              <a:buFont typeface="Wingdings" pitchFamily="2" charset="2"/>
+              <a:buChar char="§"/>
+              <a:defRPr sz="2000" kern="1200">
+                <a:solidFill>
+                  <a:schemeClr val="tx1"/>
+                </a:solidFill>
+                <a:latin typeface="+mn-lt"/>
+                <a:ea typeface="+mn-ea"/>
+                <a:cs typeface="+mn-cs"/>
+              </a:defRPr>
+            </a:lvl1pPr>
+            <a:lvl2pPr marL="457200" indent="-182880" algn="l" defTabSz="914400" rtl="0" eaLnBrk="1" latinLnBrk="0" hangingPunct="1">
+              <a:lnSpc>
+                <a:spcPct val="90000"/>
+              </a:lnSpc>
+              <a:spcBef>
+                <a:spcPts val="400"/>
+              </a:spcBef>
+              <a:spcAft>
+                <a:spcPts val="200"/>
+              </a:spcAft>
+              <a:buClr>
+                <a:schemeClr val="accent1">
+                  <a:lumMod val="75000"/>
+                </a:schemeClr>
+              </a:buClr>
+              <a:buSzPct val="85000"/>
+              <a:buFont typeface="Wingdings" pitchFamily="2" charset="2"/>
+              <a:buChar char="§"/>
+              <a:defRPr sz="1800" kern="1200">
+                <a:solidFill>
+                  <a:schemeClr val="tx1"/>
+                </a:solidFill>
+                <a:latin typeface="+mn-lt"/>
+                <a:ea typeface="+mn-ea"/>
+                <a:cs typeface="+mn-cs"/>
+              </a:defRPr>
+            </a:lvl2pPr>
+            <a:lvl3pPr marL="731520" indent="-182880" algn="l" defTabSz="914400" rtl="0" eaLnBrk="1" latinLnBrk="0" hangingPunct="1">
+              <a:lnSpc>
+                <a:spcPct val="90000"/>
+              </a:lnSpc>
+              <a:spcBef>
+                <a:spcPts val="400"/>
+              </a:spcBef>
+              <a:spcAft>
+                <a:spcPts val="200"/>
+              </a:spcAft>
+              <a:buClr>
+                <a:schemeClr val="accent1">
+                  <a:lumMod val="75000"/>
+                </a:schemeClr>
+              </a:buClr>
+              <a:buSzPct val="85000"/>
+              <a:buFont typeface="Wingdings" pitchFamily="2" charset="2"/>
+              <a:buChar char="§"/>
+              <a:defRPr sz="1600" kern="1200">
+                <a:solidFill>
+                  <a:schemeClr val="tx1"/>
+                </a:solidFill>
+                <a:latin typeface="+mn-lt"/>
+                <a:ea typeface="+mn-ea"/>
+                <a:cs typeface="+mn-cs"/>
+              </a:defRPr>
+            </a:lvl3pPr>
+            <a:lvl4pPr marL="1005840" indent="-182880" algn="l" defTabSz="914400" rtl="0" eaLnBrk="1" latinLnBrk="0" hangingPunct="1">
+              <a:lnSpc>
+                <a:spcPct val="90000"/>
+              </a:lnSpc>
+              <a:spcBef>
+                <a:spcPts val="400"/>
+              </a:spcBef>
+              <a:spcAft>
+                <a:spcPts val="200"/>
+              </a:spcAft>
+              <a:buClr>
+                <a:schemeClr val="accent1">
+                  <a:lumMod val="75000"/>
+                </a:schemeClr>
+              </a:buClr>
+              <a:buSzPct val="85000"/>
+              <a:buFont typeface="Wingdings" pitchFamily="2" charset="2"/>
+              <a:buChar char="§"/>
+              <a:defRPr sz="1600" kern="1200">
+                <a:solidFill>
+                  <a:schemeClr val="tx1"/>
+                </a:solidFill>
+                <a:latin typeface="+mn-lt"/>
+                <a:ea typeface="+mn-ea"/>
+                <a:cs typeface="+mn-cs"/>
+              </a:defRPr>
+            </a:lvl4pPr>
+            <a:lvl5pPr marL="1280160" indent="-182880" algn="l" defTabSz="914400" rtl="0" eaLnBrk="1" latinLnBrk="0" hangingPunct="1">
+              <a:lnSpc>
+                <a:spcPct val="90000"/>
+              </a:lnSpc>
+              <a:spcBef>
+                <a:spcPts val="400"/>
+              </a:spcBef>
+              <a:spcAft>
+                <a:spcPts val="200"/>
+              </a:spcAft>
+              <a:buClr>
+                <a:schemeClr val="accent1">
+                  <a:lumMod val="75000"/>
+                </a:schemeClr>
+              </a:buClr>
+              <a:buSzPct val="85000"/>
+              <a:buFont typeface="Wingdings" pitchFamily="2" charset="2"/>
+              <a:buChar char="§"/>
+              <a:defRPr sz="1600" kern="1200">
+                <a:solidFill>
+                  <a:schemeClr val="tx1"/>
+                </a:solidFill>
+                <a:latin typeface="+mn-lt"/>
+                <a:ea typeface="+mn-ea"/>
+                <a:cs typeface="+mn-cs"/>
+              </a:defRPr>
+            </a:lvl5pPr>
+            <a:lvl6pPr marL="1600000" indent="-228600" algn="l" defTabSz="914400" rtl="0" eaLnBrk="1" latinLnBrk="0" hangingPunct="1">
+              <a:lnSpc>
+                <a:spcPct val="90000"/>
+              </a:lnSpc>
+              <a:spcBef>
+                <a:spcPts val="400"/>
+              </a:spcBef>
+              <a:spcAft>
+                <a:spcPts val="200"/>
+              </a:spcAft>
+              <a:buClr>
+                <a:schemeClr val="accent1">
+                  <a:lumMod val="75000"/>
+                </a:schemeClr>
+              </a:buClr>
+              <a:buSzPct val="85000"/>
+              <a:buFont typeface="Wingdings" pitchFamily="2" charset="2"/>
+              <a:buChar char="§"/>
+              <a:defRPr sz="1600" kern="1200">
+                <a:solidFill>
+                  <a:schemeClr val="tx1"/>
+                </a:solidFill>
+                <a:latin typeface="+mn-lt"/>
+                <a:ea typeface="+mn-ea"/>
+                <a:cs typeface="+mn-cs"/>
+              </a:defRPr>
+            </a:lvl6pPr>
+            <a:lvl7pPr marL="1900000" indent="-228600" algn="l" defTabSz="914400" rtl="0" eaLnBrk="1" latinLnBrk="0" hangingPunct="1">
+              <a:lnSpc>
+                <a:spcPct val="90000"/>
+              </a:lnSpc>
+              <a:spcBef>
+                <a:spcPts val="400"/>
+              </a:spcBef>
+              <a:spcAft>
+                <a:spcPts val="200"/>
+              </a:spcAft>
+              <a:buClr>
+                <a:schemeClr val="accent1">
+                  <a:lumMod val="75000"/>
+                </a:schemeClr>
+              </a:buClr>
+              <a:buSzPct val="85000"/>
+              <a:buFont typeface="Wingdings" pitchFamily="2" charset="2"/>
+              <a:buChar char="§"/>
+              <a:defRPr sz="1600" kern="1200">
+                <a:solidFill>
+                  <a:schemeClr val="tx1"/>
+                </a:solidFill>
+                <a:latin typeface="+mn-lt"/>
+                <a:ea typeface="+mn-ea"/>
+                <a:cs typeface="+mn-cs"/>
+              </a:defRPr>
+            </a:lvl7pPr>
+            <a:lvl8pPr marL="2200000" indent="-228600" algn="l" defTabSz="914400" rtl="0" eaLnBrk="1" latinLnBrk="0" hangingPunct="1">
+              <a:lnSpc>
+                <a:spcPct val="90000"/>
+              </a:lnSpc>
+              <a:spcBef>
+                <a:spcPts val="400"/>
+              </a:spcBef>
+              <a:spcAft>
+                <a:spcPts val="200"/>
+              </a:spcAft>
+              <a:buClr>
+                <a:schemeClr val="accent1">
+                  <a:lumMod val="75000"/>
+                </a:schemeClr>
+              </a:buClr>
+              <a:buSzPct val="85000"/>
+              <a:buFont typeface="Wingdings" pitchFamily="2" charset="2"/>
+              <a:buChar char="§"/>
+              <a:defRPr sz="1600" kern="1200">
+                <a:solidFill>
+                  <a:schemeClr val="tx1"/>
+                </a:solidFill>
+                <a:latin typeface="+mn-lt"/>
+                <a:ea typeface="+mn-ea"/>
+                <a:cs typeface="+mn-cs"/>
+              </a:defRPr>
+            </a:lvl8pPr>
+            <a:lvl9pPr marL="2500000" indent="-228600" algn="l" defTabSz="914400" rtl="0" eaLnBrk="1" latinLnBrk="0" hangingPunct="1">
+              <a:lnSpc>
+                <a:spcPct val="90000"/>
+              </a:lnSpc>
+              <a:spcBef>
+                <a:spcPts val="400"/>
+              </a:spcBef>
+              <a:spcAft>
+                <a:spcPts val="200"/>
+              </a:spcAft>
+              <a:buClr>
+                <a:schemeClr val="accent1">
+                  <a:lumMod val="75000"/>
+                </a:schemeClr>
+              </a:buClr>
+              <a:buSzPct val="85000"/>
+              <a:buFont typeface="Wingdings" pitchFamily="2" charset="2"/>
+              <a:buChar char="§"/>
+              <a:defRPr sz="1600" kern="1200">
+                <a:solidFill>
+                  <a:schemeClr val="tx1"/>
+                </a:solidFill>
+                <a:latin typeface="+mn-lt"/>
+                <a:ea typeface="+mn-ea"/>
+                <a:cs typeface="+mn-cs"/>
+              </a:defRPr>
+            </a:lvl9pPr>
+          </a:lstStyle>
+          <a:p>
+            <a:r>
+              <a:rPr lang="en-US" dirty="0" smtClean="0"/>
+              <a:t>RI: Zachary </a:t>
+            </a:r>
+            <a:r>
+              <a:rPr lang="en-US" dirty="0" err="1" smtClean="0"/>
+              <a:t>Boe</a:t>
+            </a:r>
+            <a:endParaRPr lang="en-US" dirty="0"/>
+          </a:p>
+        </p:txBody>
+      </p:sp>
+      <p:pic>
+        <p:nvPicPr>
+          <p:cNvPr id="41" name="Picture 40"/>
+          <p:cNvPicPr>
+            <a:picLocks noChangeAspect="1"/>
+          </p:cNvPicPr>
+          <p:nvPr/>
+        </p:nvPicPr>
+        <p:blipFill>
+          <a:blip r:embed="rId4" cstate="print">
+            <a:extLst>
+              <a:ext uri="{28A0092B-C50C-407E-A947-70E740481C1C}">
+                <a14:useLocalDpi xmlns:a14="http://schemas.microsoft.com/office/drawing/2010/main" val="0"/>
+              </a:ext>
+            </a:extLst>
+          </a:blip>
+          <a:stretch>
+            <a:fillRect/>
+          </a:stretch>
+        </p:blipFill>
+        <p:spPr>
+          <a:xfrm>
+            <a:off x="4622493" y="1160138"/>
+            <a:ext cx="1172201" cy="730562"/>
+          </a:xfrm>
+          <a:prstGeom prst="rect">
+            <a:avLst/>
+          </a:prstGeom>
+        </p:spPr>
+      </p:pic>
+      <p:pic>
+        <p:nvPicPr>
+          <p:cNvPr id="42" name="Picture 41"/>
+          <p:cNvPicPr>
+            <a:picLocks noChangeAspect="1"/>
+          </p:cNvPicPr>
+          <p:nvPr/>
+        </p:nvPicPr>
+        <p:blipFill>
+          <a:blip r:embed="rId5"/>
+          <a:stretch>
+            <a:fillRect/>
+          </a:stretch>
+        </p:blipFill>
+        <p:spPr>
+          <a:xfrm>
+            <a:off x="4573962" y="1999049"/>
+            <a:ext cx="1176087" cy="661549"/>
+          </a:xfrm>
+          <a:prstGeom prst="rect">
+            <a:avLst/>
+          </a:prstGeom>
+        </p:spPr>
+      </p:pic>
+      <p:pic>
+        <p:nvPicPr>
+          <p:cNvPr id="43" name="Picture 42"/>
+          <p:cNvPicPr>
+            <a:picLocks noChangeAspect="1"/>
+          </p:cNvPicPr>
+          <p:nvPr/>
+        </p:nvPicPr>
+        <p:blipFill>
+          <a:blip r:embed="rId6"/>
+          <a:stretch>
+            <a:fillRect/>
+          </a:stretch>
+        </p:blipFill>
+        <p:spPr>
+          <a:xfrm>
+            <a:off x="4644190" y="2742834"/>
+            <a:ext cx="1065754" cy="1065754"/>
+          </a:xfrm>
+          <a:prstGeom prst="rect">
+            <a:avLst/>
+          </a:prstGeom>
+        </p:spPr>
+      </p:pic>
+      <p:pic>
+        <p:nvPicPr>
+          <p:cNvPr id="44" name="Picture 43"/>
+          <p:cNvPicPr>
+            <a:picLocks noChangeAspect="1"/>
+          </p:cNvPicPr>
+          <p:nvPr/>
+        </p:nvPicPr>
+        <p:blipFill>
+          <a:blip r:embed="rId6"/>
+          <a:stretch>
+            <a:fillRect/>
+          </a:stretch>
+        </p:blipFill>
+        <p:spPr>
+          <a:xfrm>
+            <a:off x="10523620" y="1235242"/>
+            <a:ext cx="1065754" cy="1065754"/>
+          </a:xfrm>
+          <a:prstGeom prst="rect">
+            <a:avLst/>
+          </a:prstGeom>
+        </p:spPr>
+      </p:pic>
+      <p:pic>
+        <p:nvPicPr>
+          <p:cNvPr id="45" name="Picture 44"/>
+          <p:cNvPicPr>
+            <a:picLocks noChangeAspect="1"/>
+          </p:cNvPicPr>
+          <p:nvPr/>
+        </p:nvPicPr>
+        <p:blipFill>
+          <a:blip r:embed="rId6"/>
+          <a:stretch>
+            <a:fillRect/>
+          </a:stretch>
+        </p:blipFill>
+        <p:spPr>
+          <a:xfrm rot="5400000" flipV="1">
+            <a:off x="10523620" y="2418407"/>
+            <a:ext cx="1065754" cy="1065754"/>
+          </a:xfrm>
+          <a:prstGeom prst="rect">
+            <a:avLst/>
+          </a:prstGeom>
+        </p:spPr>
+      </p:pic>
+      <p:pic>
+        <p:nvPicPr>
+          <p:cNvPr id="46" name="Picture 45"/>
+          <p:cNvPicPr>
+            <a:picLocks noChangeAspect="1"/>
+          </p:cNvPicPr>
+          <p:nvPr/>
+        </p:nvPicPr>
+        <p:blipFill>
+          <a:blip r:embed="rId7"/>
+          <a:stretch>
+            <a:fillRect/>
+          </a:stretch>
+        </p:blipFill>
+        <p:spPr>
+          <a:xfrm>
+            <a:off x="4643116" y="5482406"/>
+            <a:ext cx="1065754" cy="1065754"/>
+          </a:xfrm>
+          <a:prstGeom prst="rect">
+            <a:avLst/>
+          </a:prstGeom>
+        </p:spPr>
+      </p:pic>
+      <p:pic>
+        <p:nvPicPr>
+          <p:cNvPr id="47" name="Picture 46"/>
+          <p:cNvPicPr>
+            <a:picLocks noChangeAspect="1"/>
+          </p:cNvPicPr>
+          <p:nvPr/>
+        </p:nvPicPr>
+        <p:blipFill>
+          <a:blip r:embed="rId6"/>
+          <a:stretch>
+            <a:fillRect/>
+          </a:stretch>
+        </p:blipFill>
+        <p:spPr>
+          <a:xfrm>
+            <a:off x="4654743" y="4217447"/>
+            <a:ext cx="1065754" cy="1065754"/>
+          </a:xfrm>
+          <a:prstGeom prst="rect">
+            <a:avLst/>
+          </a:prstGeom>
+        </p:spPr>
+      </p:pic>
+      <p:grpSp>
+        <p:nvGrpSpPr>
+          <p:cNvPr id="51" name="Group 50"/>
+          <p:cNvGrpSpPr/>
+          <p:nvPr/>
+        </p:nvGrpSpPr>
+        <p:grpSpPr>
+          <a:xfrm>
+            <a:off x="9488261" y="3953778"/>
+            <a:ext cx="2397332" cy="2273670"/>
+            <a:chOff x="9488261" y="4391031"/>
+            <a:chExt cx="2397332" cy="1796311"/>
+          </a:xfrm>
+        </p:grpSpPr>
+        <p:pic>
+          <p:nvPicPr>
+            <p:cNvPr id="52" name="Picture 51"/>
+            <p:cNvPicPr>
+              <a:picLocks noChangeAspect="1"/>
+            </p:cNvPicPr>
+            <p:nvPr/>
+          </p:nvPicPr>
+          <p:blipFill>
+            <a:blip r:embed="rId8"/>
+            <a:stretch>
+              <a:fillRect/>
+            </a:stretch>
+          </p:blipFill>
+          <p:spPr>
+            <a:xfrm>
+              <a:off x="9488261" y="4391031"/>
+              <a:ext cx="2397332" cy="1796311"/>
+            </a:xfrm>
+            <a:prstGeom prst="rect">
+              <a:avLst/>
+            </a:prstGeom>
+          </p:spPr>
+        </p:pic>
+        <p:pic>
+          <p:nvPicPr>
+            <p:cNvPr id="53" name="Picture 52"/>
+            <p:cNvPicPr>
+              <a:picLocks noChangeAspect="1"/>
+            </p:cNvPicPr>
+            <p:nvPr/>
+          </p:nvPicPr>
+          <p:blipFill>
+            <a:blip r:embed="rId6"/>
+            <a:stretch>
+              <a:fillRect/>
+            </a:stretch>
+          </p:blipFill>
+          <p:spPr>
+            <a:xfrm>
+              <a:off x="9793704" y="4628147"/>
+              <a:ext cx="1795669" cy="1012673"/>
+            </a:xfrm>
+            <a:prstGeom prst="rect">
+              <a:avLst/>
+            </a:prstGeom>
+          </p:spPr>
+        </p:pic>
+      </p:grpSp>
+    </p:spTree>
+    <p:extLst>
+      <p:ext uri="{BB962C8B-B14F-4D97-AF65-F5344CB8AC3E}">
+        <p14:creationId xmlns:p14="http://schemas.microsoft.com/office/powerpoint/2010/main" val="1898686087"/>
+      </p:ext>
+    </p:extLst>
+  </p:cSld>
+  <p:clrMapOvr>
+    <a:masterClrMapping/>
+  </p:clrMapOvr>
+</p:sld>
+</file>
+
+<file path=ppt/slides/slide6.xml><?xml version="1.0" encoding="utf-8"?>
+<p:sld xmlns:a="http://schemas.openxmlformats.org/drawingml/2006/main" xmlns:r="http://schemas.openxmlformats.org/officeDocument/2006/relationships" xmlns:p="http://schemas.openxmlformats.org/presentationml/2006/main">
+  <p:cSld>
+    <p:spTree>
+      <p:nvGrpSpPr>
+        <p:cNvPr id="1" name=""/>
+        <p:cNvGrpSpPr/>
+        <p:nvPr/>
+      </p:nvGrpSpPr>
+      <p:grpSpPr>
+        <a:xfrm>
+          <a:off x="0" y="0"/>
+          <a:ext cx="0" cy="0"/>
+          <a:chOff x="0" y="0"/>
+          <a:chExt cx="0" cy="0"/>
+        </a:xfrm>
+      </p:grpSpPr>
+      <p:sp>
+        <p:nvSpPr>
+          <p:cNvPr id="8" name="Title 1"/>
+          <p:cNvSpPr txBox="1">
+            <a:spLocks/>
+          </p:cNvSpPr>
+          <p:nvPr/>
+        </p:nvSpPr>
+        <p:spPr>
+          <a:xfrm>
+            <a:off x="465220" y="64168"/>
+            <a:ext cx="9773484" cy="925307"/>
+          </a:xfrm>
+          <a:prstGeom prst="rect">
+            <a:avLst/>
+          </a:prstGeom>
+        </p:spPr>
+        <p:txBody>
+          <a:bodyPr vert="horz" lIns="91440" tIns="45720" rIns="91440" bIns="45720" rtlCol="0" anchor="ctr">
+            <a:normAutofit/>
+          </a:bodyPr>
+          <a:lstStyle>
+            <a:lvl1pPr algn="l" defTabSz="914400" rtl="0" eaLnBrk="1" latinLnBrk="0" hangingPunct="1">
+              <a:lnSpc>
+                <a:spcPct val="90000"/>
+              </a:lnSpc>
+              <a:spcBef>
+                <a:spcPct val="0"/>
+              </a:spcBef>
+              <a:buNone/>
+              <a:defRPr sz="5400" kern="1200" cap="all" baseline="0">
+                <a:blipFill>
+                  <a:blip r:embed="rId2">
+                    <a:extLst>
+                      <a:ext uri="{28A0092B-C50C-407E-A947-70E740481C1C}">
+                        <a14:useLocalDpi xmlns:a14="http://schemas.microsoft.com/office/drawing/2010/main" val="0"/>
+                      </a:ext>
+                    </a:extLst>
+                  </a:blip>
+                  <a:tile tx="6350" ty="-127000" sx="65000" sy="64000" flip="none" algn="tl"/>
+                </a:blipFill>
+                <a:latin typeface="+mj-lt"/>
+                <a:ea typeface="+mj-ea"/>
+                <a:cs typeface="+mj-cs"/>
+              </a:defRPr>
+            </a:lvl1pPr>
+          </a:lstStyle>
+          <a:p>
+            <a:r>
+              <a:rPr lang="en-US" dirty="0" smtClean="0"/>
+              <a:t>Remaining tasks</a:t>
+            </a:r>
+          </a:p>
+        </p:txBody>
+      </p:sp>
+      <p:sp>
+        <p:nvSpPr>
+          <p:cNvPr id="9" name="Line 7"/>
+          <p:cNvSpPr>
+            <a:spLocks noChangeShapeType="1"/>
+          </p:cNvSpPr>
+          <p:nvPr/>
+        </p:nvSpPr>
+        <p:spPr bwMode="auto">
+          <a:xfrm flipV="1">
+            <a:off x="465220" y="1013537"/>
+            <a:ext cx="11237495" cy="1"/>
+          </a:xfrm>
+          <a:prstGeom prst="line">
+            <a:avLst/>
+          </a:prstGeom>
+          <a:noFill/>
+          <a:ln w="28575">
+            <a:solidFill>
+              <a:srgbClr val="000000"/>
+            </a:solidFill>
+            <a:round/>
+            <a:headEnd/>
+            <a:tailEnd/>
+          </a:ln>
+        </p:spPr>
+        <p:txBody>
+          <a:bodyPr wrap="square" anchor="ctr">
+            <a:prstTxWarp prst="textNoShape">
+              <a:avLst/>
+            </a:prstTxWarp>
+            <a:spAutoFit/>
+          </a:bodyPr>
+          <a:lstStyle/>
+          <a:p>
+            <a:endParaRPr lang="en-US" dirty="0"/>
+          </a:p>
+        </p:txBody>
+      </p:sp>
+      <p:pic>
+        <p:nvPicPr>
+          <p:cNvPr id="10" name="Picture 9"/>
+          <p:cNvPicPr>
+            <a:picLocks noChangeAspect="1"/>
+          </p:cNvPicPr>
+          <p:nvPr/>
+        </p:nvPicPr>
+        <p:blipFill>
+          <a:blip r:embed="rId3"/>
+          <a:stretch>
+            <a:fillRect/>
+          </a:stretch>
+        </p:blipFill>
+        <p:spPr>
+          <a:xfrm>
+            <a:off x="9947757" y="152011"/>
+            <a:ext cx="1937836" cy="708780"/>
+          </a:xfrm>
+          <a:prstGeom prst="rect">
+            <a:avLst/>
+          </a:prstGeom>
+        </p:spPr>
+      </p:pic>
+      <p:sp>
+        <p:nvSpPr>
+          <p:cNvPr id="31" name="Text Placeholder 2"/>
+          <p:cNvSpPr>
+            <a:spLocks noGrp="1"/>
+          </p:cNvSpPr>
+          <p:nvPr>
+            <p:ph type="body" idx="1"/>
+          </p:nvPr>
+        </p:nvSpPr>
+        <p:spPr>
+          <a:xfrm>
+            <a:off x="462171" y="1013537"/>
+            <a:ext cx="5633827" cy="640080"/>
+          </a:xfrm>
+        </p:spPr>
+        <p:txBody>
+          <a:bodyPr/>
+          <a:lstStyle/>
+          <a:p>
+            <a:r>
+              <a:rPr lang="en-US" dirty="0"/>
+              <a:t>Fake Camera Simulator</a:t>
+            </a:r>
+          </a:p>
+        </p:txBody>
+      </p:sp>
+      <p:sp>
+        <p:nvSpPr>
+          <p:cNvPr id="32" name="Content Placeholder 3"/>
+          <p:cNvSpPr>
+            <a:spLocks noGrp="1"/>
+          </p:cNvSpPr>
+          <p:nvPr>
+            <p:ph sz="half" idx="2"/>
+          </p:nvPr>
+        </p:nvSpPr>
+        <p:spPr>
+          <a:xfrm>
+            <a:off x="465219" y="1511850"/>
+            <a:ext cx="4085643" cy="2377353"/>
+          </a:xfrm>
+        </p:spPr>
+        <p:txBody>
+          <a:bodyPr>
+            <a:normAutofit/>
+          </a:bodyPr>
+          <a:lstStyle/>
+          <a:p>
+            <a:endParaRPr lang="en-US" dirty="0"/>
+          </a:p>
+        </p:txBody>
+      </p:sp>
+      <p:sp>
+        <p:nvSpPr>
+          <p:cNvPr id="33" name="Text Placeholder 4"/>
+          <p:cNvSpPr>
+            <a:spLocks noGrp="1"/>
+          </p:cNvSpPr>
+          <p:nvPr>
+            <p:ph type="body" sz="quarter" idx="3"/>
+          </p:nvPr>
+        </p:nvSpPr>
+        <p:spPr>
+          <a:xfrm>
+            <a:off x="5849271" y="1037600"/>
+            <a:ext cx="4754880" cy="640080"/>
+          </a:xfrm>
+        </p:spPr>
+        <p:txBody>
+          <a:bodyPr/>
+          <a:lstStyle/>
+          <a:p>
+            <a:r>
+              <a:rPr lang="en-US" dirty="0"/>
+              <a:t>Transpose Circuit</a:t>
+            </a:r>
+          </a:p>
+        </p:txBody>
+      </p:sp>
+      <p:sp>
+        <p:nvSpPr>
+          <p:cNvPr id="34" name="Content Placeholder 5"/>
+          <p:cNvSpPr>
+            <a:spLocks noGrp="1"/>
+          </p:cNvSpPr>
+          <p:nvPr>
+            <p:ph sz="quarter" idx="4"/>
+          </p:nvPr>
+        </p:nvSpPr>
+        <p:spPr>
+          <a:xfrm>
+            <a:off x="5849271" y="1511850"/>
+            <a:ext cx="4754880" cy="2356093"/>
+          </a:xfrm>
+        </p:spPr>
+        <p:txBody>
+          <a:bodyPr>
+            <a:normAutofit/>
+          </a:bodyPr>
+          <a:lstStyle/>
+          <a:p>
+            <a:r>
+              <a:rPr lang="en-US" dirty="0" smtClean="0"/>
+              <a:t>Test with Pre-loaded image – Visual Verification</a:t>
+            </a:r>
+          </a:p>
+          <a:p>
+            <a:r>
+              <a:rPr lang="en-US" dirty="0" smtClean="0"/>
+              <a:t>Remove Instances of </a:t>
+            </a:r>
+            <a:r>
+              <a:rPr lang="en-US" dirty="0"/>
+              <a:t>BRAM </a:t>
+            </a:r>
+            <a:r>
+              <a:rPr lang="en-US" dirty="0" smtClean="0"/>
+              <a:t>Address Value Exceeding Required Minimum</a:t>
+            </a:r>
+          </a:p>
+          <a:p>
+            <a:r>
+              <a:rPr lang="en-US" dirty="0" smtClean="0"/>
+              <a:t>Re-customize BRAM IP and Change Read/Write Depth to Required Minimum</a:t>
+            </a:r>
+            <a:endParaRPr lang="en-US" dirty="0"/>
+          </a:p>
+          <a:p>
+            <a:endParaRPr lang="en-US" dirty="0" smtClean="0"/>
+          </a:p>
+        </p:txBody>
+      </p:sp>
+      <p:sp>
+        <p:nvSpPr>
+          <p:cNvPr id="35" name="Line 6"/>
+          <p:cNvSpPr>
+            <a:spLocks noChangeShapeType="1"/>
+          </p:cNvSpPr>
+          <p:nvPr/>
+        </p:nvSpPr>
+        <p:spPr bwMode="auto">
+          <a:xfrm>
+            <a:off x="5821680" y="1235242"/>
+            <a:ext cx="16041" cy="5447575"/>
+          </a:xfrm>
+          <a:prstGeom prst="line">
+            <a:avLst/>
+          </a:prstGeom>
+          <a:noFill/>
+          <a:ln w="28575">
+            <a:solidFill>
+              <a:schemeClr val="tx1"/>
+            </a:solidFill>
+            <a:round/>
+            <a:headEnd/>
+            <a:tailEnd/>
+          </a:ln>
+        </p:spPr>
+        <p:txBody>
+          <a:bodyPr wrap="none" anchor="ctr">
+            <a:prstTxWarp prst="textNoShape">
+              <a:avLst/>
+            </a:prstTxWarp>
+          </a:bodyPr>
+          <a:lstStyle/>
+          <a:p>
+            <a:endParaRPr lang="en-US" dirty="0"/>
+          </a:p>
+        </p:txBody>
+      </p:sp>
+      <p:sp>
+        <p:nvSpPr>
+          <p:cNvPr id="36" name="Line 7"/>
+          <p:cNvSpPr>
+            <a:spLocks noChangeShapeType="1"/>
+          </p:cNvSpPr>
+          <p:nvPr/>
+        </p:nvSpPr>
+        <p:spPr bwMode="auto">
+          <a:xfrm flipV="1">
+            <a:off x="477250" y="3873162"/>
+            <a:ext cx="11237495" cy="16041"/>
+          </a:xfrm>
+          <a:prstGeom prst="line">
+            <a:avLst/>
+          </a:prstGeom>
+          <a:noFill/>
+          <a:ln w="28575">
+            <a:solidFill>
+              <a:srgbClr val="000000"/>
+            </a:solidFill>
+            <a:round/>
+            <a:headEnd/>
+            <a:tailEnd/>
+          </a:ln>
+        </p:spPr>
+        <p:txBody>
+          <a:bodyPr wrap="square" anchor="ctr">
+            <a:prstTxWarp prst="textNoShape">
+              <a:avLst/>
+            </a:prstTxWarp>
+            <a:spAutoFit/>
+          </a:bodyPr>
+          <a:lstStyle/>
+          <a:p>
+            <a:endParaRPr lang="en-US" dirty="0"/>
+          </a:p>
+        </p:txBody>
+      </p:sp>
+      <p:sp>
+        <p:nvSpPr>
+          <p:cNvPr id="37" name="Text Placeholder 2"/>
+          <p:cNvSpPr txBox="1">
+            <a:spLocks/>
+          </p:cNvSpPr>
+          <p:nvPr/>
+        </p:nvSpPr>
+        <p:spPr>
+          <a:xfrm>
+            <a:off x="477250" y="3889203"/>
+            <a:ext cx="5633827" cy="640080"/>
+          </a:xfrm>
+          <a:prstGeom prst="rect">
+            <a:avLst/>
+          </a:prstGeom>
+        </p:spPr>
+        <p:txBody>
+          <a:bodyPr vert="horz" lIns="91440" tIns="45720" rIns="91440" bIns="45720" rtlCol="0" anchor="ctr">
+            <a:normAutofit/>
+          </a:bodyPr>
+          <a:lstStyle>
+            <a:lvl1pPr marL="0" indent="0" algn="l" defTabSz="914400" rtl="0" eaLnBrk="1" latinLnBrk="0" hangingPunct="1">
+              <a:lnSpc>
+                <a:spcPct val="90000"/>
+              </a:lnSpc>
+              <a:spcBef>
+                <a:spcPts val="1200"/>
+              </a:spcBef>
+              <a:buClr>
+                <a:schemeClr val="accent1">
+                  <a:lumMod val="75000"/>
+                </a:schemeClr>
+              </a:buClr>
+              <a:buSzPct val="85000"/>
+              <a:buFont typeface="Wingdings" pitchFamily="2" charset="2"/>
+              <a:buNone/>
+              <a:defRPr sz="2000" b="1" kern="1200">
+                <a:solidFill>
+                  <a:schemeClr val="accent1">
+                    <a:lumMod val="75000"/>
+                  </a:schemeClr>
+                </a:solidFill>
+                <a:latin typeface="+mn-lt"/>
+                <a:ea typeface="+mn-ea"/>
+                <a:cs typeface="+mn-cs"/>
+              </a:defRPr>
+            </a:lvl1pPr>
+            <a:lvl2pPr marL="457200" indent="0" algn="l" defTabSz="914400" rtl="0" eaLnBrk="1" latinLnBrk="0" hangingPunct="1">
+              <a:lnSpc>
+                <a:spcPct val="90000"/>
+              </a:lnSpc>
+              <a:spcBef>
+                <a:spcPts val="400"/>
+              </a:spcBef>
+              <a:spcAft>
+                <a:spcPts val="200"/>
+              </a:spcAft>
+              <a:buClr>
+                <a:schemeClr val="accent1">
+                  <a:lumMod val="75000"/>
+                </a:schemeClr>
+              </a:buClr>
+              <a:buSzPct val="85000"/>
+              <a:buFont typeface="Wingdings" pitchFamily="2" charset="2"/>
+              <a:buNone/>
+              <a:defRPr sz="2000" b="1" kern="1200">
+                <a:solidFill>
+                  <a:schemeClr val="tx1"/>
+                </a:solidFill>
+                <a:latin typeface="+mn-lt"/>
+                <a:ea typeface="+mn-ea"/>
+                <a:cs typeface="+mn-cs"/>
+              </a:defRPr>
+            </a:lvl2pPr>
+            <a:lvl3pPr marL="914400" indent="0" algn="l" defTabSz="914400" rtl="0" eaLnBrk="1" latinLnBrk="0" hangingPunct="1">
+              <a:lnSpc>
+                <a:spcPct val="90000"/>
+              </a:lnSpc>
+              <a:spcBef>
+                <a:spcPts val="400"/>
+              </a:spcBef>
+              <a:spcAft>
+                <a:spcPts val="200"/>
+              </a:spcAft>
+              <a:buClr>
+                <a:schemeClr val="accent1">
+                  <a:lumMod val="75000"/>
+                </a:schemeClr>
+              </a:buClr>
+              <a:buSzPct val="85000"/>
+              <a:buFont typeface="Wingdings" pitchFamily="2" charset="2"/>
+              <a:buNone/>
+              <a:defRPr sz="1800" b="1" kern="1200">
+                <a:solidFill>
+                  <a:schemeClr val="tx1"/>
+                </a:solidFill>
+                <a:latin typeface="+mn-lt"/>
+                <a:ea typeface="+mn-ea"/>
+                <a:cs typeface="+mn-cs"/>
+              </a:defRPr>
+            </a:lvl3pPr>
+            <a:lvl4pPr marL="1371600" indent="0" algn="l" defTabSz="914400" rtl="0" eaLnBrk="1" latinLnBrk="0" hangingPunct="1">
+              <a:lnSpc>
+                <a:spcPct val="90000"/>
+              </a:lnSpc>
+              <a:spcBef>
+                <a:spcPts val="400"/>
+              </a:spcBef>
+              <a:spcAft>
+                <a:spcPts val="200"/>
+              </a:spcAft>
+              <a:buClr>
+                <a:schemeClr val="accent1">
+                  <a:lumMod val="75000"/>
+                </a:schemeClr>
+              </a:buClr>
+              <a:buSzPct val="85000"/>
+              <a:buFont typeface="Wingdings" pitchFamily="2" charset="2"/>
+              <a:buNone/>
+              <a:defRPr sz="1600" b="1" kern="1200">
+                <a:solidFill>
+                  <a:schemeClr val="tx1"/>
+                </a:solidFill>
+                <a:latin typeface="+mn-lt"/>
+                <a:ea typeface="+mn-ea"/>
+                <a:cs typeface="+mn-cs"/>
+              </a:defRPr>
+            </a:lvl4pPr>
+            <a:lvl5pPr marL="1828800" indent="0" algn="l" defTabSz="914400" rtl="0" eaLnBrk="1" latinLnBrk="0" hangingPunct="1">
+              <a:lnSpc>
+                <a:spcPct val="90000"/>
+              </a:lnSpc>
+              <a:spcBef>
+                <a:spcPts val="400"/>
+              </a:spcBef>
+              <a:spcAft>
+                <a:spcPts val="200"/>
+              </a:spcAft>
+              <a:buClr>
+                <a:schemeClr val="accent1">
+                  <a:lumMod val="75000"/>
+                </a:schemeClr>
+              </a:buClr>
+              <a:buSzPct val="85000"/>
+              <a:buFont typeface="Wingdings" pitchFamily="2" charset="2"/>
+              <a:buNone/>
+              <a:defRPr sz="1600" b="1" kern="1200">
+                <a:solidFill>
+                  <a:schemeClr val="tx1"/>
+                </a:solidFill>
+                <a:latin typeface="+mn-lt"/>
+                <a:ea typeface="+mn-ea"/>
+                <a:cs typeface="+mn-cs"/>
+              </a:defRPr>
+            </a:lvl5pPr>
+            <a:lvl6pPr marL="2286000" indent="0" algn="l" defTabSz="914400" rtl="0" eaLnBrk="1" latinLnBrk="0" hangingPunct="1">
+              <a:lnSpc>
+                <a:spcPct val="90000"/>
+              </a:lnSpc>
+              <a:spcBef>
+                <a:spcPts val="400"/>
+              </a:spcBef>
+              <a:spcAft>
+                <a:spcPts val="200"/>
+              </a:spcAft>
+              <a:buClr>
+                <a:schemeClr val="accent1">
+                  <a:lumMod val="75000"/>
+                </a:schemeClr>
+              </a:buClr>
+              <a:buSzPct val="85000"/>
+              <a:buFont typeface="Wingdings" pitchFamily="2" charset="2"/>
+              <a:buNone/>
+              <a:defRPr sz="1600" b="1" kern="1200">
+                <a:solidFill>
+                  <a:schemeClr val="tx1"/>
+                </a:solidFill>
+                <a:latin typeface="+mn-lt"/>
+                <a:ea typeface="+mn-ea"/>
+                <a:cs typeface="+mn-cs"/>
+              </a:defRPr>
+            </a:lvl6pPr>
+            <a:lvl7pPr marL="2743200" indent="0" algn="l" defTabSz="914400" rtl="0" eaLnBrk="1" latinLnBrk="0" hangingPunct="1">
+              <a:lnSpc>
+                <a:spcPct val="90000"/>
+              </a:lnSpc>
+              <a:spcBef>
+                <a:spcPts val="400"/>
+              </a:spcBef>
+              <a:spcAft>
+                <a:spcPts val="200"/>
+              </a:spcAft>
+              <a:buClr>
+                <a:schemeClr val="accent1">
+                  <a:lumMod val="75000"/>
+                </a:schemeClr>
+              </a:buClr>
+              <a:buSzPct val="85000"/>
+              <a:buFont typeface="Wingdings" pitchFamily="2" charset="2"/>
+              <a:buNone/>
+              <a:defRPr sz="1600" b="1" kern="1200">
+                <a:solidFill>
+                  <a:schemeClr val="tx1"/>
+                </a:solidFill>
+                <a:latin typeface="+mn-lt"/>
+                <a:ea typeface="+mn-ea"/>
+                <a:cs typeface="+mn-cs"/>
+              </a:defRPr>
+            </a:lvl7pPr>
+            <a:lvl8pPr marL="3200400" indent="0" algn="l" defTabSz="914400" rtl="0" eaLnBrk="1" latinLnBrk="0" hangingPunct="1">
+              <a:lnSpc>
+                <a:spcPct val="90000"/>
+              </a:lnSpc>
+              <a:spcBef>
+                <a:spcPts val="400"/>
+              </a:spcBef>
+              <a:spcAft>
+                <a:spcPts val="200"/>
+              </a:spcAft>
+              <a:buClr>
+                <a:schemeClr val="accent1">
+                  <a:lumMod val="75000"/>
+                </a:schemeClr>
+              </a:buClr>
+              <a:buSzPct val="85000"/>
+              <a:buFont typeface="Wingdings" pitchFamily="2" charset="2"/>
+              <a:buNone/>
+              <a:defRPr sz="1600" b="1" kern="1200">
+                <a:solidFill>
+                  <a:schemeClr val="tx1"/>
+                </a:solidFill>
+                <a:latin typeface="+mn-lt"/>
+                <a:ea typeface="+mn-ea"/>
+                <a:cs typeface="+mn-cs"/>
+              </a:defRPr>
+            </a:lvl8pPr>
+            <a:lvl9pPr marL="3657600" indent="0" algn="l" defTabSz="914400" rtl="0" eaLnBrk="1" latinLnBrk="0" hangingPunct="1">
+              <a:lnSpc>
+                <a:spcPct val="90000"/>
+              </a:lnSpc>
+              <a:spcBef>
+                <a:spcPts val="400"/>
+              </a:spcBef>
+              <a:spcAft>
+                <a:spcPts val="200"/>
+              </a:spcAft>
+              <a:buClr>
+                <a:schemeClr val="accent1">
+                  <a:lumMod val="75000"/>
+                </a:schemeClr>
+              </a:buClr>
+              <a:buSzPct val="85000"/>
+              <a:buFont typeface="Wingdings" pitchFamily="2" charset="2"/>
+              <a:buNone/>
+              <a:defRPr sz="1600" b="1" kern="1200">
+                <a:solidFill>
+                  <a:schemeClr val="tx1"/>
+                </a:solidFill>
+                <a:latin typeface="+mn-lt"/>
+                <a:ea typeface="+mn-ea"/>
+                <a:cs typeface="+mn-cs"/>
+              </a:defRPr>
+            </a:lvl9pPr>
+          </a:lstStyle>
+          <a:p>
+            <a:r>
+              <a:rPr lang="en-US" dirty="0"/>
+              <a:t>Edge Detection</a:t>
+            </a:r>
+          </a:p>
+        </p:txBody>
+      </p:sp>
+      <p:sp>
+        <p:nvSpPr>
+          <p:cNvPr id="38" name="Content Placeholder 3"/>
+          <p:cNvSpPr txBox="1">
+            <a:spLocks/>
+          </p:cNvSpPr>
+          <p:nvPr/>
+        </p:nvSpPr>
+        <p:spPr>
+          <a:xfrm>
+            <a:off x="480298" y="4363454"/>
+            <a:ext cx="4093663" cy="2401416"/>
+          </a:xfrm>
+          <a:prstGeom prst="rect">
+            <a:avLst/>
+          </a:prstGeom>
+        </p:spPr>
+        <p:txBody>
+          <a:bodyPr vert="horz" lIns="91440" tIns="45720" rIns="91440" bIns="45720" rtlCol="0">
+            <a:normAutofit/>
+          </a:bodyPr>
+          <a:lstStyle>
+            <a:lvl1pPr marL="182880" indent="-182880" algn="l" defTabSz="914400" rtl="0" eaLnBrk="1" latinLnBrk="0" hangingPunct="1">
+              <a:lnSpc>
+                <a:spcPct val="90000"/>
+              </a:lnSpc>
+              <a:spcBef>
+                <a:spcPts val="1200"/>
+              </a:spcBef>
+              <a:buClr>
+                <a:schemeClr val="accent1">
+                  <a:lumMod val="75000"/>
+                </a:schemeClr>
+              </a:buClr>
+              <a:buSzPct val="85000"/>
+              <a:buFont typeface="Wingdings" pitchFamily="2" charset="2"/>
+              <a:buChar char="§"/>
+              <a:defRPr sz="2000" kern="1200">
+                <a:solidFill>
+                  <a:schemeClr val="tx1"/>
+                </a:solidFill>
+                <a:latin typeface="+mn-lt"/>
+                <a:ea typeface="+mn-ea"/>
+                <a:cs typeface="+mn-cs"/>
+              </a:defRPr>
+            </a:lvl1pPr>
+            <a:lvl2pPr marL="457200" indent="-182880" algn="l" defTabSz="914400" rtl="0" eaLnBrk="1" latinLnBrk="0" hangingPunct="1">
+              <a:lnSpc>
+                <a:spcPct val="90000"/>
+              </a:lnSpc>
+              <a:spcBef>
+                <a:spcPts val="400"/>
+              </a:spcBef>
+              <a:spcAft>
+                <a:spcPts val="200"/>
+              </a:spcAft>
+              <a:buClr>
+                <a:schemeClr val="accent1">
+                  <a:lumMod val="75000"/>
+                </a:schemeClr>
+              </a:buClr>
+              <a:buSzPct val="85000"/>
+              <a:buFont typeface="Wingdings" pitchFamily="2" charset="2"/>
+              <a:buChar char="§"/>
+              <a:defRPr sz="1800" kern="1200">
+                <a:solidFill>
+                  <a:schemeClr val="tx1"/>
+                </a:solidFill>
+                <a:latin typeface="+mn-lt"/>
+                <a:ea typeface="+mn-ea"/>
+                <a:cs typeface="+mn-cs"/>
+              </a:defRPr>
+            </a:lvl2pPr>
+            <a:lvl3pPr marL="731520" indent="-182880" algn="l" defTabSz="914400" rtl="0" eaLnBrk="1" latinLnBrk="0" hangingPunct="1">
+              <a:lnSpc>
+                <a:spcPct val="90000"/>
+              </a:lnSpc>
+              <a:spcBef>
+                <a:spcPts val="400"/>
+              </a:spcBef>
+              <a:spcAft>
+                <a:spcPts val="200"/>
+              </a:spcAft>
+              <a:buClr>
+                <a:schemeClr val="accent1">
+                  <a:lumMod val="75000"/>
+                </a:schemeClr>
+              </a:buClr>
+              <a:buSzPct val="85000"/>
+              <a:buFont typeface="Wingdings" pitchFamily="2" charset="2"/>
+              <a:buChar char="§"/>
+              <a:defRPr sz="1600" kern="1200">
+                <a:solidFill>
+                  <a:schemeClr val="tx1"/>
+                </a:solidFill>
+                <a:latin typeface="+mn-lt"/>
+                <a:ea typeface="+mn-ea"/>
+                <a:cs typeface="+mn-cs"/>
+              </a:defRPr>
+            </a:lvl3pPr>
+            <a:lvl4pPr marL="1005840" indent="-182880" algn="l" defTabSz="914400" rtl="0" eaLnBrk="1" latinLnBrk="0" hangingPunct="1">
+              <a:lnSpc>
+                <a:spcPct val="90000"/>
+              </a:lnSpc>
+              <a:spcBef>
+                <a:spcPts val="400"/>
+              </a:spcBef>
+              <a:spcAft>
+                <a:spcPts val="200"/>
+              </a:spcAft>
+              <a:buClr>
+                <a:schemeClr val="accent1">
+                  <a:lumMod val="75000"/>
+                </a:schemeClr>
+              </a:buClr>
+              <a:buSzPct val="85000"/>
+              <a:buFont typeface="Wingdings" pitchFamily="2" charset="2"/>
+              <a:buChar char="§"/>
+              <a:defRPr sz="1600" kern="1200">
+                <a:solidFill>
+                  <a:schemeClr val="tx1"/>
+                </a:solidFill>
+                <a:latin typeface="+mn-lt"/>
+                <a:ea typeface="+mn-ea"/>
+                <a:cs typeface="+mn-cs"/>
+              </a:defRPr>
+            </a:lvl4pPr>
+            <a:lvl5pPr marL="1280160" indent="-182880" algn="l" defTabSz="914400" rtl="0" eaLnBrk="1" latinLnBrk="0" hangingPunct="1">
+              <a:lnSpc>
+                <a:spcPct val="90000"/>
+              </a:lnSpc>
+              <a:spcBef>
+                <a:spcPts val="400"/>
+              </a:spcBef>
+              <a:spcAft>
+                <a:spcPts val="200"/>
+              </a:spcAft>
+              <a:buClr>
+                <a:schemeClr val="accent1">
+                  <a:lumMod val="75000"/>
+                </a:schemeClr>
+              </a:buClr>
+              <a:buSzPct val="85000"/>
+              <a:buFont typeface="Wingdings" pitchFamily="2" charset="2"/>
+              <a:buChar char="§"/>
+              <a:defRPr sz="1600" kern="1200">
+                <a:solidFill>
+                  <a:schemeClr val="tx1"/>
+                </a:solidFill>
+                <a:latin typeface="+mn-lt"/>
+                <a:ea typeface="+mn-ea"/>
+                <a:cs typeface="+mn-cs"/>
+              </a:defRPr>
+            </a:lvl5pPr>
+            <a:lvl6pPr marL="1600000" indent="-228600" algn="l" defTabSz="914400" rtl="0" eaLnBrk="1" latinLnBrk="0" hangingPunct="1">
+              <a:lnSpc>
+                <a:spcPct val="90000"/>
+              </a:lnSpc>
+              <a:spcBef>
+                <a:spcPts val="400"/>
+              </a:spcBef>
+              <a:spcAft>
+                <a:spcPts val="200"/>
+              </a:spcAft>
+              <a:buClr>
+                <a:schemeClr val="accent1">
+                  <a:lumMod val="75000"/>
+                </a:schemeClr>
+              </a:buClr>
+              <a:buSzPct val="85000"/>
+              <a:buFont typeface="Wingdings" pitchFamily="2" charset="2"/>
+              <a:buChar char="§"/>
+              <a:defRPr sz="1600" kern="1200">
+                <a:solidFill>
+                  <a:schemeClr val="tx1"/>
+                </a:solidFill>
+                <a:latin typeface="+mn-lt"/>
+                <a:ea typeface="+mn-ea"/>
+                <a:cs typeface="+mn-cs"/>
+              </a:defRPr>
+            </a:lvl6pPr>
+            <a:lvl7pPr marL="1900000" indent="-228600" algn="l" defTabSz="914400" rtl="0" eaLnBrk="1" latinLnBrk="0" hangingPunct="1">
+              <a:lnSpc>
+                <a:spcPct val="90000"/>
+              </a:lnSpc>
+              <a:spcBef>
+                <a:spcPts val="400"/>
+              </a:spcBef>
+              <a:spcAft>
+                <a:spcPts val="200"/>
+              </a:spcAft>
+              <a:buClr>
+                <a:schemeClr val="accent1">
+                  <a:lumMod val="75000"/>
+                </a:schemeClr>
+              </a:buClr>
+              <a:buSzPct val="85000"/>
+              <a:buFont typeface="Wingdings" pitchFamily="2" charset="2"/>
+              <a:buChar char="§"/>
+              <a:defRPr sz="1600" kern="1200">
+                <a:solidFill>
+                  <a:schemeClr val="tx1"/>
+                </a:solidFill>
+                <a:latin typeface="+mn-lt"/>
+                <a:ea typeface="+mn-ea"/>
+                <a:cs typeface="+mn-cs"/>
+              </a:defRPr>
+            </a:lvl7pPr>
+            <a:lvl8pPr marL="2200000" indent="-228600" algn="l" defTabSz="914400" rtl="0" eaLnBrk="1" latinLnBrk="0" hangingPunct="1">
+              <a:lnSpc>
+                <a:spcPct val="90000"/>
+              </a:lnSpc>
+              <a:spcBef>
+                <a:spcPts val="400"/>
+              </a:spcBef>
+              <a:spcAft>
+                <a:spcPts val="200"/>
+              </a:spcAft>
+              <a:buClr>
+                <a:schemeClr val="accent1">
+                  <a:lumMod val="75000"/>
+                </a:schemeClr>
+              </a:buClr>
+              <a:buSzPct val="85000"/>
+              <a:buFont typeface="Wingdings" pitchFamily="2" charset="2"/>
+              <a:buChar char="§"/>
+              <a:defRPr sz="1600" kern="1200">
+                <a:solidFill>
+                  <a:schemeClr val="tx1"/>
+                </a:solidFill>
+                <a:latin typeface="+mn-lt"/>
+                <a:ea typeface="+mn-ea"/>
+                <a:cs typeface="+mn-cs"/>
+              </a:defRPr>
+            </a:lvl8pPr>
+            <a:lvl9pPr marL="2500000" indent="-228600" algn="l" defTabSz="914400" rtl="0" eaLnBrk="1" latinLnBrk="0" hangingPunct="1">
+              <a:lnSpc>
+                <a:spcPct val="90000"/>
+              </a:lnSpc>
+              <a:spcBef>
+                <a:spcPts val="400"/>
+              </a:spcBef>
+              <a:spcAft>
+                <a:spcPts val="200"/>
+              </a:spcAft>
+              <a:buClr>
+                <a:schemeClr val="accent1">
+                  <a:lumMod val="75000"/>
+                </a:schemeClr>
+              </a:buClr>
+              <a:buSzPct val="85000"/>
+              <a:buFont typeface="Wingdings" pitchFamily="2" charset="2"/>
+              <a:buChar char="§"/>
+              <a:defRPr sz="1600" kern="1200">
+                <a:solidFill>
+                  <a:schemeClr val="tx1"/>
+                </a:solidFill>
+                <a:latin typeface="+mn-lt"/>
+                <a:ea typeface="+mn-ea"/>
+                <a:cs typeface="+mn-cs"/>
+              </a:defRPr>
+            </a:lvl9pPr>
+          </a:lstStyle>
+          <a:p>
+            <a:endParaRPr lang="en-US" dirty="0"/>
+          </a:p>
+        </p:txBody>
+      </p:sp>
+      <p:sp>
+        <p:nvSpPr>
+          <p:cNvPr id="39" name="Text Placeholder 4"/>
+          <p:cNvSpPr txBox="1">
+            <a:spLocks/>
+          </p:cNvSpPr>
+          <p:nvPr/>
+        </p:nvSpPr>
+        <p:spPr>
+          <a:xfrm>
+            <a:off x="5860821" y="3834339"/>
+            <a:ext cx="4754880" cy="640080"/>
+          </a:xfrm>
+          <a:prstGeom prst="rect">
+            <a:avLst/>
+          </a:prstGeom>
+        </p:spPr>
+        <p:txBody>
+          <a:bodyPr vert="horz" lIns="91440" tIns="45720" rIns="91440" bIns="45720" rtlCol="0" anchor="ctr">
+            <a:normAutofit/>
+          </a:bodyPr>
+          <a:lstStyle>
+            <a:lvl1pPr marL="0" indent="0" algn="l" defTabSz="914400" rtl="0" eaLnBrk="1" latinLnBrk="0" hangingPunct="1">
+              <a:lnSpc>
+                <a:spcPct val="90000"/>
+              </a:lnSpc>
+              <a:spcBef>
+                <a:spcPts val="1200"/>
+              </a:spcBef>
+              <a:buClr>
+                <a:schemeClr val="accent1">
+                  <a:lumMod val="75000"/>
+                </a:schemeClr>
+              </a:buClr>
+              <a:buSzPct val="85000"/>
+              <a:buFont typeface="Wingdings" pitchFamily="2" charset="2"/>
+              <a:buNone/>
+              <a:defRPr sz="2000" b="1" kern="1200">
+                <a:solidFill>
+                  <a:schemeClr val="accent1">
+                    <a:lumMod val="75000"/>
+                  </a:schemeClr>
+                </a:solidFill>
+                <a:latin typeface="+mn-lt"/>
+                <a:ea typeface="+mn-ea"/>
+                <a:cs typeface="+mn-cs"/>
+              </a:defRPr>
+            </a:lvl1pPr>
+            <a:lvl2pPr marL="457200" indent="0" algn="l" defTabSz="914400" rtl="0" eaLnBrk="1" latinLnBrk="0" hangingPunct="1">
+              <a:lnSpc>
+                <a:spcPct val="90000"/>
+              </a:lnSpc>
+              <a:spcBef>
+                <a:spcPts val="400"/>
+              </a:spcBef>
+              <a:spcAft>
+                <a:spcPts val="200"/>
+              </a:spcAft>
+              <a:buClr>
+                <a:schemeClr val="accent1">
+                  <a:lumMod val="75000"/>
+                </a:schemeClr>
+              </a:buClr>
+              <a:buSzPct val="85000"/>
+              <a:buFont typeface="Wingdings" pitchFamily="2" charset="2"/>
+              <a:buNone/>
+              <a:defRPr sz="2000" b="1" kern="1200">
+                <a:solidFill>
+                  <a:schemeClr val="tx1"/>
+                </a:solidFill>
+                <a:latin typeface="+mn-lt"/>
+                <a:ea typeface="+mn-ea"/>
+                <a:cs typeface="+mn-cs"/>
+              </a:defRPr>
+            </a:lvl2pPr>
+            <a:lvl3pPr marL="914400" indent="0" algn="l" defTabSz="914400" rtl="0" eaLnBrk="1" latinLnBrk="0" hangingPunct="1">
+              <a:lnSpc>
+                <a:spcPct val="90000"/>
+              </a:lnSpc>
+              <a:spcBef>
+                <a:spcPts val="400"/>
+              </a:spcBef>
+              <a:spcAft>
+                <a:spcPts val="200"/>
+              </a:spcAft>
+              <a:buClr>
+                <a:schemeClr val="accent1">
+                  <a:lumMod val="75000"/>
+                </a:schemeClr>
+              </a:buClr>
+              <a:buSzPct val="85000"/>
+              <a:buFont typeface="Wingdings" pitchFamily="2" charset="2"/>
+              <a:buNone/>
+              <a:defRPr sz="1800" b="1" kern="1200">
+                <a:solidFill>
+                  <a:schemeClr val="tx1"/>
+                </a:solidFill>
+                <a:latin typeface="+mn-lt"/>
+                <a:ea typeface="+mn-ea"/>
+                <a:cs typeface="+mn-cs"/>
+              </a:defRPr>
+            </a:lvl3pPr>
+            <a:lvl4pPr marL="1371600" indent="0" algn="l" defTabSz="914400" rtl="0" eaLnBrk="1" latinLnBrk="0" hangingPunct="1">
+              <a:lnSpc>
+                <a:spcPct val="90000"/>
+              </a:lnSpc>
+              <a:spcBef>
+                <a:spcPts val="400"/>
+              </a:spcBef>
+              <a:spcAft>
+                <a:spcPts val="200"/>
+              </a:spcAft>
+              <a:buClr>
+                <a:schemeClr val="accent1">
+                  <a:lumMod val="75000"/>
+                </a:schemeClr>
+              </a:buClr>
+              <a:buSzPct val="85000"/>
+              <a:buFont typeface="Wingdings" pitchFamily="2" charset="2"/>
+              <a:buNone/>
+              <a:defRPr sz="1600" b="1" kern="1200">
+                <a:solidFill>
+                  <a:schemeClr val="tx1"/>
+                </a:solidFill>
+                <a:latin typeface="+mn-lt"/>
+                <a:ea typeface="+mn-ea"/>
+                <a:cs typeface="+mn-cs"/>
+              </a:defRPr>
+            </a:lvl4pPr>
+            <a:lvl5pPr marL="1828800" indent="0" algn="l" defTabSz="914400" rtl="0" eaLnBrk="1" latinLnBrk="0" hangingPunct="1">
+              <a:lnSpc>
+                <a:spcPct val="90000"/>
+              </a:lnSpc>
+              <a:spcBef>
+                <a:spcPts val="400"/>
+              </a:spcBef>
+              <a:spcAft>
+                <a:spcPts val="200"/>
+              </a:spcAft>
+              <a:buClr>
+                <a:schemeClr val="accent1">
+                  <a:lumMod val="75000"/>
+                </a:schemeClr>
+              </a:buClr>
+              <a:buSzPct val="85000"/>
+              <a:buFont typeface="Wingdings" pitchFamily="2" charset="2"/>
+              <a:buNone/>
+              <a:defRPr sz="1600" b="1" kern="1200">
+                <a:solidFill>
+                  <a:schemeClr val="tx1"/>
+                </a:solidFill>
+                <a:latin typeface="+mn-lt"/>
+                <a:ea typeface="+mn-ea"/>
+                <a:cs typeface="+mn-cs"/>
+              </a:defRPr>
+            </a:lvl5pPr>
+            <a:lvl6pPr marL="2286000" indent="0" algn="l" defTabSz="914400" rtl="0" eaLnBrk="1" latinLnBrk="0" hangingPunct="1">
+              <a:lnSpc>
+                <a:spcPct val="90000"/>
+              </a:lnSpc>
+              <a:spcBef>
+                <a:spcPts val="400"/>
+              </a:spcBef>
+              <a:spcAft>
+                <a:spcPts val="200"/>
+              </a:spcAft>
+              <a:buClr>
+                <a:schemeClr val="accent1">
+                  <a:lumMod val="75000"/>
+                </a:schemeClr>
+              </a:buClr>
+              <a:buSzPct val="85000"/>
+              <a:buFont typeface="Wingdings" pitchFamily="2" charset="2"/>
+              <a:buNone/>
+              <a:defRPr sz="1600" b="1" kern="1200">
+                <a:solidFill>
+                  <a:schemeClr val="tx1"/>
+                </a:solidFill>
+                <a:latin typeface="+mn-lt"/>
+                <a:ea typeface="+mn-ea"/>
+                <a:cs typeface="+mn-cs"/>
+              </a:defRPr>
+            </a:lvl6pPr>
+            <a:lvl7pPr marL="2743200" indent="0" algn="l" defTabSz="914400" rtl="0" eaLnBrk="1" latinLnBrk="0" hangingPunct="1">
+              <a:lnSpc>
+                <a:spcPct val="90000"/>
+              </a:lnSpc>
+              <a:spcBef>
+                <a:spcPts val="400"/>
+              </a:spcBef>
+              <a:spcAft>
+                <a:spcPts val="200"/>
+              </a:spcAft>
+              <a:buClr>
+                <a:schemeClr val="accent1">
+                  <a:lumMod val="75000"/>
+                </a:schemeClr>
+              </a:buClr>
+              <a:buSzPct val="85000"/>
+              <a:buFont typeface="Wingdings" pitchFamily="2" charset="2"/>
+              <a:buNone/>
+              <a:defRPr sz="1600" b="1" kern="1200">
+                <a:solidFill>
+                  <a:schemeClr val="tx1"/>
+                </a:solidFill>
+                <a:latin typeface="+mn-lt"/>
+                <a:ea typeface="+mn-ea"/>
+                <a:cs typeface="+mn-cs"/>
+              </a:defRPr>
+            </a:lvl7pPr>
+            <a:lvl8pPr marL="3200400" indent="0" algn="l" defTabSz="914400" rtl="0" eaLnBrk="1" latinLnBrk="0" hangingPunct="1">
+              <a:lnSpc>
+                <a:spcPct val="90000"/>
+              </a:lnSpc>
+              <a:spcBef>
+                <a:spcPts val="400"/>
+              </a:spcBef>
+              <a:spcAft>
+                <a:spcPts val="200"/>
+              </a:spcAft>
+              <a:buClr>
+                <a:schemeClr val="accent1">
+                  <a:lumMod val="75000"/>
+                </a:schemeClr>
+              </a:buClr>
+              <a:buSzPct val="85000"/>
+              <a:buFont typeface="Wingdings" pitchFamily="2" charset="2"/>
+              <a:buNone/>
+              <a:defRPr sz="1600" b="1" kern="1200">
+                <a:solidFill>
+                  <a:schemeClr val="tx1"/>
+                </a:solidFill>
+                <a:latin typeface="+mn-lt"/>
+                <a:ea typeface="+mn-ea"/>
+                <a:cs typeface="+mn-cs"/>
+              </a:defRPr>
+            </a:lvl8pPr>
+            <a:lvl9pPr marL="3657600" indent="0" algn="l" defTabSz="914400" rtl="0" eaLnBrk="1" latinLnBrk="0" hangingPunct="1">
+              <a:lnSpc>
+                <a:spcPct val="90000"/>
+              </a:lnSpc>
+              <a:spcBef>
+                <a:spcPts val="400"/>
+              </a:spcBef>
+              <a:spcAft>
+                <a:spcPts val="200"/>
+              </a:spcAft>
+              <a:buClr>
+                <a:schemeClr val="accent1">
+                  <a:lumMod val="75000"/>
+                </a:schemeClr>
+              </a:buClr>
+              <a:buSzPct val="85000"/>
+              <a:buFont typeface="Wingdings" pitchFamily="2" charset="2"/>
+              <a:buNone/>
+              <a:defRPr sz="1600" b="1" kern="1200">
+                <a:solidFill>
+                  <a:schemeClr val="tx1"/>
+                </a:solidFill>
+                <a:latin typeface="+mn-lt"/>
+                <a:ea typeface="+mn-ea"/>
+                <a:cs typeface="+mn-cs"/>
+              </a:defRPr>
+            </a:lvl9pPr>
+          </a:lstStyle>
+          <a:p>
+            <a:r>
+              <a:rPr lang="en-US" dirty="0"/>
+              <a:t>VGA Formatter</a:t>
+            </a:r>
+          </a:p>
+        </p:txBody>
+      </p:sp>
+      <p:sp>
+        <p:nvSpPr>
+          <p:cNvPr id="40" name="Content Placeholder 5"/>
+          <p:cNvSpPr txBox="1">
+            <a:spLocks/>
+          </p:cNvSpPr>
+          <p:nvPr/>
+        </p:nvSpPr>
+        <p:spPr>
+          <a:xfrm>
+            <a:off x="5860821" y="4336739"/>
+            <a:ext cx="4754880" cy="2327943"/>
+          </a:xfrm>
+          <a:prstGeom prst="rect">
+            <a:avLst/>
+          </a:prstGeom>
+        </p:spPr>
+        <p:txBody>
+          <a:bodyPr vert="horz" lIns="91440" tIns="45720" rIns="91440" bIns="45720" rtlCol="0">
+            <a:normAutofit/>
+          </a:bodyPr>
+          <a:lstStyle>
+            <a:lvl1pPr marL="182880" indent="-182880" algn="l" defTabSz="914400" rtl="0" eaLnBrk="1" latinLnBrk="0" hangingPunct="1">
+              <a:lnSpc>
+                <a:spcPct val="90000"/>
+              </a:lnSpc>
+              <a:spcBef>
+                <a:spcPts val="1200"/>
+              </a:spcBef>
+              <a:buClr>
+                <a:schemeClr val="accent1">
+                  <a:lumMod val="75000"/>
+                </a:schemeClr>
+              </a:buClr>
+              <a:buSzPct val="85000"/>
+              <a:buFont typeface="Wingdings" pitchFamily="2" charset="2"/>
+              <a:buChar char="§"/>
+              <a:defRPr sz="2000" kern="1200">
+                <a:solidFill>
+                  <a:schemeClr val="tx1"/>
+                </a:solidFill>
+                <a:latin typeface="+mn-lt"/>
+                <a:ea typeface="+mn-ea"/>
+                <a:cs typeface="+mn-cs"/>
+              </a:defRPr>
+            </a:lvl1pPr>
+            <a:lvl2pPr marL="457200" indent="-182880" algn="l" defTabSz="914400" rtl="0" eaLnBrk="1" latinLnBrk="0" hangingPunct="1">
+              <a:lnSpc>
+                <a:spcPct val="90000"/>
+              </a:lnSpc>
+              <a:spcBef>
+                <a:spcPts val="400"/>
+              </a:spcBef>
+              <a:spcAft>
+                <a:spcPts val="200"/>
+              </a:spcAft>
+              <a:buClr>
+                <a:schemeClr val="accent1">
+                  <a:lumMod val="75000"/>
+                </a:schemeClr>
+              </a:buClr>
+              <a:buSzPct val="85000"/>
+              <a:buFont typeface="Wingdings" pitchFamily="2" charset="2"/>
+              <a:buChar char="§"/>
+              <a:defRPr sz="1800" kern="1200">
+                <a:solidFill>
+                  <a:schemeClr val="tx1"/>
+                </a:solidFill>
+                <a:latin typeface="+mn-lt"/>
+                <a:ea typeface="+mn-ea"/>
+                <a:cs typeface="+mn-cs"/>
+              </a:defRPr>
+            </a:lvl2pPr>
+            <a:lvl3pPr marL="731520" indent="-182880" algn="l" defTabSz="914400" rtl="0" eaLnBrk="1" latinLnBrk="0" hangingPunct="1">
+              <a:lnSpc>
+                <a:spcPct val="90000"/>
+              </a:lnSpc>
+              <a:spcBef>
+                <a:spcPts val="400"/>
+              </a:spcBef>
+              <a:spcAft>
+                <a:spcPts val="200"/>
+              </a:spcAft>
+              <a:buClr>
+                <a:schemeClr val="accent1">
+                  <a:lumMod val="75000"/>
+                </a:schemeClr>
+              </a:buClr>
+              <a:buSzPct val="85000"/>
+              <a:buFont typeface="Wingdings" pitchFamily="2" charset="2"/>
+              <a:buChar char="§"/>
+              <a:defRPr sz="1600" kern="1200">
+                <a:solidFill>
+                  <a:schemeClr val="tx1"/>
+                </a:solidFill>
+                <a:latin typeface="+mn-lt"/>
+                <a:ea typeface="+mn-ea"/>
+                <a:cs typeface="+mn-cs"/>
+              </a:defRPr>
+            </a:lvl3pPr>
+            <a:lvl4pPr marL="1005840" indent="-182880" algn="l" defTabSz="914400" rtl="0" eaLnBrk="1" latinLnBrk="0" hangingPunct="1">
+              <a:lnSpc>
+                <a:spcPct val="90000"/>
+              </a:lnSpc>
+              <a:spcBef>
+                <a:spcPts val="400"/>
+              </a:spcBef>
+              <a:spcAft>
+                <a:spcPts val="200"/>
+              </a:spcAft>
+              <a:buClr>
+                <a:schemeClr val="accent1">
+                  <a:lumMod val="75000"/>
+                </a:schemeClr>
+              </a:buClr>
+              <a:buSzPct val="85000"/>
+              <a:buFont typeface="Wingdings" pitchFamily="2" charset="2"/>
+              <a:buChar char="§"/>
+              <a:defRPr sz="1600" kern="1200">
+                <a:solidFill>
+                  <a:schemeClr val="tx1"/>
+                </a:solidFill>
+                <a:latin typeface="+mn-lt"/>
+                <a:ea typeface="+mn-ea"/>
+                <a:cs typeface="+mn-cs"/>
+              </a:defRPr>
+            </a:lvl4pPr>
+            <a:lvl5pPr marL="1280160" indent="-182880" algn="l" defTabSz="914400" rtl="0" eaLnBrk="1" latinLnBrk="0" hangingPunct="1">
+              <a:lnSpc>
+                <a:spcPct val="90000"/>
+              </a:lnSpc>
+              <a:spcBef>
+                <a:spcPts val="400"/>
+              </a:spcBef>
+              <a:spcAft>
+                <a:spcPts val="200"/>
+              </a:spcAft>
+              <a:buClr>
+                <a:schemeClr val="accent1">
+                  <a:lumMod val="75000"/>
+                </a:schemeClr>
+              </a:buClr>
+              <a:buSzPct val="85000"/>
+              <a:buFont typeface="Wingdings" pitchFamily="2" charset="2"/>
+              <a:buChar char="§"/>
+              <a:defRPr sz="1600" kern="1200">
+                <a:solidFill>
+                  <a:schemeClr val="tx1"/>
+                </a:solidFill>
+                <a:latin typeface="+mn-lt"/>
+                <a:ea typeface="+mn-ea"/>
+                <a:cs typeface="+mn-cs"/>
+              </a:defRPr>
+            </a:lvl5pPr>
+            <a:lvl6pPr marL="1600000" indent="-228600" algn="l" defTabSz="914400" rtl="0" eaLnBrk="1" latinLnBrk="0" hangingPunct="1">
+              <a:lnSpc>
+                <a:spcPct val="90000"/>
+              </a:lnSpc>
+              <a:spcBef>
+                <a:spcPts val="400"/>
+              </a:spcBef>
+              <a:spcAft>
+                <a:spcPts val="200"/>
+              </a:spcAft>
+              <a:buClr>
+                <a:schemeClr val="accent1">
+                  <a:lumMod val="75000"/>
+                </a:schemeClr>
+              </a:buClr>
+              <a:buSzPct val="85000"/>
+              <a:buFont typeface="Wingdings" pitchFamily="2" charset="2"/>
+              <a:buChar char="§"/>
+              <a:defRPr sz="1600" kern="1200">
+                <a:solidFill>
+                  <a:schemeClr val="tx1"/>
+                </a:solidFill>
+                <a:latin typeface="+mn-lt"/>
+                <a:ea typeface="+mn-ea"/>
+                <a:cs typeface="+mn-cs"/>
+              </a:defRPr>
+            </a:lvl6pPr>
+            <a:lvl7pPr marL="1900000" indent="-228600" algn="l" defTabSz="914400" rtl="0" eaLnBrk="1" latinLnBrk="0" hangingPunct="1">
+              <a:lnSpc>
+                <a:spcPct val="90000"/>
+              </a:lnSpc>
+              <a:spcBef>
+                <a:spcPts val="400"/>
+              </a:spcBef>
+              <a:spcAft>
+                <a:spcPts val="200"/>
+              </a:spcAft>
+              <a:buClr>
+                <a:schemeClr val="accent1">
+                  <a:lumMod val="75000"/>
+                </a:schemeClr>
+              </a:buClr>
+              <a:buSzPct val="85000"/>
+              <a:buFont typeface="Wingdings" pitchFamily="2" charset="2"/>
+              <a:buChar char="§"/>
+              <a:defRPr sz="1600" kern="1200">
+                <a:solidFill>
+                  <a:schemeClr val="tx1"/>
+                </a:solidFill>
+                <a:latin typeface="+mn-lt"/>
+                <a:ea typeface="+mn-ea"/>
+                <a:cs typeface="+mn-cs"/>
+              </a:defRPr>
+            </a:lvl7pPr>
+            <a:lvl8pPr marL="2200000" indent="-228600" algn="l" defTabSz="914400" rtl="0" eaLnBrk="1" latinLnBrk="0" hangingPunct="1">
+              <a:lnSpc>
+                <a:spcPct val="90000"/>
+              </a:lnSpc>
+              <a:spcBef>
+                <a:spcPts val="400"/>
+              </a:spcBef>
+              <a:spcAft>
+                <a:spcPts val="200"/>
+              </a:spcAft>
+              <a:buClr>
+                <a:schemeClr val="accent1">
+                  <a:lumMod val="75000"/>
+                </a:schemeClr>
+              </a:buClr>
+              <a:buSzPct val="85000"/>
+              <a:buFont typeface="Wingdings" pitchFamily="2" charset="2"/>
+              <a:buChar char="§"/>
+              <a:defRPr sz="1600" kern="1200">
+                <a:solidFill>
+                  <a:schemeClr val="tx1"/>
+                </a:solidFill>
+                <a:latin typeface="+mn-lt"/>
+                <a:ea typeface="+mn-ea"/>
+                <a:cs typeface="+mn-cs"/>
+              </a:defRPr>
+            </a:lvl8pPr>
+            <a:lvl9pPr marL="2500000" indent="-228600" algn="l" defTabSz="914400" rtl="0" eaLnBrk="1" latinLnBrk="0" hangingPunct="1">
+              <a:lnSpc>
+                <a:spcPct val="90000"/>
+              </a:lnSpc>
+              <a:spcBef>
+                <a:spcPts val="400"/>
+              </a:spcBef>
+              <a:spcAft>
+                <a:spcPts val="200"/>
+              </a:spcAft>
+              <a:buClr>
+                <a:schemeClr val="accent1">
+                  <a:lumMod val="75000"/>
+                </a:schemeClr>
+              </a:buClr>
+              <a:buSzPct val="85000"/>
+              <a:buFont typeface="Wingdings" pitchFamily="2" charset="2"/>
+              <a:buChar char="§"/>
+              <a:defRPr sz="1600" kern="1200">
+                <a:solidFill>
+                  <a:schemeClr val="tx1"/>
+                </a:solidFill>
+                <a:latin typeface="+mn-lt"/>
+                <a:ea typeface="+mn-ea"/>
+                <a:cs typeface="+mn-cs"/>
+              </a:defRPr>
+            </a:lvl9pPr>
+          </a:lstStyle>
+          <a:p>
+            <a:endParaRPr lang="en-US" dirty="0"/>
+          </a:p>
+        </p:txBody>
+      </p:sp>
+      <p:pic>
+        <p:nvPicPr>
+          <p:cNvPr id="41" name="Picture 40"/>
+          <p:cNvPicPr>
+            <a:picLocks noChangeAspect="1"/>
+          </p:cNvPicPr>
+          <p:nvPr/>
+        </p:nvPicPr>
+        <p:blipFill>
+          <a:blip r:embed="rId4" cstate="print">
+            <a:extLst>
+              <a:ext uri="{28A0092B-C50C-407E-A947-70E740481C1C}">
+                <a14:useLocalDpi xmlns:a14="http://schemas.microsoft.com/office/drawing/2010/main" val="0"/>
+              </a:ext>
+            </a:extLst>
+          </a:blip>
+          <a:stretch>
+            <a:fillRect/>
+          </a:stretch>
+        </p:blipFill>
+        <p:spPr>
+          <a:xfrm>
+            <a:off x="4622493" y="1160138"/>
+            <a:ext cx="1172201" cy="730562"/>
+          </a:xfrm>
+          <a:prstGeom prst="rect">
+            <a:avLst/>
+          </a:prstGeom>
+        </p:spPr>
+      </p:pic>
+      <p:pic>
+        <p:nvPicPr>
+          <p:cNvPr id="42" name="Picture 41"/>
+          <p:cNvPicPr>
+            <a:picLocks noChangeAspect="1"/>
+          </p:cNvPicPr>
+          <p:nvPr/>
+        </p:nvPicPr>
+        <p:blipFill>
+          <a:blip r:embed="rId5"/>
+          <a:stretch>
+            <a:fillRect/>
+          </a:stretch>
+        </p:blipFill>
+        <p:spPr>
+          <a:xfrm>
+            <a:off x="4573962" y="1999049"/>
+            <a:ext cx="1176087" cy="661549"/>
+          </a:xfrm>
+          <a:prstGeom prst="rect">
+            <a:avLst/>
+          </a:prstGeom>
+        </p:spPr>
+      </p:pic>
+      <p:pic>
+        <p:nvPicPr>
+          <p:cNvPr id="43" name="Picture 42"/>
+          <p:cNvPicPr>
+            <a:picLocks noChangeAspect="1"/>
+          </p:cNvPicPr>
+          <p:nvPr/>
+        </p:nvPicPr>
+        <p:blipFill>
+          <a:blip r:embed="rId6"/>
+          <a:stretch>
+            <a:fillRect/>
+          </a:stretch>
+        </p:blipFill>
+        <p:spPr>
+          <a:xfrm>
+            <a:off x="4644190" y="2742834"/>
+            <a:ext cx="1065754" cy="1065754"/>
+          </a:xfrm>
+          <a:prstGeom prst="rect">
+            <a:avLst/>
+          </a:prstGeom>
+        </p:spPr>
+      </p:pic>
+      <p:pic>
+        <p:nvPicPr>
+          <p:cNvPr id="44" name="Picture 43"/>
+          <p:cNvPicPr>
+            <a:picLocks noChangeAspect="1"/>
+          </p:cNvPicPr>
+          <p:nvPr/>
+        </p:nvPicPr>
+        <p:blipFill>
+          <a:blip r:embed="rId6"/>
+          <a:stretch>
+            <a:fillRect/>
+          </a:stretch>
+        </p:blipFill>
+        <p:spPr>
+          <a:xfrm>
+            <a:off x="10523620" y="1235242"/>
+            <a:ext cx="1065754" cy="1065754"/>
+          </a:xfrm>
+          <a:prstGeom prst="rect">
+            <a:avLst/>
+          </a:prstGeom>
+        </p:spPr>
+      </p:pic>
+      <p:pic>
+        <p:nvPicPr>
+          <p:cNvPr id="45" name="Picture 44"/>
+          <p:cNvPicPr>
+            <a:picLocks noChangeAspect="1"/>
+          </p:cNvPicPr>
+          <p:nvPr/>
+        </p:nvPicPr>
+        <p:blipFill>
+          <a:blip r:embed="rId6"/>
+          <a:stretch>
+            <a:fillRect/>
+          </a:stretch>
+        </p:blipFill>
+        <p:spPr>
+          <a:xfrm rot="5400000" flipV="1">
+            <a:off x="10523620" y="2418407"/>
+            <a:ext cx="1065754" cy="1065754"/>
+          </a:xfrm>
+          <a:prstGeom prst="rect">
+            <a:avLst/>
+          </a:prstGeom>
+        </p:spPr>
+      </p:pic>
+      <p:pic>
+        <p:nvPicPr>
+          <p:cNvPr id="46" name="Picture 45"/>
+          <p:cNvPicPr>
+            <a:picLocks noChangeAspect="1"/>
+          </p:cNvPicPr>
+          <p:nvPr/>
+        </p:nvPicPr>
+        <p:blipFill>
+          <a:blip r:embed="rId7"/>
+          <a:stretch>
+            <a:fillRect/>
+          </a:stretch>
+        </p:blipFill>
+        <p:spPr>
+          <a:xfrm>
+            <a:off x="4643116" y="5482406"/>
+            <a:ext cx="1065754" cy="1065754"/>
+          </a:xfrm>
+          <a:prstGeom prst="rect">
+            <a:avLst/>
+          </a:prstGeom>
+        </p:spPr>
+      </p:pic>
+      <p:pic>
+        <p:nvPicPr>
+          <p:cNvPr id="47" name="Picture 46"/>
+          <p:cNvPicPr>
+            <a:picLocks noChangeAspect="1"/>
+          </p:cNvPicPr>
+          <p:nvPr/>
+        </p:nvPicPr>
+        <p:blipFill>
+          <a:blip r:embed="rId6"/>
+          <a:stretch>
+            <a:fillRect/>
+          </a:stretch>
+        </p:blipFill>
+        <p:spPr>
+          <a:xfrm>
+            <a:off x="4654743" y="4217447"/>
+            <a:ext cx="1065754" cy="1065754"/>
+          </a:xfrm>
+          <a:prstGeom prst="rect">
+            <a:avLst/>
+          </a:prstGeom>
+        </p:spPr>
+      </p:pic>
+      <p:grpSp>
+        <p:nvGrpSpPr>
+          <p:cNvPr id="51" name="Group 50"/>
+          <p:cNvGrpSpPr/>
+          <p:nvPr/>
+        </p:nvGrpSpPr>
+        <p:grpSpPr>
+          <a:xfrm>
+            <a:off x="9488261" y="3953778"/>
+            <a:ext cx="2397332" cy="2273670"/>
+            <a:chOff x="9488261" y="4391031"/>
+            <a:chExt cx="2397332" cy="1796311"/>
+          </a:xfrm>
+        </p:grpSpPr>
+        <p:pic>
+          <p:nvPicPr>
+            <p:cNvPr id="52" name="Picture 51"/>
+            <p:cNvPicPr>
+              <a:picLocks noChangeAspect="1"/>
+            </p:cNvPicPr>
+            <p:nvPr/>
+          </p:nvPicPr>
+          <p:blipFill>
+            <a:blip r:embed="rId8"/>
+            <a:stretch>
+              <a:fillRect/>
+            </a:stretch>
+          </p:blipFill>
+          <p:spPr>
+            <a:xfrm>
+              <a:off x="9488261" y="4391031"/>
+              <a:ext cx="2397332" cy="1796311"/>
+            </a:xfrm>
+            <a:prstGeom prst="rect">
+              <a:avLst/>
+            </a:prstGeom>
+          </p:spPr>
+        </p:pic>
+        <p:pic>
+          <p:nvPicPr>
+            <p:cNvPr id="53" name="Picture 52"/>
+            <p:cNvPicPr>
+              <a:picLocks noChangeAspect="1"/>
+            </p:cNvPicPr>
+            <p:nvPr/>
+          </p:nvPicPr>
+          <p:blipFill>
+            <a:blip r:embed="rId6"/>
+            <a:stretch>
+              <a:fillRect/>
+            </a:stretch>
+          </p:blipFill>
+          <p:spPr>
+            <a:xfrm>
+              <a:off x="9793704" y="4628147"/>
+              <a:ext cx="1795669" cy="1012673"/>
+            </a:xfrm>
+            <a:prstGeom prst="rect">
+              <a:avLst/>
+            </a:prstGeom>
+          </p:spPr>
+        </p:pic>
+      </p:grpSp>
+    </p:spTree>
+    <p:extLst>
+      <p:ext uri="{BB962C8B-B14F-4D97-AF65-F5344CB8AC3E}">
+        <p14:creationId xmlns:p14="http://schemas.microsoft.com/office/powerpoint/2010/main" val="3892622776"/>
+      </p:ext>
+    </p:extLst>
+  </p:cSld>
+  <p:clrMapOvr>
+    <a:masterClrMapping/>
+  </p:clrMapOvr>
+</p:sld>
+</file>
+
+<file path=ppt/slides/slide7.xml><?xml version="1.0" encoding="utf-8"?>
 <p:sld xmlns:a="http://schemas.openxmlformats.org/drawingml/2006/main" xmlns:r="http://schemas.openxmlformats.org/officeDocument/2006/relationships" xmlns:p="http://schemas.openxmlformats.org/presentationml/2006/main">
   <p:cSld>
     <p:spTree>
@@ -6073,6 +12912,10 @@
           </a:bodyPr>
           <a:lstStyle/>
           <a:p>
+            <a:r>
+              <a:rPr lang="en-US" dirty="0" smtClean="0"/>
+              <a:t>Use VGA Monitor to Visually Verify Correct Functionality</a:t>
+            </a:r>
             <a:endParaRPr lang="en-US" dirty="0"/>
           </a:p>
         </p:txBody>
@@ -7478,7 +14321,7 @@
           <p:cNvPr id="31" name="Content Placeholder 3">
             <a:extLst>
               <a:ext uri="{FF2B5EF4-FFF2-40B4-BE49-F238E27FC236}">
-                <a16:creationId xmlns:a16="http://schemas.microsoft.com/office/drawing/2014/main" id="{857F0F0B-2941-44D0-B122-39A500B32BA6}"/>
+                <a16:creationId xmlns:a16="http://schemas.microsoft.com/office/drawing/2014/main" xmlns="" id="{857F0F0B-2941-44D0-B122-39A500B32BA6}"/>
               </a:ext>
             </a:extLst>
           </p:cNvPr>
@@ -7775,7 +14618,7 @@
 </p:sld>
 </file>
 
-<file path=ppt/slides/slide4.xml><?xml version="1.0" encoding="utf-8"?>
+<file path=ppt/slides/slide8.xml><?xml version="1.0" encoding="utf-8"?>
 <p:sld xmlns:a="http://schemas.openxmlformats.org/drawingml/2006/main" xmlns:r="http://schemas.openxmlformats.org/officeDocument/2006/relationships" xmlns:p="http://schemas.openxmlformats.org/presentationml/2006/main">
   <p:cSld>
     <p:spTree>
@@ -8073,7 +14916,7 @@
 </p:sld>
 </file>
 
-<file path=ppt/slides/slide5.xml><?xml version="1.0" encoding="utf-8"?>
+<file path=ppt/slides/slide9.xml><?xml version="1.0" encoding="utf-8"?>
 <p:sld xmlns:a="http://schemas.openxmlformats.org/drawingml/2006/main" xmlns:r="http://schemas.openxmlformats.org/officeDocument/2006/relationships" xmlns:p="http://schemas.openxmlformats.org/presentationml/2006/main">
   <p:cSld>
     <p:spTree>
@@ -8382,6 +15225,16 @@
           </a:bodyPr>
           <a:lstStyle/>
           <a:p>
+            <a:r>
+              <a:rPr lang="en-US" dirty="0" smtClean="0"/>
+              <a:t>Switch Logic Low: Original Image is Output</a:t>
+            </a:r>
+          </a:p>
+          <a:p>
+            <a:r>
+              <a:rPr lang="en-US" dirty="0" smtClean="0"/>
+              <a:t>Switch Logic High: Transpose Image is Output</a:t>
+            </a:r>
             <a:endParaRPr lang="en-US" dirty="0"/>
           </a:p>
         </p:txBody>
@@ -9787,7 +16640,7 @@
           <p:cNvPr id="31" name="Content Placeholder 3">
             <a:extLst>
               <a:ext uri="{FF2B5EF4-FFF2-40B4-BE49-F238E27FC236}">
-                <a16:creationId xmlns:a16="http://schemas.microsoft.com/office/drawing/2014/main" id="{2B8F98E8-FBA6-4807-8096-7BB9D459A8B4}"/>
+                <a16:creationId xmlns:a16="http://schemas.microsoft.com/office/drawing/2014/main" xmlns="" id="{2B8F98E8-FBA6-4807-8096-7BB9D459A8B4}"/>
               </a:ext>
             </a:extLst>
           </p:cNvPr>
@@ -10326,7 +17179,7 @@
   <a:extraClrSchemeLst/>
   <a:extLst>
     <a:ext uri="{05A4C25C-085E-4340-85A3-A5531E510DB2}">
-      <thm15:themeFamily xmlns:thm15="http://schemas.microsoft.com/office/thememl/2012/main" name="Wood Type" id="{7ACABC62-BF99-48CF-A9DC-4DB89C7B13DC}" vid="{142A1326-48AB-42A9-8428-CB14AA30176D}"/>
+      <thm15:themeFamily xmlns:thm15="http://schemas.microsoft.com/office/thememl/2012/main" xmlns="" name="Wood Type" id="{7ACABC62-BF99-48CF-A9DC-4DB89C7B13DC}" vid="{142A1326-48AB-42A9-8428-CB14AA30176D}"/>
     </a:ext>
   </a:extLst>
 </a:theme>
